--- a/assignments/ps04/CS6476-PS4.pptx
+++ b/assignments/ps04/CS6476-PS4.pptx
@@ -30,7 +30,7 @@
     <p:sldId id="277" r:id="rId25"/>
   </p:sldIdLst>
   <p:sldSz cx="9144000" cy="5143500"/>
-  <p:notesSz cx="6858000" cy="9144000"/>
+  <p:notesSz cx="7559675" cy="10691812"/>
 </p:presentation>
 </file>
 
@@ -75,7 +75,7 @@
       </p:grpSpPr>
       <p:sp>
         <p:nvSpPr>
-          <p:cNvPr id="24" name="PlaceHolder 1"/>
+          <p:cNvPr id="23" name="PlaceHolder 1"/>
           <p:cNvSpPr>
             <a:spLocks noGrp="1"/>
           </p:cNvSpPr>
@@ -86,7 +86,7 @@
         <p:spPr>
           <a:xfrm>
             <a:off x="457200" y="205920"/>
-            <a:ext cx="8229240" cy="857160"/>
+            <a:ext cx="8228880" cy="856800"/>
           </a:xfrm>
           <a:prstGeom prst="rect">
             <a:avLst/>
@@ -95,23 +95,24 @@
         <p:txBody>
           <a:bodyPr lIns="0" rIns="0" tIns="0" bIns="0" anchor="ctr"/>
           <a:p>
-            <a:endParaRPr b="0" lang="en-IE" sz="1400" spc="-1" strike="noStrike">
-              <a:solidFill>
-                <a:srgbClr val="000000"/>
-              </a:solidFill>
-              <a:uFill>
-                <a:solidFill>
-                  <a:srgbClr val="ffffff"/>
-                </a:solidFill>
-              </a:uFill>
-              <a:latin typeface="Arial"/>
-            </a:endParaRPr>
-          </a:p>
-        </p:txBody>
-      </p:sp>
-      <p:sp>
-        <p:nvSpPr>
-          <p:cNvPr id="25" name="PlaceHolder 2"/>
+            <a:pPr algn="ctr"/>
+            <a:endParaRPr b="0" lang="en-IE" sz="4400" spc="-1" strike="noStrike">
+              <a:solidFill>
+                <a:srgbClr val="000000"/>
+              </a:solidFill>
+              <a:uFill>
+                <a:solidFill>
+                  <a:srgbClr val="ffffff"/>
+                </a:solidFill>
+              </a:uFill>
+              <a:latin typeface="Arial"/>
+            </a:endParaRPr>
+          </a:p>
+        </p:txBody>
+      </p:sp>
+      <p:sp>
+        <p:nvSpPr>
+          <p:cNvPr id="24" name="PlaceHolder 2"/>
           <p:cNvSpPr>
             <a:spLocks noGrp="1"/>
           </p:cNvSpPr>
@@ -122,7 +123,7 @@
         <p:spPr>
           <a:xfrm>
             <a:off x="457200" y="1200240"/>
-            <a:ext cx="8229240" cy="1776600"/>
+            <a:ext cx="8228880" cy="1776600"/>
           </a:xfrm>
           <a:prstGeom prst="rect">
             <a:avLst/>
@@ -131,23 +132,23 @@
         <p:txBody>
           <a:bodyPr lIns="0" rIns="0" tIns="0" bIns="0"/>
           <a:p>
-            <a:endParaRPr b="0" lang="en-IE" sz="1400" spc="-1" strike="noStrike">
-              <a:solidFill>
-                <a:srgbClr val="000000"/>
-              </a:solidFill>
-              <a:uFill>
-                <a:solidFill>
-                  <a:srgbClr val="ffffff"/>
-                </a:solidFill>
-              </a:uFill>
-              <a:latin typeface="Arial"/>
-            </a:endParaRPr>
-          </a:p>
-        </p:txBody>
-      </p:sp>
-      <p:sp>
-        <p:nvSpPr>
-          <p:cNvPr id="26" name="PlaceHolder 3"/>
+            <a:endParaRPr b="0" lang="en-IE" sz="3200" spc="-1" strike="noStrike">
+              <a:solidFill>
+                <a:srgbClr val="000000"/>
+              </a:solidFill>
+              <a:uFill>
+                <a:solidFill>
+                  <a:srgbClr val="ffffff"/>
+                </a:solidFill>
+              </a:uFill>
+              <a:latin typeface="Arial"/>
+            </a:endParaRPr>
+          </a:p>
+        </p:txBody>
+      </p:sp>
+      <p:sp>
+        <p:nvSpPr>
+          <p:cNvPr id="25" name="PlaceHolder 3"/>
           <p:cNvSpPr>
             <a:spLocks noGrp="1"/>
           </p:cNvSpPr>
@@ -158,7 +159,7 @@
         <p:spPr>
           <a:xfrm>
             <a:off x="457200" y="3146040"/>
-            <a:ext cx="8229240" cy="1776600"/>
+            <a:ext cx="8228880" cy="1776600"/>
           </a:xfrm>
           <a:prstGeom prst="rect">
             <a:avLst/>
@@ -167,7 +168,7 @@
         <p:txBody>
           <a:bodyPr lIns="0" rIns="0" tIns="0" bIns="0"/>
           <a:p>
-            <a:endParaRPr b="0" lang="en-IE" sz="1400" spc="-1" strike="noStrike">
+            <a:endParaRPr b="0" lang="en-IE" sz="3200" spc="-1" strike="noStrike">
               <a:solidFill>
                 <a:srgbClr val="000000"/>
               </a:solidFill>
@@ -205,7 +206,7 @@
       </p:grpSpPr>
       <p:sp>
         <p:nvSpPr>
-          <p:cNvPr id="27" name="PlaceHolder 1"/>
+          <p:cNvPr id="26" name="PlaceHolder 1"/>
           <p:cNvSpPr>
             <a:spLocks noGrp="1"/>
           </p:cNvSpPr>
@@ -216,7 +217,7 @@
         <p:spPr>
           <a:xfrm>
             <a:off x="457200" y="205920"/>
-            <a:ext cx="8229240" cy="857160"/>
+            <a:ext cx="8228880" cy="856800"/>
           </a:xfrm>
           <a:prstGeom prst="rect">
             <a:avLst/>
@@ -225,23 +226,24 @@
         <p:txBody>
           <a:bodyPr lIns="0" rIns="0" tIns="0" bIns="0" anchor="ctr"/>
           <a:p>
-            <a:endParaRPr b="0" lang="en-IE" sz="1400" spc="-1" strike="noStrike">
-              <a:solidFill>
-                <a:srgbClr val="000000"/>
-              </a:solidFill>
-              <a:uFill>
-                <a:solidFill>
-                  <a:srgbClr val="ffffff"/>
-                </a:solidFill>
-              </a:uFill>
-              <a:latin typeface="Arial"/>
-            </a:endParaRPr>
-          </a:p>
-        </p:txBody>
-      </p:sp>
-      <p:sp>
-        <p:nvSpPr>
-          <p:cNvPr id="28" name="PlaceHolder 2"/>
+            <a:pPr algn="ctr"/>
+            <a:endParaRPr b="0" lang="en-IE" sz="4400" spc="-1" strike="noStrike">
+              <a:solidFill>
+                <a:srgbClr val="000000"/>
+              </a:solidFill>
+              <a:uFill>
+                <a:solidFill>
+                  <a:srgbClr val="ffffff"/>
+                </a:solidFill>
+              </a:uFill>
+              <a:latin typeface="Arial"/>
+            </a:endParaRPr>
+          </a:p>
+        </p:txBody>
+      </p:sp>
+      <p:sp>
+        <p:nvSpPr>
+          <p:cNvPr id="27" name="PlaceHolder 2"/>
           <p:cNvSpPr>
             <a:spLocks noGrp="1"/>
           </p:cNvSpPr>
@@ -252,7 +254,7 @@
         <p:spPr>
           <a:xfrm>
             <a:off x="457200" y="1200240"/>
-            <a:ext cx="4015800" cy="1776600"/>
+            <a:ext cx="4015440" cy="1776600"/>
           </a:xfrm>
           <a:prstGeom prst="rect">
             <a:avLst/>
@@ -261,23 +263,23 @@
         <p:txBody>
           <a:bodyPr lIns="0" rIns="0" tIns="0" bIns="0"/>
           <a:p>
-            <a:endParaRPr b="0" lang="en-IE" sz="1400" spc="-1" strike="noStrike">
-              <a:solidFill>
-                <a:srgbClr val="000000"/>
-              </a:solidFill>
-              <a:uFill>
-                <a:solidFill>
-                  <a:srgbClr val="ffffff"/>
-                </a:solidFill>
-              </a:uFill>
-              <a:latin typeface="Arial"/>
-            </a:endParaRPr>
-          </a:p>
-        </p:txBody>
-      </p:sp>
-      <p:sp>
-        <p:nvSpPr>
-          <p:cNvPr id="29" name="PlaceHolder 3"/>
+            <a:endParaRPr b="0" lang="en-IE" sz="3200" spc="-1" strike="noStrike">
+              <a:solidFill>
+                <a:srgbClr val="000000"/>
+              </a:solidFill>
+              <a:uFill>
+                <a:solidFill>
+                  <a:srgbClr val="ffffff"/>
+                </a:solidFill>
+              </a:uFill>
+              <a:latin typeface="Arial"/>
+            </a:endParaRPr>
+          </a:p>
+        </p:txBody>
+      </p:sp>
+      <p:sp>
+        <p:nvSpPr>
+          <p:cNvPr id="28" name="PlaceHolder 3"/>
           <p:cNvSpPr>
             <a:spLocks noGrp="1"/>
           </p:cNvSpPr>
@@ -287,8 +289,8 @@
         </p:nvSpPr>
         <p:spPr>
           <a:xfrm>
-            <a:off x="4674240" y="1200240"/>
-            <a:ext cx="4015800" cy="1776600"/>
+            <a:off x="4673880" y="1200240"/>
+            <a:ext cx="4015440" cy="1776600"/>
           </a:xfrm>
           <a:prstGeom prst="rect">
             <a:avLst/>
@@ -297,23 +299,23 @@
         <p:txBody>
           <a:bodyPr lIns="0" rIns="0" tIns="0" bIns="0"/>
           <a:p>
-            <a:endParaRPr b="0" lang="en-IE" sz="1400" spc="-1" strike="noStrike">
-              <a:solidFill>
-                <a:srgbClr val="000000"/>
-              </a:solidFill>
-              <a:uFill>
-                <a:solidFill>
-                  <a:srgbClr val="ffffff"/>
-                </a:solidFill>
-              </a:uFill>
-              <a:latin typeface="Arial"/>
-            </a:endParaRPr>
-          </a:p>
-        </p:txBody>
-      </p:sp>
-      <p:sp>
-        <p:nvSpPr>
-          <p:cNvPr id="30" name="PlaceHolder 4"/>
+            <a:endParaRPr b="0" lang="en-IE" sz="3200" spc="-1" strike="noStrike">
+              <a:solidFill>
+                <a:srgbClr val="000000"/>
+              </a:solidFill>
+              <a:uFill>
+                <a:solidFill>
+                  <a:srgbClr val="ffffff"/>
+                </a:solidFill>
+              </a:uFill>
+              <a:latin typeface="Arial"/>
+            </a:endParaRPr>
+          </a:p>
+        </p:txBody>
+      </p:sp>
+      <p:sp>
+        <p:nvSpPr>
+          <p:cNvPr id="29" name="PlaceHolder 4"/>
           <p:cNvSpPr>
             <a:spLocks noGrp="1"/>
           </p:cNvSpPr>
@@ -323,8 +325,8 @@
         </p:nvSpPr>
         <p:spPr>
           <a:xfrm>
-            <a:off x="4674240" y="3146040"/>
-            <a:ext cx="4015800" cy="1776600"/>
+            <a:off x="4673880" y="3146040"/>
+            <a:ext cx="4015440" cy="1776600"/>
           </a:xfrm>
           <a:prstGeom prst="rect">
             <a:avLst/>
@@ -333,23 +335,23 @@
         <p:txBody>
           <a:bodyPr lIns="0" rIns="0" tIns="0" bIns="0"/>
           <a:p>
-            <a:endParaRPr b="0" lang="en-IE" sz="1400" spc="-1" strike="noStrike">
-              <a:solidFill>
-                <a:srgbClr val="000000"/>
-              </a:solidFill>
-              <a:uFill>
-                <a:solidFill>
-                  <a:srgbClr val="ffffff"/>
-                </a:solidFill>
-              </a:uFill>
-              <a:latin typeface="Arial"/>
-            </a:endParaRPr>
-          </a:p>
-        </p:txBody>
-      </p:sp>
-      <p:sp>
-        <p:nvSpPr>
-          <p:cNvPr id="31" name="PlaceHolder 5"/>
+            <a:endParaRPr b="0" lang="en-IE" sz="3200" spc="-1" strike="noStrike">
+              <a:solidFill>
+                <a:srgbClr val="000000"/>
+              </a:solidFill>
+              <a:uFill>
+                <a:solidFill>
+                  <a:srgbClr val="ffffff"/>
+                </a:solidFill>
+              </a:uFill>
+              <a:latin typeface="Arial"/>
+            </a:endParaRPr>
+          </a:p>
+        </p:txBody>
+      </p:sp>
+      <p:sp>
+        <p:nvSpPr>
+          <p:cNvPr id="30" name="PlaceHolder 5"/>
           <p:cNvSpPr>
             <a:spLocks noGrp="1"/>
           </p:cNvSpPr>
@@ -360,7 +362,7 @@
         <p:spPr>
           <a:xfrm>
             <a:off x="457200" y="3146040"/>
-            <a:ext cx="4015800" cy="1776600"/>
+            <a:ext cx="4015440" cy="1776600"/>
           </a:xfrm>
           <a:prstGeom prst="rect">
             <a:avLst/>
@@ -369,7 +371,7 @@
         <p:txBody>
           <a:bodyPr lIns="0" rIns="0" tIns="0" bIns="0"/>
           <a:p>
-            <a:endParaRPr b="0" lang="en-IE" sz="1400" spc="-1" strike="noStrike">
+            <a:endParaRPr b="0" lang="en-IE" sz="3200" spc="-1" strike="noStrike">
               <a:solidFill>
                 <a:srgbClr val="000000"/>
               </a:solidFill>
@@ -407,7 +409,7 @@
       </p:grpSpPr>
       <p:sp>
         <p:nvSpPr>
-          <p:cNvPr id="32" name="PlaceHolder 1"/>
+          <p:cNvPr id="31" name="PlaceHolder 1"/>
           <p:cNvSpPr>
             <a:spLocks noGrp="1"/>
           </p:cNvSpPr>
@@ -418,7 +420,7 @@
         <p:spPr>
           <a:xfrm>
             <a:off x="457200" y="205920"/>
-            <a:ext cx="8229240" cy="857160"/>
+            <a:ext cx="8228880" cy="856800"/>
           </a:xfrm>
           <a:prstGeom prst="rect">
             <a:avLst/>
@@ -427,23 +429,24 @@
         <p:txBody>
           <a:bodyPr lIns="0" rIns="0" tIns="0" bIns="0" anchor="ctr"/>
           <a:p>
-            <a:endParaRPr b="0" lang="en-IE" sz="1400" spc="-1" strike="noStrike">
-              <a:solidFill>
-                <a:srgbClr val="000000"/>
-              </a:solidFill>
-              <a:uFill>
-                <a:solidFill>
-                  <a:srgbClr val="ffffff"/>
-                </a:solidFill>
-              </a:uFill>
-              <a:latin typeface="Arial"/>
-            </a:endParaRPr>
-          </a:p>
-        </p:txBody>
-      </p:sp>
-      <p:sp>
-        <p:nvSpPr>
-          <p:cNvPr id="33" name="PlaceHolder 2"/>
+            <a:pPr algn="ctr"/>
+            <a:endParaRPr b="0" lang="en-IE" sz="4400" spc="-1" strike="noStrike">
+              <a:solidFill>
+                <a:srgbClr val="000000"/>
+              </a:solidFill>
+              <a:uFill>
+                <a:solidFill>
+                  <a:srgbClr val="ffffff"/>
+                </a:solidFill>
+              </a:uFill>
+              <a:latin typeface="Arial"/>
+            </a:endParaRPr>
+          </a:p>
+        </p:txBody>
+      </p:sp>
+      <p:sp>
+        <p:nvSpPr>
+          <p:cNvPr id="32" name="PlaceHolder 2"/>
           <p:cNvSpPr>
             <a:spLocks noGrp="1"/>
           </p:cNvSpPr>
@@ -454,7 +457,7 @@
         <p:spPr>
           <a:xfrm>
             <a:off x="457200" y="1200240"/>
-            <a:ext cx="8229240" cy="3725280"/>
+            <a:ext cx="8228880" cy="3724920"/>
           </a:xfrm>
           <a:prstGeom prst="rect">
             <a:avLst/>
@@ -463,23 +466,23 @@
         <p:txBody>
           <a:bodyPr lIns="0" rIns="0" tIns="0" bIns="0"/>
           <a:p>
-            <a:endParaRPr b="0" lang="en-IE" sz="1400" spc="-1" strike="noStrike">
-              <a:solidFill>
-                <a:srgbClr val="000000"/>
-              </a:solidFill>
-              <a:uFill>
-                <a:solidFill>
-                  <a:srgbClr val="ffffff"/>
-                </a:solidFill>
-              </a:uFill>
-              <a:latin typeface="Arial"/>
-            </a:endParaRPr>
-          </a:p>
-        </p:txBody>
-      </p:sp>
-      <p:sp>
-        <p:nvSpPr>
-          <p:cNvPr id="34" name="PlaceHolder 3"/>
+            <a:endParaRPr b="0" lang="en-IE" sz="3200" spc="-1" strike="noStrike">
+              <a:solidFill>
+                <a:srgbClr val="000000"/>
+              </a:solidFill>
+              <a:uFill>
+                <a:solidFill>
+                  <a:srgbClr val="ffffff"/>
+                </a:solidFill>
+              </a:uFill>
+              <a:latin typeface="Arial"/>
+            </a:endParaRPr>
+          </a:p>
+        </p:txBody>
+      </p:sp>
+      <p:sp>
+        <p:nvSpPr>
+          <p:cNvPr id="33" name="PlaceHolder 3"/>
           <p:cNvSpPr>
             <a:spLocks noGrp="1"/>
           </p:cNvSpPr>
@@ -490,7 +493,7 @@
         <p:spPr>
           <a:xfrm>
             <a:off x="457200" y="1200240"/>
-            <a:ext cx="8229240" cy="3725280"/>
+            <a:ext cx="8228880" cy="3724920"/>
           </a:xfrm>
           <a:prstGeom prst="rect">
             <a:avLst/>
@@ -499,20 +502,43 @@
         <p:txBody>
           <a:bodyPr lIns="0" rIns="0" tIns="0" bIns="0"/>
           <a:p>
-            <a:endParaRPr b="0" lang="en-IE" sz="1400" spc="-1" strike="noStrike">
-              <a:solidFill>
-                <a:srgbClr val="000000"/>
-              </a:solidFill>
-              <a:uFill>
-                <a:solidFill>
-                  <a:srgbClr val="ffffff"/>
-                </a:solidFill>
-              </a:uFill>
-              <a:latin typeface="Arial"/>
-            </a:endParaRPr>
-          </a:p>
-        </p:txBody>
-      </p:sp>
+            <a:endParaRPr b="0" lang="en-IE" sz="3200" spc="-1" strike="noStrike">
+              <a:solidFill>
+                <a:srgbClr val="000000"/>
+              </a:solidFill>
+              <a:uFill>
+                <a:solidFill>
+                  <a:srgbClr val="ffffff"/>
+                </a:solidFill>
+              </a:uFill>
+              <a:latin typeface="Arial"/>
+            </a:endParaRPr>
+          </a:p>
+        </p:txBody>
+      </p:sp>
+      <p:pic>
+        <p:nvPicPr>
+          <p:cNvPr id="34" name="" descr=""/>
+          <p:cNvPicPr/>
+          <p:nvPr/>
+        </p:nvPicPr>
+        <p:blipFill>
+          <a:blip r:embed="rId2"/>
+          <a:stretch/>
+        </p:blipFill>
+        <p:spPr>
+          <a:xfrm>
+            <a:off x="2237400" y="1199880"/>
+            <a:ext cx="4668480" cy="3724920"/>
+          </a:xfrm>
+          <a:prstGeom prst="rect">
+            <a:avLst/>
+          </a:prstGeom>
+          <a:ln>
+            <a:noFill/>
+          </a:ln>
+        </p:spPr>
+      </p:pic>
       <p:pic>
         <p:nvPicPr>
           <p:cNvPr id="35" name="" descr=""/>
@@ -520,36 +546,13 @@
           <p:nvPr/>
         </p:nvPicPr>
         <p:blipFill>
-          <a:blip r:embed="rId2"/>
-          <a:stretch/>
-        </p:blipFill>
-        <p:spPr>
-          <a:xfrm>
-            <a:off x="2237040" y="1200240"/>
-            <a:ext cx="4668840" cy="3725280"/>
-          </a:xfrm>
-          <a:prstGeom prst="rect">
-            <a:avLst/>
-          </a:prstGeom>
-          <a:ln>
-            <a:noFill/>
-          </a:ln>
-        </p:spPr>
-      </p:pic>
-      <p:pic>
-        <p:nvPicPr>
-          <p:cNvPr id="36" name="" descr=""/>
-          <p:cNvPicPr/>
-          <p:nvPr/>
-        </p:nvPicPr>
-        <p:blipFill>
           <a:blip r:embed="rId3"/>
           <a:stretch/>
         </p:blipFill>
         <p:spPr>
           <a:xfrm>
-            <a:off x="2237040" y="1200240"/>
-            <a:ext cx="4668840" cy="3725280"/>
+            <a:off x="2237400" y="1199880"/>
+            <a:ext cx="4668480" cy="3724920"/>
           </a:xfrm>
           <a:prstGeom prst="rect">
             <a:avLst/>
@@ -605,7 +608,7 @@
       </p:grpSpPr>
       <p:sp>
         <p:nvSpPr>
-          <p:cNvPr id="40" name="PlaceHolder 1"/>
+          <p:cNvPr id="38" name="PlaceHolder 1"/>
           <p:cNvSpPr>
             <a:spLocks noGrp="1"/>
           </p:cNvSpPr>
@@ -616,7 +619,7 @@
         <p:spPr>
           <a:xfrm>
             <a:off x="457200" y="205920"/>
-            <a:ext cx="8229240" cy="857160"/>
+            <a:ext cx="8228880" cy="856800"/>
           </a:xfrm>
           <a:prstGeom prst="rect">
             <a:avLst/>
@@ -625,23 +628,24 @@
         <p:txBody>
           <a:bodyPr lIns="0" rIns="0" tIns="0" bIns="0" anchor="ctr"/>
           <a:p>
-            <a:endParaRPr b="0" lang="en-IE" sz="1400" spc="-1" strike="noStrike">
-              <a:solidFill>
-                <a:srgbClr val="000000"/>
-              </a:solidFill>
-              <a:uFill>
-                <a:solidFill>
-                  <a:srgbClr val="ffffff"/>
-                </a:solidFill>
-              </a:uFill>
-              <a:latin typeface="Arial"/>
-            </a:endParaRPr>
-          </a:p>
-        </p:txBody>
-      </p:sp>
-      <p:sp>
-        <p:nvSpPr>
-          <p:cNvPr id="41" name="PlaceHolder 2"/>
+            <a:pPr algn="ctr"/>
+            <a:endParaRPr b="0" lang="en-IE" sz="4400" spc="-1" strike="noStrike">
+              <a:solidFill>
+                <a:srgbClr val="000000"/>
+              </a:solidFill>
+              <a:uFill>
+                <a:solidFill>
+                  <a:srgbClr val="ffffff"/>
+                </a:solidFill>
+              </a:uFill>
+              <a:latin typeface="Arial"/>
+            </a:endParaRPr>
+          </a:p>
+        </p:txBody>
+      </p:sp>
+      <p:sp>
+        <p:nvSpPr>
+          <p:cNvPr id="39" name="PlaceHolder 2"/>
           <p:cNvSpPr>
             <a:spLocks noGrp="1"/>
           </p:cNvSpPr>
@@ -652,7 +656,7 @@
         <p:spPr>
           <a:xfrm>
             <a:off x="457200" y="1200240"/>
-            <a:ext cx="8229240" cy="3725280"/>
+            <a:ext cx="8228880" cy="3724920"/>
           </a:xfrm>
           <a:prstGeom prst="rect">
             <a:avLst/>
@@ -700,7 +704,7 @@
       </p:grpSpPr>
       <p:sp>
         <p:nvSpPr>
-          <p:cNvPr id="42" name="PlaceHolder 1"/>
+          <p:cNvPr id="40" name="PlaceHolder 1"/>
           <p:cNvSpPr>
             <a:spLocks noGrp="1"/>
           </p:cNvSpPr>
@@ -711,7 +715,7 @@
         <p:spPr>
           <a:xfrm>
             <a:off x="457200" y="205920"/>
-            <a:ext cx="8229240" cy="857160"/>
+            <a:ext cx="8228880" cy="856800"/>
           </a:xfrm>
           <a:prstGeom prst="rect">
             <a:avLst/>
@@ -720,23 +724,24 @@
         <p:txBody>
           <a:bodyPr lIns="0" rIns="0" tIns="0" bIns="0" anchor="ctr"/>
           <a:p>
-            <a:endParaRPr b="0" lang="en-IE" sz="1400" spc="-1" strike="noStrike">
-              <a:solidFill>
-                <a:srgbClr val="000000"/>
-              </a:solidFill>
-              <a:uFill>
-                <a:solidFill>
-                  <a:srgbClr val="ffffff"/>
-                </a:solidFill>
-              </a:uFill>
-              <a:latin typeface="Arial"/>
-            </a:endParaRPr>
-          </a:p>
-        </p:txBody>
-      </p:sp>
-      <p:sp>
-        <p:nvSpPr>
-          <p:cNvPr id="43" name="PlaceHolder 2"/>
+            <a:pPr algn="ctr"/>
+            <a:endParaRPr b="0" lang="en-IE" sz="4400" spc="-1" strike="noStrike">
+              <a:solidFill>
+                <a:srgbClr val="000000"/>
+              </a:solidFill>
+              <a:uFill>
+                <a:solidFill>
+                  <a:srgbClr val="ffffff"/>
+                </a:solidFill>
+              </a:uFill>
+              <a:latin typeface="Arial"/>
+            </a:endParaRPr>
+          </a:p>
+        </p:txBody>
+      </p:sp>
+      <p:sp>
+        <p:nvSpPr>
+          <p:cNvPr id="41" name="PlaceHolder 2"/>
           <p:cNvSpPr>
             <a:spLocks noGrp="1"/>
           </p:cNvSpPr>
@@ -747,7 +752,7 @@
         <p:spPr>
           <a:xfrm>
             <a:off x="457200" y="1200240"/>
-            <a:ext cx="8229240" cy="3725280"/>
+            <a:ext cx="8228880" cy="3724920"/>
           </a:xfrm>
           <a:prstGeom prst="rect">
             <a:avLst/>
@@ -756,7 +761,7 @@
         <p:txBody>
           <a:bodyPr lIns="0" rIns="0" tIns="0" bIns="0"/>
           <a:p>
-            <a:endParaRPr b="0" lang="en-IE" sz="1400" spc="-1" strike="noStrike">
+            <a:endParaRPr b="0" lang="en-IE" sz="3200" spc="-1" strike="noStrike">
               <a:solidFill>
                 <a:srgbClr val="000000"/>
               </a:solidFill>
@@ -794,7 +799,7 @@
       </p:grpSpPr>
       <p:sp>
         <p:nvSpPr>
-          <p:cNvPr id="44" name="PlaceHolder 1"/>
+          <p:cNvPr id="42" name="PlaceHolder 1"/>
           <p:cNvSpPr>
             <a:spLocks noGrp="1"/>
           </p:cNvSpPr>
@@ -805,7 +810,7 @@
         <p:spPr>
           <a:xfrm>
             <a:off x="457200" y="205920"/>
-            <a:ext cx="8229240" cy="857160"/>
+            <a:ext cx="8228880" cy="856800"/>
           </a:xfrm>
           <a:prstGeom prst="rect">
             <a:avLst/>
@@ -814,23 +819,24 @@
         <p:txBody>
           <a:bodyPr lIns="0" rIns="0" tIns="0" bIns="0" anchor="ctr"/>
           <a:p>
-            <a:endParaRPr b="0" lang="en-IE" sz="1400" spc="-1" strike="noStrike">
-              <a:solidFill>
-                <a:srgbClr val="000000"/>
-              </a:solidFill>
-              <a:uFill>
-                <a:solidFill>
-                  <a:srgbClr val="ffffff"/>
-                </a:solidFill>
-              </a:uFill>
-              <a:latin typeface="Arial"/>
-            </a:endParaRPr>
-          </a:p>
-        </p:txBody>
-      </p:sp>
-      <p:sp>
-        <p:nvSpPr>
-          <p:cNvPr id="45" name="PlaceHolder 2"/>
+            <a:pPr algn="ctr"/>
+            <a:endParaRPr b="0" lang="en-IE" sz="4400" spc="-1" strike="noStrike">
+              <a:solidFill>
+                <a:srgbClr val="000000"/>
+              </a:solidFill>
+              <a:uFill>
+                <a:solidFill>
+                  <a:srgbClr val="ffffff"/>
+                </a:solidFill>
+              </a:uFill>
+              <a:latin typeface="Arial"/>
+            </a:endParaRPr>
+          </a:p>
+        </p:txBody>
+      </p:sp>
+      <p:sp>
+        <p:nvSpPr>
+          <p:cNvPr id="43" name="PlaceHolder 2"/>
           <p:cNvSpPr>
             <a:spLocks noGrp="1"/>
           </p:cNvSpPr>
@@ -841,7 +847,7 @@
         <p:spPr>
           <a:xfrm>
             <a:off x="457200" y="1200240"/>
-            <a:ext cx="4015800" cy="3725280"/>
+            <a:ext cx="4015440" cy="3724920"/>
           </a:xfrm>
           <a:prstGeom prst="rect">
             <a:avLst/>
@@ -850,23 +856,23 @@
         <p:txBody>
           <a:bodyPr lIns="0" rIns="0" tIns="0" bIns="0"/>
           <a:p>
-            <a:endParaRPr b="0" lang="en-IE" sz="1400" spc="-1" strike="noStrike">
-              <a:solidFill>
-                <a:srgbClr val="000000"/>
-              </a:solidFill>
-              <a:uFill>
-                <a:solidFill>
-                  <a:srgbClr val="ffffff"/>
-                </a:solidFill>
-              </a:uFill>
-              <a:latin typeface="Arial"/>
-            </a:endParaRPr>
-          </a:p>
-        </p:txBody>
-      </p:sp>
-      <p:sp>
-        <p:nvSpPr>
-          <p:cNvPr id="46" name="PlaceHolder 3"/>
+            <a:endParaRPr b="0" lang="en-IE" sz="3200" spc="-1" strike="noStrike">
+              <a:solidFill>
+                <a:srgbClr val="000000"/>
+              </a:solidFill>
+              <a:uFill>
+                <a:solidFill>
+                  <a:srgbClr val="ffffff"/>
+                </a:solidFill>
+              </a:uFill>
+              <a:latin typeface="Arial"/>
+            </a:endParaRPr>
+          </a:p>
+        </p:txBody>
+      </p:sp>
+      <p:sp>
+        <p:nvSpPr>
+          <p:cNvPr id="44" name="PlaceHolder 3"/>
           <p:cNvSpPr>
             <a:spLocks noGrp="1"/>
           </p:cNvSpPr>
@@ -876,8 +882,8 @@
         </p:nvSpPr>
         <p:spPr>
           <a:xfrm>
-            <a:off x="4674240" y="1200240"/>
-            <a:ext cx="4015800" cy="3725280"/>
+            <a:off x="4673880" y="1200240"/>
+            <a:ext cx="4015440" cy="3724920"/>
           </a:xfrm>
           <a:prstGeom prst="rect">
             <a:avLst/>
@@ -886,7 +892,7 @@
         <p:txBody>
           <a:bodyPr lIns="0" rIns="0" tIns="0" bIns="0"/>
           <a:p>
-            <a:endParaRPr b="0" lang="en-IE" sz="1400" spc="-1" strike="noStrike">
+            <a:endParaRPr b="0" lang="en-IE" sz="3200" spc="-1" strike="noStrike">
               <a:solidFill>
                 <a:srgbClr val="000000"/>
               </a:solidFill>
@@ -924,7 +930,7 @@
       </p:grpSpPr>
       <p:sp>
         <p:nvSpPr>
-          <p:cNvPr id="47" name="PlaceHolder 1"/>
+          <p:cNvPr id="45" name="PlaceHolder 1"/>
           <p:cNvSpPr>
             <a:spLocks noGrp="1"/>
           </p:cNvSpPr>
@@ -935,7 +941,7 @@
         <p:spPr>
           <a:xfrm>
             <a:off x="457200" y="205920"/>
-            <a:ext cx="8229240" cy="857160"/>
+            <a:ext cx="8228880" cy="856800"/>
           </a:xfrm>
           <a:prstGeom prst="rect">
             <a:avLst/>
@@ -944,7 +950,8 @@
         <p:txBody>
           <a:bodyPr lIns="0" rIns="0" tIns="0" bIns="0" anchor="ctr"/>
           <a:p>
-            <a:endParaRPr b="0" lang="en-IE" sz="1400" spc="-1" strike="noStrike">
+            <a:pPr algn="ctr"/>
+            <a:endParaRPr b="0" lang="en-IE" sz="4400" spc="-1" strike="noStrike">
               <a:solidFill>
                 <a:srgbClr val="000000"/>
               </a:solidFill>
@@ -982,7 +989,7 @@
       </p:grpSpPr>
       <p:sp>
         <p:nvSpPr>
-          <p:cNvPr id="48" name="PlaceHolder 1"/>
+          <p:cNvPr id="46" name="PlaceHolder 1"/>
           <p:cNvSpPr>
             <a:spLocks noGrp="1"/>
           </p:cNvSpPr>
@@ -993,7 +1000,7 @@
         <p:spPr>
           <a:xfrm>
             <a:off x="457200" y="205920"/>
-            <a:ext cx="8229240" cy="3974760"/>
+            <a:ext cx="8228880" cy="3972960"/>
           </a:xfrm>
           <a:prstGeom prst="rect">
             <a:avLst/>
@@ -1041,7 +1048,7 @@
       </p:grpSpPr>
       <p:sp>
         <p:nvSpPr>
-          <p:cNvPr id="49" name="PlaceHolder 1"/>
+          <p:cNvPr id="47" name="PlaceHolder 1"/>
           <p:cNvSpPr>
             <a:spLocks noGrp="1"/>
           </p:cNvSpPr>
@@ -1052,7 +1059,7 @@
         <p:spPr>
           <a:xfrm>
             <a:off x="457200" y="205920"/>
-            <a:ext cx="8229240" cy="857160"/>
+            <a:ext cx="8228880" cy="856800"/>
           </a:xfrm>
           <a:prstGeom prst="rect">
             <a:avLst/>
@@ -1061,23 +1068,24 @@
         <p:txBody>
           <a:bodyPr lIns="0" rIns="0" tIns="0" bIns="0" anchor="ctr"/>
           <a:p>
-            <a:endParaRPr b="0" lang="en-IE" sz="1400" spc="-1" strike="noStrike">
-              <a:solidFill>
-                <a:srgbClr val="000000"/>
-              </a:solidFill>
-              <a:uFill>
-                <a:solidFill>
-                  <a:srgbClr val="ffffff"/>
-                </a:solidFill>
-              </a:uFill>
-              <a:latin typeface="Arial"/>
-            </a:endParaRPr>
-          </a:p>
-        </p:txBody>
-      </p:sp>
-      <p:sp>
-        <p:nvSpPr>
-          <p:cNvPr id="50" name="PlaceHolder 2"/>
+            <a:pPr algn="ctr"/>
+            <a:endParaRPr b="0" lang="en-IE" sz="4400" spc="-1" strike="noStrike">
+              <a:solidFill>
+                <a:srgbClr val="000000"/>
+              </a:solidFill>
+              <a:uFill>
+                <a:solidFill>
+                  <a:srgbClr val="ffffff"/>
+                </a:solidFill>
+              </a:uFill>
+              <a:latin typeface="Arial"/>
+            </a:endParaRPr>
+          </a:p>
+        </p:txBody>
+      </p:sp>
+      <p:sp>
+        <p:nvSpPr>
+          <p:cNvPr id="48" name="PlaceHolder 2"/>
           <p:cNvSpPr>
             <a:spLocks noGrp="1"/>
           </p:cNvSpPr>
@@ -1088,7 +1096,7 @@
         <p:spPr>
           <a:xfrm>
             <a:off x="457200" y="1200240"/>
-            <a:ext cx="4015800" cy="1776600"/>
+            <a:ext cx="4015440" cy="1776600"/>
           </a:xfrm>
           <a:prstGeom prst="rect">
             <a:avLst/>
@@ -1097,23 +1105,23 @@
         <p:txBody>
           <a:bodyPr lIns="0" rIns="0" tIns="0" bIns="0"/>
           <a:p>
-            <a:endParaRPr b="0" lang="en-IE" sz="1400" spc="-1" strike="noStrike">
-              <a:solidFill>
-                <a:srgbClr val="000000"/>
-              </a:solidFill>
-              <a:uFill>
-                <a:solidFill>
-                  <a:srgbClr val="ffffff"/>
-                </a:solidFill>
-              </a:uFill>
-              <a:latin typeface="Arial"/>
-            </a:endParaRPr>
-          </a:p>
-        </p:txBody>
-      </p:sp>
-      <p:sp>
-        <p:nvSpPr>
-          <p:cNvPr id="51" name="PlaceHolder 3"/>
+            <a:endParaRPr b="0" lang="en-IE" sz="3200" spc="-1" strike="noStrike">
+              <a:solidFill>
+                <a:srgbClr val="000000"/>
+              </a:solidFill>
+              <a:uFill>
+                <a:solidFill>
+                  <a:srgbClr val="ffffff"/>
+                </a:solidFill>
+              </a:uFill>
+              <a:latin typeface="Arial"/>
+            </a:endParaRPr>
+          </a:p>
+        </p:txBody>
+      </p:sp>
+      <p:sp>
+        <p:nvSpPr>
+          <p:cNvPr id="49" name="PlaceHolder 3"/>
           <p:cNvSpPr>
             <a:spLocks noGrp="1"/>
           </p:cNvSpPr>
@@ -1124,7 +1132,7 @@
         <p:spPr>
           <a:xfrm>
             <a:off x="457200" y="3146040"/>
-            <a:ext cx="4015800" cy="1776600"/>
+            <a:ext cx="4015440" cy="1776600"/>
           </a:xfrm>
           <a:prstGeom prst="rect">
             <a:avLst/>
@@ -1133,23 +1141,23 @@
         <p:txBody>
           <a:bodyPr lIns="0" rIns="0" tIns="0" bIns="0"/>
           <a:p>
-            <a:endParaRPr b="0" lang="en-IE" sz="1400" spc="-1" strike="noStrike">
-              <a:solidFill>
-                <a:srgbClr val="000000"/>
-              </a:solidFill>
-              <a:uFill>
-                <a:solidFill>
-                  <a:srgbClr val="ffffff"/>
-                </a:solidFill>
-              </a:uFill>
-              <a:latin typeface="Arial"/>
-            </a:endParaRPr>
-          </a:p>
-        </p:txBody>
-      </p:sp>
-      <p:sp>
-        <p:nvSpPr>
-          <p:cNvPr id="52" name="PlaceHolder 4"/>
+            <a:endParaRPr b="0" lang="en-IE" sz="3200" spc="-1" strike="noStrike">
+              <a:solidFill>
+                <a:srgbClr val="000000"/>
+              </a:solidFill>
+              <a:uFill>
+                <a:solidFill>
+                  <a:srgbClr val="ffffff"/>
+                </a:solidFill>
+              </a:uFill>
+              <a:latin typeface="Arial"/>
+            </a:endParaRPr>
+          </a:p>
+        </p:txBody>
+      </p:sp>
+      <p:sp>
+        <p:nvSpPr>
+          <p:cNvPr id="50" name="PlaceHolder 4"/>
           <p:cNvSpPr>
             <a:spLocks noGrp="1"/>
           </p:cNvSpPr>
@@ -1159,8 +1167,8 @@
         </p:nvSpPr>
         <p:spPr>
           <a:xfrm>
-            <a:off x="4674240" y="1200240"/>
-            <a:ext cx="4015800" cy="3725280"/>
+            <a:off x="4673880" y="1200240"/>
+            <a:ext cx="4015440" cy="3724920"/>
           </a:xfrm>
           <a:prstGeom prst="rect">
             <a:avLst/>
@@ -1169,7 +1177,7 @@
         <p:txBody>
           <a:bodyPr lIns="0" rIns="0" tIns="0" bIns="0"/>
           <a:p>
-            <a:endParaRPr b="0" lang="en-IE" sz="1400" spc="-1" strike="noStrike">
+            <a:endParaRPr b="0" lang="en-IE" sz="3200" spc="-1" strike="noStrike">
               <a:solidFill>
                 <a:srgbClr val="000000"/>
               </a:solidFill>
@@ -1207,7 +1215,7 @@
       </p:grpSpPr>
       <p:sp>
         <p:nvSpPr>
-          <p:cNvPr id="3" name="PlaceHolder 1"/>
+          <p:cNvPr id="2" name="PlaceHolder 1"/>
           <p:cNvSpPr>
             <a:spLocks noGrp="1"/>
           </p:cNvSpPr>
@@ -1218,7 +1226,7 @@
         <p:spPr>
           <a:xfrm>
             <a:off x="457200" y="205920"/>
-            <a:ext cx="8229240" cy="857160"/>
+            <a:ext cx="8228880" cy="856800"/>
           </a:xfrm>
           <a:prstGeom prst="rect">
             <a:avLst/>
@@ -1227,23 +1235,24 @@
         <p:txBody>
           <a:bodyPr lIns="0" rIns="0" tIns="0" bIns="0" anchor="ctr"/>
           <a:p>
-            <a:endParaRPr b="0" lang="en-IE" sz="1400" spc="-1" strike="noStrike">
-              <a:solidFill>
-                <a:srgbClr val="000000"/>
-              </a:solidFill>
-              <a:uFill>
-                <a:solidFill>
-                  <a:srgbClr val="ffffff"/>
-                </a:solidFill>
-              </a:uFill>
-              <a:latin typeface="Arial"/>
-            </a:endParaRPr>
-          </a:p>
-        </p:txBody>
-      </p:sp>
-      <p:sp>
-        <p:nvSpPr>
-          <p:cNvPr id="4" name="PlaceHolder 2"/>
+            <a:pPr algn="ctr"/>
+            <a:endParaRPr b="0" lang="en-IE" sz="4400" spc="-1" strike="noStrike">
+              <a:solidFill>
+                <a:srgbClr val="000000"/>
+              </a:solidFill>
+              <a:uFill>
+                <a:solidFill>
+                  <a:srgbClr val="ffffff"/>
+                </a:solidFill>
+              </a:uFill>
+              <a:latin typeface="Arial"/>
+            </a:endParaRPr>
+          </a:p>
+        </p:txBody>
+      </p:sp>
+      <p:sp>
+        <p:nvSpPr>
+          <p:cNvPr id="3" name="PlaceHolder 2"/>
           <p:cNvSpPr>
             <a:spLocks noGrp="1"/>
           </p:cNvSpPr>
@@ -1254,7 +1263,7 @@
         <p:spPr>
           <a:xfrm>
             <a:off x="457200" y="1200240"/>
-            <a:ext cx="8229240" cy="3725280"/>
+            <a:ext cx="8228880" cy="3724920"/>
           </a:xfrm>
           <a:prstGeom prst="rect">
             <a:avLst/>
@@ -1302,7 +1311,7 @@
       </p:grpSpPr>
       <p:sp>
         <p:nvSpPr>
-          <p:cNvPr id="53" name="PlaceHolder 1"/>
+          <p:cNvPr id="51" name="PlaceHolder 1"/>
           <p:cNvSpPr>
             <a:spLocks noGrp="1"/>
           </p:cNvSpPr>
@@ -1313,7 +1322,7 @@
         <p:spPr>
           <a:xfrm>
             <a:off x="457200" y="205920"/>
-            <a:ext cx="8229240" cy="857160"/>
+            <a:ext cx="8228880" cy="856800"/>
           </a:xfrm>
           <a:prstGeom prst="rect">
             <a:avLst/>
@@ -1322,23 +1331,24 @@
         <p:txBody>
           <a:bodyPr lIns="0" rIns="0" tIns="0" bIns="0" anchor="ctr"/>
           <a:p>
-            <a:endParaRPr b="0" lang="en-IE" sz="1400" spc="-1" strike="noStrike">
-              <a:solidFill>
-                <a:srgbClr val="000000"/>
-              </a:solidFill>
-              <a:uFill>
-                <a:solidFill>
-                  <a:srgbClr val="ffffff"/>
-                </a:solidFill>
-              </a:uFill>
-              <a:latin typeface="Arial"/>
-            </a:endParaRPr>
-          </a:p>
-        </p:txBody>
-      </p:sp>
-      <p:sp>
-        <p:nvSpPr>
-          <p:cNvPr id="54" name="PlaceHolder 2"/>
+            <a:pPr algn="ctr"/>
+            <a:endParaRPr b="0" lang="en-IE" sz="4400" spc="-1" strike="noStrike">
+              <a:solidFill>
+                <a:srgbClr val="000000"/>
+              </a:solidFill>
+              <a:uFill>
+                <a:solidFill>
+                  <a:srgbClr val="ffffff"/>
+                </a:solidFill>
+              </a:uFill>
+              <a:latin typeface="Arial"/>
+            </a:endParaRPr>
+          </a:p>
+        </p:txBody>
+      </p:sp>
+      <p:sp>
+        <p:nvSpPr>
+          <p:cNvPr id="52" name="PlaceHolder 2"/>
           <p:cNvSpPr>
             <a:spLocks noGrp="1"/>
           </p:cNvSpPr>
@@ -1349,7 +1359,7 @@
         <p:spPr>
           <a:xfrm>
             <a:off x="457200" y="1200240"/>
-            <a:ext cx="4015800" cy="3725280"/>
+            <a:ext cx="4015440" cy="3724920"/>
           </a:xfrm>
           <a:prstGeom prst="rect">
             <a:avLst/>
@@ -1358,23 +1368,23 @@
         <p:txBody>
           <a:bodyPr lIns="0" rIns="0" tIns="0" bIns="0"/>
           <a:p>
-            <a:endParaRPr b="0" lang="en-IE" sz="1400" spc="-1" strike="noStrike">
-              <a:solidFill>
-                <a:srgbClr val="000000"/>
-              </a:solidFill>
-              <a:uFill>
-                <a:solidFill>
-                  <a:srgbClr val="ffffff"/>
-                </a:solidFill>
-              </a:uFill>
-              <a:latin typeface="Arial"/>
-            </a:endParaRPr>
-          </a:p>
-        </p:txBody>
-      </p:sp>
-      <p:sp>
-        <p:nvSpPr>
-          <p:cNvPr id="55" name="PlaceHolder 3"/>
+            <a:endParaRPr b="0" lang="en-IE" sz="3200" spc="-1" strike="noStrike">
+              <a:solidFill>
+                <a:srgbClr val="000000"/>
+              </a:solidFill>
+              <a:uFill>
+                <a:solidFill>
+                  <a:srgbClr val="ffffff"/>
+                </a:solidFill>
+              </a:uFill>
+              <a:latin typeface="Arial"/>
+            </a:endParaRPr>
+          </a:p>
+        </p:txBody>
+      </p:sp>
+      <p:sp>
+        <p:nvSpPr>
+          <p:cNvPr id="53" name="PlaceHolder 3"/>
           <p:cNvSpPr>
             <a:spLocks noGrp="1"/>
           </p:cNvSpPr>
@@ -1384,8 +1394,8 @@
         </p:nvSpPr>
         <p:spPr>
           <a:xfrm>
-            <a:off x="4674240" y="1200240"/>
-            <a:ext cx="4015800" cy="1776600"/>
+            <a:off x="4673880" y="1200240"/>
+            <a:ext cx="4015440" cy="1776600"/>
           </a:xfrm>
           <a:prstGeom prst="rect">
             <a:avLst/>
@@ -1394,23 +1404,23 @@
         <p:txBody>
           <a:bodyPr lIns="0" rIns="0" tIns="0" bIns="0"/>
           <a:p>
-            <a:endParaRPr b="0" lang="en-IE" sz="1400" spc="-1" strike="noStrike">
-              <a:solidFill>
-                <a:srgbClr val="000000"/>
-              </a:solidFill>
-              <a:uFill>
-                <a:solidFill>
-                  <a:srgbClr val="ffffff"/>
-                </a:solidFill>
-              </a:uFill>
-              <a:latin typeface="Arial"/>
-            </a:endParaRPr>
-          </a:p>
-        </p:txBody>
-      </p:sp>
-      <p:sp>
-        <p:nvSpPr>
-          <p:cNvPr id="56" name="PlaceHolder 4"/>
+            <a:endParaRPr b="0" lang="en-IE" sz="3200" spc="-1" strike="noStrike">
+              <a:solidFill>
+                <a:srgbClr val="000000"/>
+              </a:solidFill>
+              <a:uFill>
+                <a:solidFill>
+                  <a:srgbClr val="ffffff"/>
+                </a:solidFill>
+              </a:uFill>
+              <a:latin typeface="Arial"/>
+            </a:endParaRPr>
+          </a:p>
+        </p:txBody>
+      </p:sp>
+      <p:sp>
+        <p:nvSpPr>
+          <p:cNvPr id="54" name="PlaceHolder 4"/>
           <p:cNvSpPr>
             <a:spLocks noGrp="1"/>
           </p:cNvSpPr>
@@ -1420,8 +1430,8 @@
         </p:nvSpPr>
         <p:spPr>
           <a:xfrm>
-            <a:off x="4674240" y="3146040"/>
-            <a:ext cx="4015800" cy="1776600"/>
+            <a:off x="4673880" y="3146040"/>
+            <a:ext cx="4015440" cy="1776600"/>
           </a:xfrm>
           <a:prstGeom prst="rect">
             <a:avLst/>
@@ -1430,7 +1440,7 @@
         <p:txBody>
           <a:bodyPr lIns="0" rIns="0" tIns="0" bIns="0"/>
           <a:p>
-            <a:endParaRPr b="0" lang="en-IE" sz="1400" spc="-1" strike="noStrike">
+            <a:endParaRPr b="0" lang="en-IE" sz="3200" spc="-1" strike="noStrike">
               <a:solidFill>
                 <a:srgbClr val="000000"/>
               </a:solidFill>
@@ -1468,7 +1478,7 @@
       </p:grpSpPr>
       <p:sp>
         <p:nvSpPr>
-          <p:cNvPr id="57" name="PlaceHolder 1"/>
+          <p:cNvPr id="55" name="PlaceHolder 1"/>
           <p:cNvSpPr>
             <a:spLocks noGrp="1"/>
           </p:cNvSpPr>
@@ -1479,7 +1489,7 @@
         <p:spPr>
           <a:xfrm>
             <a:off x="457200" y="205920"/>
-            <a:ext cx="8229240" cy="857160"/>
+            <a:ext cx="8228880" cy="856800"/>
           </a:xfrm>
           <a:prstGeom prst="rect">
             <a:avLst/>
@@ -1488,23 +1498,24 @@
         <p:txBody>
           <a:bodyPr lIns="0" rIns="0" tIns="0" bIns="0" anchor="ctr"/>
           <a:p>
-            <a:endParaRPr b="0" lang="en-IE" sz="1400" spc="-1" strike="noStrike">
-              <a:solidFill>
-                <a:srgbClr val="000000"/>
-              </a:solidFill>
-              <a:uFill>
-                <a:solidFill>
-                  <a:srgbClr val="ffffff"/>
-                </a:solidFill>
-              </a:uFill>
-              <a:latin typeface="Arial"/>
-            </a:endParaRPr>
-          </a:p>
-        </p:txBody>
-      </p:sp>
-      <p:sp>
-        <p:nvSpPr>
-          <p:cNvPr id="58" name="PlaceHolder 2"/>
+            <a:pPr algn="ctr"/>
+            <a:endParaRPr b="0" lang="en-IE" sz="4400" spc="-1" strike="noStrike">
+              <a:solidFill>
+                <a:srgbClr val="000000"/>
+              </a:solidFill>
+              <a:uFill>
+                <a:solidFill>
+                  <a:srgbClr val="ffffff"/>
+                </a:solidFill>
+              </a:uFill>
+              <a:latin typeface="Arial"/>
+            </a:endParaRPr>
+          </a:p>
+        </p:txBody>
+      </p:sp>
+      <p:sp>
+        <p:nvSpPr>
+          <p:cNvPr id="56" name="PlaceHolder 2"/>
           <p:cNvSpPr>
             <a:spLocks noGrp="1"/>
           </p:cNvSpPr>
@@ -1515,7 +1526,7 @@
         <p:spPr>
           <a:xfrm>
             <a:off x="457200" y="1200240"/>
-            <a:ext cx="4015800" cy="1776600"/>
+            <a:ext cx="4015440" cy="1776600"/>
           </a:xfrm>
           <a:prstGeom prst="rect">
             <a:avLst/>
@@ -1524,23 +1535,23 @@
         <p:txBody>
           <a:bodyPr lIns="0" rIns="0" tIns="0" bIns="0"/>
           <a:p>
-            <a:endParaRPr b="0" lang="en-IE" sz="1400" spc="-1" strike="noStrike">
-              <a:solidFill>
-                <a:srgbClr val="000000"/>
-              </a:solidFill>
-              <a:uFill>
-                <a:solidFill>
-                  <a:srgbClr val="ffffff"/>
-                </a:solidFill>
-              </a:uFill>
-              <a:latin typeface="Arial"/>
-            </a:endParaRPr>
-          </a:p>
-        </p:txBody>
-      </p:sp>
-      <p:sp>
-        <p:nvSpPr>
-          <p:cNvPr id="59" name="PlaceHolder 3"/>
+            <a:endParaRPr b="0" lang="en-IE" sz="3200" spc="-1" strike="noStrike">
+              <a:solidFill>
+                <a:srgbClr val="000000"/>
+              </a:solidFill>
+              <a:uFill>
+                <a:solidFill>
+                  <a:srgbClr val="ffffff"/>
+                </a:solidFill>
+              </a:uFill>
+              <a:latin typeface="Arial"/>
+            </a:endParaRPr>
+          </a:p>
+        </p:txBody>
+      </p:sp>
+      <p:sp>
+        <p:nvSpPr>
+          <p:cNvPr id="57" name="PlaceHolder 3"/>
           <p:cNvSpPr>
             <a:spLocks noGrp="1"/>
           </p:cNvSpPr>
@@ -1550,8 +1561,8 @@
         </p:nvSpPr>
         <p:spPr>
           <a:xfrm>
-            <a:off x="4674240" y="1200240"/>
-            <a:ext cx="4015800" cy="1776600"/>
+            <a:off x="4673880" y="1200240"/>
+            <a:ext cx="4015440" cy="1776600"/>
           </a:xfrm>
           <a:prstGeom prst="rect">
             <a:avLst/>
@@ -1560,23 +1571,23 @@
         <p:txBody>
           <a:bodyPr lIns="0" rIns="0" tIns="0" bIns="0"/>
           <a:p>
-            <a:endParaRPr b="0" lang="en-IE" sz="1400" spc="-1" strike="noStrike">
-              <a:solidFill>
-                <a:srgbClr val="000000"/>
-              </a:solidFill>
-              <a:uFill>
-                <a:solidFill>
-                  <a:srgbClr val="ffffff"/>
-                </a:solidFill>
-              </a:uFill>
-              <a:latin typeface="Arial"/>
-            </a:endParaRPr>
-          </a:p>
-        </p:txBody>
-      </p:sp>
-      <p:sp>
-        <p:nvSpPr>
-          <p:cNvPr id="60" name="PlaceHolder 4"/>
+            <a:endParaRPr b="0" lang="en-IE" sz="3200" spc="-1" strike="noStrike">
+              <a:solidFill>
+                <a:srgbClr val="000000"/>
+              </a:solidFill>
+              <a:uFill>
+                <a:solidFill>
+                  <a:srgbClr val="ffffff"/>
+                </a:solidFill>
+              </a:uFill>
+              <a:latin typeface="Arial"/>
+            </a:endParaRPr>
+          </a:p>
+        </p:txBody>
+      </p:sp>
+      <p:sp>
+        <p:nvSpPr>
+          <p:cNvPr id="58" name="PlaceHolder 4"/>
           <p:cNvSpPr>
             <a:spLocks noGrp="1"/>
           </p:cNvSpPr>
@@ -1587,7 +1598,7 @@
         <p:spPr>
           <a:xfrm>
             <a:off x="457200" y="3146040"/>
-            <a:ext cx="8229240" cy="1776600"/>
+            <a:ext cx="8228880" cy="1776600"/>
           </a:xfrm>
           <a:prstGeom prst="rect">
             <a:avLst/>
@@ -1596,7 +1607,7 @@
         <p:txBody>
           <a:bodyPr lIns="0" rIns="0" tIns="0" bIns="0"/>
           <a:p>
-            <a:endParaRPr b="0" lang="en-IE" sz="1400" spc="-1" strike="noStrike">
+            <a:endParaRPr b="0" lang="en-IE" sz="3200" spc="-1" strike="noStrike">
               <a:solidFill>
                 <a:srgbClr val="000000"/>
               </a:solidFill>
@@ -1634,7 +1645,7 @@
       </p:grpSpPr>
       <p:sp>
         <p:nvSpPr>
-          <p:cNvPr id="61" name="PlaceHolder 1"/>
+          <p:cNvPr id="59" name="PlaceHolder 1"/>
           <p:cNvSpPr>
             <a:spLocks noGrp="1"/>
           </p:cNvSpPr>
@@ -1645,7 +1656,7 @@
         <p:spPr>
           <a:xfrm>
             <a:off x="457200" y="205920"/>
-            <a:ext cx="8229240" cy="857160"/>
+            <a:ext cx="8228880" cy="856800"/>
           </a:xfrm>
           <a:prstGeom prst="rect">
             <a:avLst/>
@@ -1654,23 +1665,24 @@
         <p:txBody>
           <a:bodyPr lIns="0" rIns="0" tIns="0" bIns="0" anchor="ctr"/>
           <a:p>
-            <a:endParaRPr b="0" lang="en-IE" sz="1400" spc="-1" strike="noStrike">
-              <a:solidFill>
-                <a:srgbClr val="000000"/>
-              </a:solidFill>
-              <a:uFill>
-                <a:solidFill>
-                  <a:srgbClr val="ffffff"/>
-                </a:solidFill>
-              </a:uFill>
-              <a:latin typeface="Arial"/>
-            </a:endParaRPr>
-          </a:p>
-        </p:txBody>
-      </p:sp>
-      <p:sp>
-        <p:nvSpPr>
-          <p:cNvPr id="62" name="PlaceHolder 2"/>
+            <a:pPr algn="ctr"/>
+            <a:endParaRPr b="0" lang="en-IE" sz="4400" spc="-1" strike="noStrike">
+              <a:solidFill>
+                <a:srgbClr val="000000"/>
+              </a:solidFill>
+              <a:uFill>
+                <a:solidFill>
+                  <a:srgbClr val="ffffff"/>
+                </a:solidFill>
+              </a:uFill>
+              <a:latin typeface="Arial"/>
+            </a:endParaRPr>
+          </a:p>
+        </p:txBody>
+      </p:sp>
+      <p:sp>
+        <p:nvSpPr>
+          <p:cNvPr id="60" name="PlaceHolder 2"/>
           <p:cNvSpPr>
             <a:spLocks noGrp="1"/>
           </p:cNvSpPr>
@@ -1681,7 +1693,7 @@
         <p:spPr>
           <a:xfrm>
             <a:off x="457200" y="1200240"/>
-            <a:ext cx="8229240" cy="1776600"/>
+            <a:ext cx="8228880" cy="1776600"/>
           </a:xfrm>
           <a:prstGeom prst="rect">
             <a:avLst/>
@@ -1690,23 +1702,23 @@
         <p:txBody>
           <a:bodyPr lIns="0" rIns="0" tIns="0" bIns="0"/>
           <a:p>
-            <a:endParaRPr b="0" lang="en-IE" sz="1400" spc="-1" strike="noStrike">
-              <a:solidFill>
-                <a:srgbClr val="000000"/>
-              </a:solidFill>
-              <a:uFill>
-                <a:solidFill>
-                  <a:srgbClr val="ffffff"/>
-                </a:solidFill>
-              </a:uFill>
-              <a:latin typeface="Arial"/>
-            </a:endParaRPr>
-          </a:p>
-        </p:txBody>
-      </p:sp>
-      <p:sp>
-        <p:nvSpPr>
-          <p:cNvPr id="63" name="PlaceHolder 3"/>
+            <a:endParaRPr b="0" lang="en-IE" sz="3200" spc="-1" strike="noStrike">
+              <a:solidFill>
+                <a:srgbClr val="000000"/>
+              </a:solidFill>
+              <a:uFill>
+                <a:solidFill>
+                  <a:srgbClr val="ffffff"/>
+                </a:solidFill>
+              </a:uFill>
+              <a:latin typeface="Arial"/>
+            </a:endParaRPr>
+          </a:p>
+        </p:txBody>
+      </p:sp>
+      <p:sp>
+        <p:nvSpPr>
+          <p:cNvPr id="61" name="PlaceHolder 3"/>
           <p:cNvSpPr>
             <a:spLocks noGrp="1"/>
           </p:cNvSpPr>
@@ -1717,7 +1729,7 @@
         <p:spPr>
           <a:xfrm>
             <a:off x="457200" y="3146040"/>
-            <a:ext cx="8229240" cy="1776600"/>
+            <a:ext cx="8228880" cy="1776600"/>
           </a:xfrm>
           <a:prstGeom prst="rect">
             <a:avLst/>
@@ -1726,7 +1738,7 @@
         <p:txBody>
           <a:bodyPr lIns="0" rIns="0" tIns="0" bIns="0"/>
           <a:p>
-            <a:endParaRPr b="0" lang="en-IE" sz="1400" spc="-1" strike="noStrike">
+            <a:endParaRPr b="0" lang="en-IE" sz="3200" spc="-1" strike="noStrike">
               <a:solidFill>
                 <a:srgbClr val="000000"/>
               </a:solidFill>
@@ -1764,7 +1776,7 @@
       </p:grpSpPr>
       <p:sp>
         <p:nvSpPr>
-          <p:cNvPr id="64" name="PlaceHolder 1"/>
+          <p:cNvPr id="62" name="PlaceHolder 1"/>
           <p:cNvSpPr>
             <a:spLocks noGrp="1"/>
           </p:cNvSpPr>
@@ -1775,7 +1787,7 @@
         <p:spPr>
           <a:xfrm>
             <a:off x="457200" y="205920"/>
-            <a:ext cx="8229240" cy="857160"/>
+            <a:ext cx="8228880" cy="856800"/>
           </a:xfrm>
           <a:prstGeom prst="rect">
             <a:avLst/>
@@ -1784,23 +1796,24 @@
         <p:txBody>
           <a:bodyPr lIns="0" rIns="0" tIns="0" bIns="0" anchor="ctr"/>
           <a:p>
-            <a:endParaRPr b="0" lang="en-IE" sz="1400" spc="-1" strike="noStrike">
-              <a:solidFill>
-                <a:srgbClr val="000000"/>
-              </a:solidFill>
-              <a:uFill>
-                <a:solidFill>
-                  <a:srgbClr val="ffffff"/>
-                </a:solidFill>
-              </a:uFill>
-              <a:latin typeface="Arial"/>
-            </a:endParaRPr>
-          </a:p>
-        </p:txBody>
-      </p:sp>
-      <p:sp>
-        <p:nvSpPr>
-          <p:cNvPr id="65" name="PlaceHolder 2"/>
+            <a:pPr algn="ctr"/>
+            <a:endParaRPr b="0" lang="en-IE" sz="4400" spc="-1" strike="noStrike">
+              <a:solidFill>
+                <a:srgbClr val="000000"/>
+              </a:solidFill>
+              <a:uFill>
+                <a:solidFill>
+                  <a:srgbClr val="ffffff"/>
+                </a:solidFill>
+              </a:uFill>
+              <a:latin typeface="Arial"/>
+            </a:endParaRPr>
+          </a:p>
+        </p:txBody>
+      </p:sp>
+      <p:sp>
+        <p:nvSpPr>
+          <p:cNvPr id="63" name="PlaceHolder 2"/>
           <p:cNvSpPr>
             <a:spLocks noGrp="1"/>
           </p:cNvSpPr>
@@ -1811,7 +1824,7 @@
         <p:spPr>
           <a:xfrm>
             <a:off x="457200" y="1200240"/>
-            <a:ext cx="4015800" cy="1776600"/>
+            <a:ext cx="4015440" cy="1776600"/>
           </a:xfrm>
           <a:prstGeom prst="rect">
             <a:avLst/>
@@ -1820,23 +1833,23 @@
         <p:txBody>
           <a:bodyPr lIns="0" rIns="0" tIns="0" bIns="0"/>
           <a:p>
-            <a:endParaRPr b="0" lang="en-IE" sz="1400" spc="-1" strike="noStrike">
-              <a:solidFill>
-                <a:srgbClr val="000000"/>
-              </a:solidFill>
-              <a:uFill>
-                <a:solidFill>
-                  <a:srgbClr val="ffffff"/>
-                </a:solidFill>
-              </a:uFill>
-              <a:latin typeface="Arial"/>
-            </a:endParaRPr>
-          </a:p>
-        </p:txBody>
-      </p:sp>
-      <p:sp>
-        <p:nvSpPr>
-          <p:cNvPr id="66" name="PlaceHolder 3"/>
+            <a:endParaRPr b="0" lang="en-IE" sz="3200" spc="-1" strike="noStrike">
+              <a:solidFill>
+                <a:srgbClr val="000000"/>
+              </a:solidFill>
+              <a:uFill>
+                <a:solidFill>
+                  <a:srgbClr val="ffffff"/>
+                </a:solidFill>
+              </a:uFill>
+              <a:latin typeface="Arial"/>
+            </a:endParaRPr>
+          </a:p>
+        </p:txBody>
+      </p:sp>
+      <p:sp>
+        <p:nvSpPr>
+          <p:cNvPr id="64" name="PlaceHolder 3"/>
           <p:cNvSpPr>
             <a:spLocks noGrp="1"/>
           </p:cNvSpPr>
@@ -1846,8 +1859,8 @@
         </p:nvSpPr>
         <p:spPr>
           <a:xfrm>
-            <a:off x="4674240" y="1200240"/>
-            <a:ext cx="4015800" cy="1776600"/>
+            <a:off x="4673880" y="1200240"/>
+            <a:ext cx="4015440" cy="1776600"/>
           </a:xfrm>
           <a:prstGeom prst="rect">
             <a:avLst/>
@@ -1856,23 +1869,23 @@
         <p:txBody>
           <a:bodyPr lIns="0" rIns="0" tIns="0" bIns="0"/>
           <a:p>
-            <a:endParaRPr b="0" lang="en-IE" sz="1400" spc="-1" strike="noStrike">
-              <a:solidFill>
-                <a:srgbClr val="000000"/>
-              </a:solidFill>
-              <a:uFill>
-                <a:solidFill>
-                  <a:srgbClr val="ffffff"/>
-                </a:solidFill>
-              </a:uFill>
-              <a:latin typeface="Arial"/>
-            </a:endParaRPr>
-          </a:p>
-        </p:txBody>
-      </p:sp>
-      <p:sp>
-        <p:nvSpPr>
-          <p:cNvPr id="67" name="PlaceHolder 4"/>
+            <a:endParaRPr b="0" lang="en-IE" sz="3200" spc="-1" strike="noStrike">
+              <a:solidFill>
+                <a:srgbClr val="000000"/>
+              </a:solidFill>
+              <a:uFill>
+                <a:solidFill>
+                  <a:srgbClr val="ffffff"/>
+                </a:solidFill>
+              </a:uFill>
+              <a:latin typeface="Arial"/>
+            </a:endParaRPr>
+          </a:p>
+        </p:txBody>
+      </p:sp>
+      <p:sp>
+        <p:nvSpPr>
+          <p:cNvPr id="65" name="PlaceHolder 4"/>
           <p:cNvSpPr>
             <a:spLocks noGrp="1"/>
           </p:cNvSpPr>
@@ -1882,8 +1895,8 @@
         </p:nvSpPr>
         <p:spPr>
           <a:xfrm>
-            <a:off x="4674240" y="3146040"/>
-            <a:ext cx="4015800" cy="1776600"/>
+            <a:off x="4673880" y="3146040"/>
+            <a:ext cx="4015440" cy="1776600"/>
           </a:xfrm>
           <a:prstGeom prst="rect">
             <a:avLst/>
@@ -1892,23 +1905,23 @@
         <p:txBody>
           <a:bodyPr lIns="0" rIns="0" tIns="0" bIns="0"/>
           <a:p>
-            <a:endParaRPr b="0" lang="en-IE" sz="1400" spc="-1" strike="noStrike">
-              <a:solidFill>
-                <a:srgbClr val="000000"/>
-              </a:solidFill>
-              <a:uFill>
-                <a:solidFill>
-                  <a:srgbClr val="ffffff"/>
-                </a:solidFill>
-              </a:uFill>
-              <a:latin typeface="Arial"/>
-            </a:endParaRPr>
-          </a:p>
-        </p:txBody>
-      </p:sp>
-      <p:sp>
-        <p:nvSpPr>
-          <p:cNvPr id="68" name="PlaceHolder 5"/>
+            <a:endParaRPr b="0" lang="en-IE" sz="3200" spc="-1" strike="noStrike">
+              <a:solidFill>
+                <a:srgbClr val="000000"/>
+              </a:solidFill>
+              <a:uFill>
+                <a:solidFill>
+                  <a:srgbClr val="ffffff"/>
+                </a:solidFill>
+              </a:uFill>
+              <a:latin typeface="Arial"/>
+            </a:endParaRPr>
+          </a:p>
+        </p:txBody>
+      </p:sp>
+      <p:sp>
+        <p:nvSpPr>
+          <p:cNvPr id="66" name="PlaceHolder 5"/>
           <p:cNvSpPr>
             <a:spLocks noGrp="1"/>
           </p:cNvSpPr>
@@ -1919,7 +1932,7 @@
         <p:spPr>
           <a:xfrm>
             <a:off x="457200" y="3146040"/>
-            <a:ext cx="4015800" cy="1776600"/>
+            <a:ext cx="4015440" cy="1776600"/>
           </a:xfrm>
           <a:prstGeom prst="rect">
             <a:avLst/>
@@ -1928,7 +1941,7 @@
         <p:txBody>
           <a:bodyPr lIns="0" rIns="0" tIns="0" bIns="0"/>
           <a:p>
-            <a:endParaRPr b="0" lang="en-IE" sz="1400" spc="-1" strike="noStrike">
+            <a:endParaRPr b="0" lang="en-IE" sz="3200" spc="-1" strike="noStrike">
               <a:solidFill>
                 <a:srgbClr val="000000"/>
               </a:solidFill>
@@ -1966,7 +1979,7 @@
       </p:grpSpPr>
       <p:sp>
         <p:nvSpPr>
-          <p:cNvPr id="69" name="PlaceHolder 1"/>
+          <p:cNvPr id="67" name="PlaceHolder 1"/>
           <p:cNvSpPr>
             <a:spLocks noGrp="1"/>
           </p:cNvSpPr>
@@ -1977,7 +1990,7 @@
         <p:spPr>
           <a:xfrm>
             <a:off x="457200" y="205920"/>
-            <a:ext cx="8229240" cy="857160"/>
+            <a:ext cx="8228880" cy="856800"/>
           </a:xfrm>
           <a:prstGeom prst="rect">
             <a:avLst/>
@@ -1986,23 +1999,24 @@
         <p:txBody>
           <a:bodyPr lIns="0" rIns="0" tIns="0" bIns="0" anchor="ctr"/>
           <a:p>
-            <a:endParaRPr b="0" lang="en-IE" sz="1400" spc="-1" strike="noStrike">
-              <a:solidFill>
-                <a:srgbClr val="000000"/>
-              </a:solidFill>
-              <a:uFill>
-                <a:solidFill>
-                  <a:srgbClr val="ffffff"/>
-                </a:solidFill>
-              </a:uFill>
-              <a:latin typeface="Arial"/>
-            </a:endParaRPr>
-          </a:p>
-        </p:txBody>
-      </p:sp>
-      <p:sp>
-        <p:nvSpPr>
-          <p:cNvPr id="70" name="PlaceHolder 2"/>
+            <a:pPr algn="ctr"/>
+            <a:endParaRPr b="0" lang="en-IE" sz="4400" spc="-1" strike="noStrike">
+              <a:solidFill>
+                <a:srgbClr val="000000"/>
+              </a:solidFill>
+              <a:uFill>
+                <a:solidFill>
+                  <a:srgbClr val="ffffff"/>
+                </a:solidFill>
+              </a:uFill>
+              <a:latin typeface="Arial"/>
+            </a:endParaRPr>
+          </a:p>
+        </p:txBody>
+      </p:sp>
+      <p:sp>
+        <p:nvSpPr>
+          <p:cNvPr id="68" name="PlaceHolder 2"/>
           <p:cNvSpPr>
             <a:spLocks noGrp="1"/>
           </p:cNvSpPr>
@@ -2013,7 +2027,7 @@
         <p:spPr>
           <a:xfrm>
             <a:off x="457200" y="1200240"/>
-            <a:ext cx="8229240" cy="3725280"/>
+            <a:ext cx="8228880" cy="3724920"/>
           </a:xfrm>
           <a:prstGeom prst="rect">
             <a:avLst/>
@@ -2022,23 +2036,23 @@
         <p:txBody>
           <a:bodyPr lIns="0" rIns="0" tIns="0" bIns="0"/>
           <a:p>
-            <a:endParaRPr b="0" lang="en-IE" sz="1400" spc="-1" strike="noStrike">
-              <a:solidFill>
-                <a:srgbClr val="000000"/>
-              </a:solidFill>
-              <a:uFill>
-                <a:solidFill>
-                  <a:srgbClr val="ffffff"/>
-                </a:solidFill>
-              </a:uFill>
-              <a:latin typeface="Arial"/>
-            </a:endParaRPr>
-          </a:p>
-        </p:txBody>
-      </p:sp>
-      <p:sp>
-        <p:nvSpPr>
-          <p:cNvPr id="71" name="PlaceHolder 3"/>
+            <a:endParaRPr b="0" lang="en-IE" sz="3200" spc="-1" strike="noStrike">
+              <a:solidFill>
+                <a:srgbClr val="000000"/>
+              </a:solidFill>
+              <a:uFill>
+                <a:solidFill>
+                  <a:srgbClr val="ffffff"/>
+                </a:solidFill>
+              </a:uFill>
+              <a:latin typeface="Arial"/>
+            </a:endParaRPr>
+          </a:p>
+        </p:txBody>
+      </p:sp>
+      <p:sp>
+        <p:nvSpPr>
+          <p:cNvPr id="69" name="PlaceHolder 3"/>
           <p:cNvSpPr>
             <a:spLocks noGrp="1"/>
           </p:cNvSpPr>
@@ -2049,7 +2063,7 @@
         <p:spPr>
           <a:xfrm>
             <a:off x="457200" y="1200240"/>
-            <a:ext cx="8229240" cy="3725280"/>
+            <a:ext cx="8228880" cy="3724920"/>
           </a:xfrm>
           <a:prstGeom prst="rect">
             <a:avLst/>
@@ -2058,7 +2072,7 @@
         <p:txBody>
           <a:bodyPr lIns="0" rIns="0" tIns="0" bIns="0"/>
           <a:p>
-            <a:endParaRPr b="0" lang="en-IE" sz="1400" spc="-1" strike="noStrike">
+            <a:endParaRPr b="0" lang="en-IE" sz="3200" spc="-1" strike="noStrike">
               <a:solidFill>
                 <a:srgbClr val="000000"/>
               </a:solidFill>
@@ -2074,7 +2088,7 @@
       </p:sp>
       <p:pic>
         <p:nvPicPr>
-          <p:cNvPr id="72" name="" descr=""/>
+          <p:cNvPr id="70" name="" descr=""/>
           <p:cNvPicPr/>
           <p:nvPr/>
         </p:nvPicPr>
@@ -2084,8 +2098,8 @@
         </p:blipFill>
         <p:spPr>
           <a:xfrm>
-            <a:off x="2237040" y="1200240"/>
-            <a:ext cx="4668840" cy="3725280"/>
+            <a:off x="2237400" y="1199880"/>
+            <a:ext cx="4668480" cy="3724920"/>
           </a:xfrm>
           <a:prstGeom prst="rect">
             <a:avLst/>
@@ -2097,7 +2111,7 @@
       </p:pic>
       <p:pic>
         <p:nvPicPr>
-          <p:cNvPr id="73" name="" descr=""/>
+          <p:cNvPr id="71" name="" descr=""/>
           <p:cNvPicPr/>
           <p:nvPr/>
         </p:nvPicPr>
@@ -2107,8 +2121,8 @@
         </p:blipFill>
         <p:spPr>
           <a:xfrm>
-            <a:off x="2237040" y="1200240"/>
-            <a:ext cx="4668840" cy="3725280"/>
+            <a:off x="2237400" y="1199880"/>
+            <a:ext cx="4668480" cy="3724920"/>
           </a:xfrm>
           <a:prstGeom prst="rect">
             <a:avLst/>
@@ -2142,7 +2156,7 @@
       </p:grpSpPr>
       <p:sp>
         <p:nvSpPr>
-          <p:cNvPr id="5" name="PlaceHolder 1"/>
+          <p:cNvPr id="4" name="PlaceHolder 1"/>
           <p:cNvSpPr>
             <a:spLocks noGrp="1"/>
           </p:cNvSpPr>
@@ -2153,7 +2167,7 @@
         <p:spPr>
           <a:xfrm>
             <a:off x="457200" y="205920"/>
-            <a:ext cx="8229240" cy="857160"/>
+            <a:ext cx="8228880" cy="856800"/>
           </a:xfrm>
           <a:prstGeom prst="rect">
             <a:avLst/>
@@ -2162,23 +2176,24 @@
         <p:txBody>
           <a:bodyPr lIns="0" rIns="0" tIns="0" bIns="0" anchor="ctr"/>
           <a:p>
-            <a:endParaRPr b="0" lang="en-IE" sz="1400" spc="-1" strike="noStrike">
-              <a:solidFill>
-                <a:srgbClr val="000000"/>
-              </a:solidFill>
-              <a:uFill>
-                <a:solidFill>
-                  <a:srgbClr val="ffffff"/>
-                </a:solidFill>
-              </a:uFill>
-              <a:latin typeface="Arial"/>
-            </a:endParaRPr>
-          </a:p>
-        </p:txBody>
-      </p:sp>
-      <p:sp>
-        <p:nvSpPr>
-          <p:cNvPr id="6" name="PlaceHolder 2"/>
+            <a:pPr algn="ctr"/>
+            <a:endParaRPr b="0" lang="en-IE" sz="4400" spc="-1" strike="noStrike">
+              <a:solidFill>
+                <a:srgbClr val="000000"/>
+              </a:solidFill>
+              <a:uFill>
+                <a:solidFill>
+                  <a:srgbClr val="ffffff"/>
+                </a:solidFill>
+              </a:uFill>
+              <a:latin typeface="Arial"/>
+            </a:endParaRPr>
+          </a:p>
+        </p:txBody>
+      </p:sp>
+      <p:sp>
+        <p:nvSpPr>
+          <p:cNvPr id="5" name="PlaceHolder 2"/>
           <p:cNvSpPr>
             <a:spLocks noGrp="1"/>
           </p:cNvSpPr>
@@ -2189,7 +2204,7 @@
         <p:spPr>
           <a:xfrm>
             <a:off x="457200" y="1200240"/>
-            <a:ext cx="8229240" cy="3725280"/>
+            <a:ext cx="8228880" cy="3724920"/>
           </a:xfrm>
           <a:prstGeom prst="rect">
             <a:avLst/>
@@ -2198,7 +2213,7 @@
         <p:txBody>
           <a:bodyPr lIns="0" rIns="0" tIns="0" bIns="0"/>
           <a:p>
-            <a:endParaRPr b="0" lang="en-IE" sz="1400" spc="-1" strike="noStrike">
+            <a:endParaRPr b="0" lang="en-IE" sz="3200" spc="-1" strike="noStrike">
               <a:solidFill>
                 <a:srgbClr val="000000"/>
               </a:solidFill>
@@ -2236,7 +2251,7 @@
       </p:grpSpPr>
       <p:sp>
         <p:nvSpPr>
-          <p:cNvPr id="7" name="PlaceHolder 1"/>
+          <p:cNvPr id="6" name="PlaceHolder 1"/>
           <p:cNvSpPr>
             <a:spLocks noGrp="1"/>
           </p:cNvSpPr>
@@ -2247,7 +2262,7 @@
         <p:spPr>
           <a:xfrm>
             <a:off x="457200" y="205920"/>
-            <a:ext cx="8229240" cy="857160"/>
+            <a:ext cx="8228880" cy="856800"/>
           </a:xfrm>
           <a:prstGeom prst="rect">
             <a:avLst/>
@@ -2256,23 +2271,24 @@
         <p:txBody>
           <a:bodyPr lIns="0" rIns="0" tIns="0" bIns="0" anchor="ctr"/>
           <a:p>
-            <a:endParaRPr b="0" lang="en-IE" sz="1400" spc="-1" strike="noStrike">
-              <a:solidFill>
-                <a:srgbClr val="000000"/>
-              </a:solidFill>
-              <a:uFill>
-                <a:solidFill>
-                  <a:srgbClr val="ffffff"/>
-                </a:solidFill>
-              </a:uFill>
-              <a:latin typeface="Arial"/>
-            </a:endParaRPr>
-          </a:p>
-        </p:txBody>
-      </p:sp>
-      <p:sp>
-        <p:nvSpPr>
-          <p:cNvPr id="8" name="PlaceHolder 2"/>
+            <a:pPr algn="ctr"/>
+            <a:endParaRPr b="0" lang="en-IE" sz="4400" spc="-1" strike="noStrike">
+              <a:solidFill>
+                <a:srgbClr val="000000"/>
+              </a:solidFill>
+              <a:uFill>
+                <a:solidFill>
+                  <a:srgbClr val="ffffff"/>
+                </a:solidFill>
+              </a:uFill>
+              <a:latin typeface="Arial"/>
+            </a:endParaRPr>
+          </a:p>
+        </p:txBody>
+      </p:sp>
+      <p:sp>
+        <p:nvSpPr>
+          <p:cNvPr id="7" name="PlaceHolder 2"/>
           <p:cNvSpPr>
             <a:spLocks noGrp="1"/>
           </p:cNvSpPr>
@@ -2283,7 +2299,7 @@
         <p:spPr>
           <a:xfrm>
             <a:off x="457200" y="1200240"/>
-            <a:ext cx="4015800" cy="3725280"/>
+            <a:ext cx="4015440" cy="3724920"/>
           </a:xfrm>
           <a:prstGeom prst="rect">
             <a:avLst/>
@@ -2292,23 +2308,23 @@
         <p:txBody>
           <a:bodyPr lIns="0" rIns="0" tIns="0" bIns="0"/>
           <a:p>
-            <a:endParaRPr b="0" lang="en-IE" sz="1400" spc="-1" strike="noStrike">
-              <a:solidFill>
-                <a:srgbClr val="000000"/>
-              </a:solidFill>
-              <a:uFill>
-                <a:solidFill>
-                  <a:srgbClr val="ffffff"/>
-                </a:solidFill>
-              </a:uFill>
-              <a:latin typeface="Arial"/>
-            </a:endParaRPr>
-          </a:p>
-        </p:txBody>
-      </p:sp>
-      <p:sp>
-        <p:nvSpPr>
-          <p:cNvPr id="9" name="PlaceHolder 3"/>
+            <a:endParaRPr b="0" lang="en-IE" sz="3200" spc="-1" strike="noStrike">
+              <a:solidFill>
+                <a:srgbClr val="000000"/>
+              </a:solidFill>
+              <a:uFill>
+                <a:solidFill>
+                  <a:srgbClr val="ffffff"/>
+                </a:solidFill>
+              </a:uFill>
+              <a:latin typeface="Arial"/>
+            </a:endParaRPr>
+          </a:p>
+        </p:txBody>
+      </p:sp>
+      <p:sp>
+        <p:nvSpPr>
+          <p:cNvPr id="8" name="PlaceHolder 3"/>
           <p:cNvSpPr>
             <a:spLocks noGrp="1"/>
           </p:cNvSpPr>
@@ -2318,8 +2334,8 @@
         </p:nvSpPr>
         <p:spPr>
           <a:xfrm>
-            <a:off x="4674240" y="1200240"/>
-            <a:ext cx="4015800" cy="3725280"/>
+            <a:off x="4673880" y="1200240"/>
+            <a:ext cx="4015440" cy="3724920"/>
           </a:xfrm>
           <a:prstGeom prst="rect">
             <a:avLst/>
@@ -2328,7 +2344,7 @@
         <p:txBody>
           <a:bodyPr lIns="0" rIns="0" tIns="0" bIns="0"/>
           <a:p>
-            <a:endParaRPr b="0" lang="en-IE" sz="1400" spc="-1" strike="noStrike">
+            <a:endParaRPr b="0" lang="en-IE" sz="3200" spc="-1" strike="noStrike">
               <a:solidFill>
                 <a:srgbClr val="000000"/>
               </a:solidFill>
@@ -2366,7 +2382,7 @@
       </p:grpSpPr>
       <p:sp>
         <p:nvSpPr>
-          <p:cNvPr id="10" name="PlaceHolder 1"/>
+          <p:cNvPr id="9" name="PlaceHolder 1"/>
           <p:cNvSpPr>
             <a:spLocks noGrp="1"/>
           </p:cNvSpPr>
@@ -2377,7 +2393,7 @@
         <p:spPr>
           <a:xfrm>
             <a:off x="457200" y="205920"/>
-            <a:ext cx="8229240" cy="857160"/>
+            <a:ext cx="8228880" cy="856800"/>
           </a:xfrm>
           <a:prstGeom prst="rect">
             <a:avLst/>
@@ -2386,7 +2402,8 @@
         <p:txBody>
           <a:bodyPr lIns="0" rIns="0" tIns="0" bIns="0" anchor="ctr"/>
           <a:p>
-            <a:endParaRPr b="0" lang="en-IE" sz="1400" spc="-1" strike="noStrike">
+            <a:pPr algn="ctr"/>
+            <a:endParaRPr b="0" lang="en-IE" sz="4400" spc="-1" strike="noStrike">
               <a:solidFill>
                 <a:srgbClr val="000000"/>
               </a:solidFill>
@@ -2424,7 +2441,7 @@
       </p:grpSpPr>
       <p:sp>
         <p:nvSpPr>
-          <p:cNvPr id="11" name="PlaceHolder 1"/>
+          <p:cNvPr id="10" name="PlaceHolder 1"/>
           <p:cNvSpPr>
             <a:spLocks noGrp="1"/>
           </p:cNvSpPr>
@@ -2435,7 +2452,7 @@
         <p:spPr>
           <a:xfrm>
             <a:off x="457200" y="205920"/>
-            <a:ext cx="8229240" cy="3974760"/>
+            <a:ext cx="8228880" cy="3972960"/>
           </a:xfrm>
           <a:prstGeom prst="rect">
             <a:avLst/>
@@ -2483,7 +2500,7 @@
       </p:grpSpPr>
       <p:sp>
         <p:nvSpPr>
-          <p:cNvPr id="12" name="PlaceHolder 1"/>
+          <p:cNvPr id="11" name="PlaceHolder 1"/>
           <p:cNvSpPr>
             <a:spLocks noGrp="1"/>
           </p:cNvSpPr>
@@ -2494,7 +2511,7 @@
         <p:spPr>
           <a:xfrm>
             <a:off x="457200" y="205920"/>
-            <a:ext cx="8229240" cy="857160"/>
+            <a:ext cx="8228880" cy="856800"/>
           </a:xfrm>
           <a:prstGeom prst="rect">
             <a:avLst/>
@@ -2503,23 +2520,24 @@
         <p:txBody>
           <a:bodyPr lIns="0" rIns="0" tIns="0" bIns="0" anchor="ctr"/>
           <a:p>
-            <a:endParaRPr b="0" lang="en-IE" sz="1400" spc="-1" strike="noStrike">
-              <a:solidFill>
-                <a:srgbClr val="000000"/>
-              </a:solidFill>
-              <a:uFill>
-                <a:solidFill>
-                  <a:srgbClr val="ffffff"/>
-                </a:solidFill>
-              </a:uFill>
-              <a:latin typeface="Arial"/>
-            </a:endParaRPr>
-          </a:p>
-        </p:txBody>
-      </p:sp>
-      <p:sp>
-        <p:nvSpPr>
-          <p:cNvPr id="13" name="PlaceHolder 2"/>
+            <a:pPr algn="ctr"/>
+            <a:endParaRPr b="0" lang="en-IE" sz="4400" spc="-1" strike="noStrike">
+              <a:solidFill>
+                <a:srgbClr val="000000"/>
+              </a:solidFill>
+              <a:uFill>
+                <a:solidFill>
+                  <a:srgbClr val="ffffff"/>
+                </a:solidFill>
+              </a:uFill>
+              <a:latin typeface="Arial"/>
+            </a:endParaRPr>
+          </a:p>
+        </p:txBody>
+      </p:sp>
+      <p:sp>
+        <p:nvSpPr>
+          <p:cNvPr id="12" name="PlaceHolder 2"/>
           <p:cNvSpPr>
             <a:spLocks noGrp="1"/>
           </p:cNvSpPr>
@@ -2530,7 +2548,7 @@
         <p:spPr>
           <a:xfrm>
             <a:off x="457200" y="1200240"/>
-            <a:ext cx="4015800" cy="1776600"/>
+            <a:ext cx="4015440" cy="1776600"/>
           </a:xfrm>
           <a:prstGeom prst="rect">
             <a:avLst/>
@@ -2539,23 +2557,23 @@
         <p:txBody>
           <a:bodyPr lIns="0" rIns="0" tIns="0" bIns="0"/>
           <a:p>
-            <a:endParaRPr b="0" lang="en-IE" sz="1400" spc="-1" strike="noStrike">
-              <a:solidFill>
-                <a:srgbClr val="000000"/>
-              </a:solidFill>
-              <a:uFill>
-                <a:solidFill>
-                  <a:srgbClr val="ffffff"/>
-                </a:solidFill>
-              </a:uFill>
-              <a:latin typeface="Arial"/>
-            </a:endParaRPr>
-          </a:p>
-        </p:txBody>
-      </p:sp>
-      <p:sp>
-        <p:nvSpPr>
-          <p:cNvPr id="14" name="PlaceHolder 3"/>
+            <a:endParaRPr b="0" lang="en-IE" sz="3200" spc="-1" strike="noStrike">
+              <a:solidFill>
+                <a:srgbClr val="000000"/>
+              </a:solidFill>
+              <a:uFill>
+                <a:solidFill>
+                  <a:srgbClr val="ffffff"/>
+                </a:solidFill>
+              </a:uFill>
+              <a:latin typeface="Arial"/>
+            </a:endParaRPr>
+          </a:p>
+        </p:txBody>
+      </p:sp>
+      <p:sp>
+        <p:nvSpPr>
+          <p:cNvPr id="13" name="PlaceHolder 3"/>
           <p:cNvSpPr>
             <a:spLocks noGrp="1"/>
           </p:cNvSpPr>
@@ -2566,7 +2584,7 @@
         <p:spPr>
           <a:xfrm>
             <a:off x="457200" y="3146040"/>
-            <a:ext cx="4015800" cy="1776600"/>
+            <a:ext cx="4015440" cy="1776600"/>
           </a:xfrm>
           <a:prstGeom prst="rect">
             <a:avLst/>
@@ -2575,23 +2593,23 @@
         <p:txBody>
           <a:bodyPr lIns="0" rIns="0" tIns="0" bIns="0"/>
           <a:p>
-            <a:endParaRPr b="0" lang="en-IE" sz="1400" spc="-1" strike="noStrike">
-              <a:solidFill>
-                <a:srgbClr val="000000"/>
-              </a:solidFill>
-              <a:uFill>
-                <a:solidFill>
-                  <a:srgbClr val="ffffff"/>
-                </a:solidFill>
-              </a:uFill>
-              <a:latin typeface="Arial"/>
-            </a:endParaRPr>
-          </a:p>
-        </p:txBody>
-      </p:sp>
-      <p:sp>
-        <p:nvSpPr>
-          <p:cNvPr id="15" name="PlaceHolder 4"/>
+            <a:endParaRPr b="0" lang="en-IE" sz="3200" spc="-1" strike="noStrike">
+              <a:solidFill>
+                <a:srgbClr val="000000"/>
+              </a:solidFill>
+              <a:uFill>
+                <a:solidFill>
+                  <a:srgbClr val="ffffff"/>
+                </a:solidFill>
+              </a:uFill>
+              <a:latin typeface="Arial"/>
+            </a:endParaRPr>
+          </a:p>
+        </p:txBody>
+      </p:sp>
+      <p:sp>
+        <p:nvSpPr>
+          <p:cNvPr id="14" name="PlaceHolder 4"/>
           <p:cNvSpPr>
             <a:spLocks noGrp="1"/>
           </p:cNvSpPr>
@@ -2601,8 +2619,8 @@
         </p:nvSpPr>
         <p:spPr>
           <a:xfrm>
-            <a:off x="4674240" y="1200240"/>
-            <a:ext cx="4015800" cy="3725280"/>
+            <a:off x="4673880" y="1200240"/>
+            <a:ext cx="4015440" cy="3724920"/>
           </a:xfrm>
           <a:prstGeom prst="rect">
             <a:avLst/>
@@ -2611,7 +2629,7 @@
         <p:txBody>
           <a:bodyPr lIns="0" rIns="0" tIns="0" bIns="0"/>
           <a:p>
-            <a:endParaRPr b="0" lang="en-IE" sz="1400" spc="-1" strike="noStrike">
+            <a:endParaRPr b="0" lang="en-IE" sz="3200" spc="-1" strike="noStrike">
               <a:solidFill>
                 <a:srgbClr val="000000"/>
               </a:solidFill>
@@ -2649,7 +2667,7 @@
       </p:grpSpPr>
       <p:sp>
         <p:nvSpPr>
-          <p:cNvPr id="16" name="PlaceHolder 1"/>
+          <p:cNvPr id="15" name="PlaceHolder 1"/>
           <p:cNvSpPr>
             <a:spLocks noGrp="1"/>
           </p:cNvSpPr>
@@ -2660,7 +2678,7 @@
         <p:spPr>
           <a:xfrm>
             <a:off x="457200" y="205920"/>
-            <a:ext cx="8229240" cy="857160"/>
+            <a:ext cx="8228880" cy="856800"/>
           </a:xfrm>
           <a:prstGeom prst="rect">
             <a:avLst/>
@@ -2669,23 +2687,24 @@
         <p:txBody>
           <a:bodyPr lIns="0" rIns="0" tIns="0" bIns="0" anchor="ctr"/>
           <a:p>
-            <a:endParaRPr b="0" lang="en-IE" sz="1400" spc="-1" strike="noStrike">
-              <a:solidFill>
-                <a:srgbClr val="000000"/>
-              </a:solidFill>
-              <a:uFill>
-                <a:solidFill>
-                  <a:srgbClr val="ffffff"/>
-                </a:solidFill>
-              </a:uFill>
-              <a:latin typeface="Arial"/>
-            </a:endParaRPr>
-          </a:p>
-        </p:txBody>
-      </p:sp>
-      <p:sp>
-        <p:nvSpPr>
-          <p:cNvPr id="17" name="PlaceHolder 2"/>
+            <a:pPr algn="ctr"/>
+            <a:endParaRPr b="0" lang="en-IE" sz="4400" spc="-1" strike="noStrike">
+              <a:solidFill>
+                <a:srgbClr val="000000"/>
+              </a:solidFill>
+              <a:uFill>
+                <a:solidFill>
+                  <a:srgbClr val="ffffff"/>
+                </a:solidFill>
+              </a:uFill>
+              <a:latin typeface="Arial"/>
+            </a:endParaRPr>
+          </a:p>
+        </p:txBody>
+      </p:sp>
+      <p:sp>
+        <p:nvSpPr>
+          <p:cNvPr id="16" name="PlaceHolder 2"/>
           <p:cNvSpPr>
             <a:spLocks noGrp="1"/>
           </p:cNvSpPr>
@@ -2696,7 +2715,7 @@
         <p:spPr>
           <a:xfrm>
             <a:off x="457200" y="1200240"/>
-            <a:ext cx="4015800" cy="3725280"/>
+            <a:ext cx="4015440" cy="3724920"/>
           </a:xfrm>
           <a:prstGeom prst="rect">
             <a:avLst/>
@@ -2705,23 +2724,23 @@
         <p:txBody>
           <a:bodyPr lIns="0" rIns="0" tIns="0" bIns="0"/>
           <a:p>
-            <a:endParaRPr b="0" lang="en-IE" sz="1400" spc="-1" strike="noStrike">
-              <a:solidFill>
-                <a:srgbClr val="000000"/>
-              </a:solidFill>
-              <a:uFill>
-                <a:solidFill>
-                  <a:srgbClr val="ffffff"/>
-                </a:solidFill>
-              </a:uFill>
-              <a:latin typeface="Arial"/>
-            </a:endParaRPr>
-          </a:p>
-        </p:txBody>
-      </p:sp>
-      <p:sp>
-        <p:nvSpPr>
-          <p:cNvPr id="18" name="PlaceHolder 3"/>
+            <a:endParaRPr b="0" lang="en-IE" sz="3200" spc="-1" strike="noStrike">
+              <a:solidFill>
+                <a:srgbClr val="000000"/>
+              </a:solidFill>
+              <a:uFill>
+                <a:solidFill>
+                  <a:srgbClr val="ffffff"/>
+                </a:solidFill>
+              </a:uFill>
+              <a:latin typeface="Arial"/>
+            </a:endParaRPr>
+          </a:p>
+        </p:txBody>
+      </p:sp>
+      <p:sp>
+        <p:nvSpPr>
+          <p:cNvPr id="17" name="PlaceHolder 3"/>
           <p:cNvSpPr>
             <a:spLocks noGrp="1"/>
           </p:cNvSpPr>
@@ -2731,8 +2750,8 @@
         </p:nvSpPr>
         <p:spPr>
           <a:xfrm>
-            <a:off x="4674240" y="1200240"/>
-            <a:ext cx="4015800" cy="1776600"/>
+            <a:off x="4673880" y="1200240"/>
+            <a:ext cx="4015440" cy="1776600"/>
           </a:xfrm>
           <a:prstGeom prst="rect">
             <a:avLst/>
@@ -2741,23 +2760,23 @@
         <p:txBody>
           <a:bodyPr lIns="0" rIns="0" tIns="0" bIns="0"/>
           <a:p>
-            <a:endParaRPr b="0" lang="en-IE" sz="1400" spc="-1" strike="noStrike">
-              <a:solidFill>
-                <a:srgbClr val="000000"/>
-              </a:solidFill>
-              <a:uFill>
-                <a:solidFill>
-                  <a:srgbClr val="ffffff"/>
-                </a:solidFill>
-              </a:uFill>
-              <a:latin typeface="Arial"/>
-            </a:endParaRPr>
-          </a:p>
-        </p:txBody>
-      </p:sp>
-      <p:sp>
-        <p:nvSpPr>
-          <p:cNvPr id="19" name="PlaceHolder 4"/>
+            <a:endParaRPr b="0" lang="en-IE" sz="3200" spc="-1" strike="noStrike">
+              <a:solidFill>
+                <a:srgbClr val="000000"/>
+              </a:solidFill>
+              <a:uFill>
+                <a:solidFill>
+                  <a:srgbClr val="ffffff"/>
+                </a:solidFill>
+              </a:uFill>
+              <a:latin typeface="Arial"/>
+            </a:endParaRPr>
+          </a:p>
+        </p:txBody>
+      </p:sp>
+      <p:sp>
+        <p:nvSpPr>
+          <p:cNvPr id="18" name="PlaceHolder 4"/>
           <p:cNvSpPr>
             <a:spLocks noGrp="1"/>
           </p:cNvSpPr>
@@ -2767,8 +2786,8 @@
         </p:nvSpPr>
         <p:spPr>
           <a:xfrm>
-            <a:off x="4674240" y="3146040"/>
-            <a:ext cx="4015800" cy="1776600"/>
+            <a:off x="4673880" y="3146040"/>
+            <a:ext cx="4015440" cy="1776600"/>
           </a:xfrm>
           <a:prstGeom prst="rect">
             <a:avLst/>
@@ -2777,7 +2796,7 @@
         <p:txBody>
           <a:bodyPr lIns="0" rIns="0" tIns="0" bIns="0"/>
           <a:p>
-            <a:endParaRPr b="0" lang="en-IE" sz="1400" spc="-1" strike="noStrike">
+            <a:endParaRPr b="0" lang="en-IE" sz="3200" spc="-1" strike="noStrike">
               <a:solidFill>
                 <a:srgbClr val="000000"/>
               </a:solidFill>
@@ -2815,7 +2834,7 @@
       </p:grpSpPr>
       <p:sp>
         <p:nvSpPr>
-          <p:cNvPr id="20" name="PlaceHolder 1"/>
+          <p:cNvPr id="19" name="PlaceHolder 1"/>
           <p:cNvSpPr>
             <a:spLocks noGrp="1"/>
           </p:cNvSpPr>
@@ -2826,7 +2845,7 @@
         <p:spPr>
           <a:xfrm>
             <a:off x="457200" y="205920"/>
-            <a:ext cx="8229240" cy="857160"/>
+            <a:ext cx="8228880" cy="856800"/>
           </a:xfrm>
           <a:prstGeom prst="rect">
             <a:avLst/>
@@ -2835,23 +2854,24 @@
         <p:txBody>
           <a:bodyPr lIns="0" rIns="0" tIns="0" bIns="0" anchor="ctr"/>
           <a:p>
-            <a:endParaRPr b="0" lang="en-IE" sz="1400" spc="-1" strike="noStrike">
-              <a:solidFill>
-                <a:srgbClr val="000000"/>
-              </a:solidFill>
-              <a:uFill>
-                <a:solidFill>
-                  <a:srgbClr val="ffffff"/>
-                </a:solidFill>
-              </a:uFill>
-              <a:latin typeface="Arial"/>
-            </a:endParaRPr>
-          </a:p>
-        </p:txBody>
-      </p:sp>
-      <p:sp>
-        <p:nvSpPr>
-          <p:cNvPr id="21" name="PlaceHolder 2"/>
+            <a:pPr algn="ctr"/>
+            <a:endParaRPr b="0" lang="en-IE" sz="4400" spc="-1" strike="noStrike">
+              <a:solidFill>
+                <a:srgbClr val="000000"/>
+              </a:solidFill>
+              <a:uFill>
+                <a:solidFill>
+                  <a:srgbClr val="ffffff"/>
+                </a:solidFill>
+              </a:uFill>
+              <a:latin typeface="Arial"/>
+            </a:endParaRPr>
+          </a:p>
+        </p:txBody>
+      </p:sp>
+      <p:sp>
+        <p:nvSpPr>
+          <p:cNvPr id="20" name="PlaceHolder 2"/>
           <p:cNvSpPr>
             <a:spLocks noGrp="1"/>
           </p:cNvSpPr>
@@ -2862,7 +2882,7 @@
         <p:spPr>
           <a:xfrm>
             <a:off x="457200" y="1200240"/>
-            <a:ext cx="4015800" cy="1776600"/>
+            <a:ext cx="4015440" cy="1776600"/>
           </a:xfrm>
           <a:prstGeom prst="rect">
             <a:avLst/>
@@ -2871,23 +2891,23 @@
         <p:txBody>
           <a:bodyPr lIns="0" rIns="0" tIns="0" bIns="0"/>
           <a:p>
-            <a:endParaRPr b="0" lang="en-IE" sz="1400" spc="-1" strike="noStrike">
-              <a:solidFill>
-                <a:srgbClr val="000000"/>
-              </a:solidFill>
-              <a:uFill>
-                <a:solidFill>
-                  <a:srgbClr val="ffffff"/>
-                </a:solidFill>
-              </a:uFill>
-              <a:latin typeface="Arial"/>
-            </a:endParaRPr>
-          </a:p>
-        </p:txBody>
-      </p:sp>
-      <p:sp>
-        <p:nvSpPr>
-          <p:cNvPr id="22" name="PlaceHolder 3"/>
+            <a:endParaRPr b="0" lang="en-IE" sz="3200" spc="-1" strike="noStrike">
+              <a:solidFill>
+                <a:srgbClr val="000000"/>
+              </a:solidFill>
+              <a:uFill>
+                <a:solidFill>
+                  <a:srgbClr val="ffffff"/>
+                </a:solidFill>
+              </a:uFill>
+              <a:latin typeface="Arial"/>
+            </a:endParaRPr>
+          </a:p>
+        </p:txBody>
+      </p:sp>
+      <p:sp>
+        <p:nvSpPr>
+          <p:cNvPr id="21" name="PlaceHolder 3"/>
           <p:cNvSpPr>
             <a:spLocks noGrp="1"/>
           </p:cNvSpPr>
@@ -2897,8 +2917,8 @@
         </p:nvSpPr>
         <p:spPr>
           <a:xfrm>
-            <a:off x="4674240" y="1200240"/>
-            <a:ext cx="4015800" cy="1776600"/>
+            <a:off x="4673880" y="1200240"/>
+            <a:ext cx="4015440" cy="1776600"/>
           </a:xfrm>
           <a:prstGeom prst="rect">
             <a:avLst/>
@@ -2907,23 +2927,23 @@
         <p:txBody>
           <a:bodyPr lIns="0" rIns="0" tIns="0" bIns="0"/>
           <a:p>
-            <a:endParaRPr b="0" lang="en-IE" sz="1400" spc="-1" strike="noStrike">
-              <a:solidFill>
-                <a:srgbClr val="000000"/>
-              </a:solidFill>
-              <a:uFill>
-                <a:solidFill>
-                  <a:srgbClr val="ffffff"/>
-                </a:solidFill>
-              </a:uFill>
-              <a:latin typeface="Arial"/>
-            </a:endParaRPr>
-          </a:p>
-        </p:txBody>
-      </p:sp>
-      <p:sp>
-        <p:nvSpPr>
-          <p:cNvPr id="23" name="PlaceHolder 4"/>
+            <a:endParaRPr b="0" lang="en-IE" sz="3200" spc="-1" strike="noStrike">
+              <a:solidFill>
+                <a:srgbClr val="000000"/>
+              </a:solidFill>
+              <a:uFill>
+                <a:solidFill>
+                  <a:srgbClr val="ffffff"/>
+                </a:solidFill>
+              </a:uFill>
+              <a:latin typeface="Arial"/>
+            </a:endParaRPr>
+          </a:p>
+        </p:txBody>
+      </p:sp>
+      <p:sp>
+        <p:nvSpPr>
+          <p:cNvPr id="22" name="PlaceHolder 4"/>
           <p:cNvSpPr>
             <a:spLocks noGrp="1"/>
           </p:cNvSpPr>
@@ -2934,7 +2954,7 @@
         <p:spPr>
           <a:xfrm>
             <a:off x="457200" y="3146040"/>
-            <a:ext cx="8229240" cy="1776600"/>
+            <a:ext cx="8228880" cy="1776600"/>
           </a:xfrm>
           <a:prstGeom prst="rect">
             <a:avLst/>
@@ -2943,7 +2963,7 @@
         <p:txBody>
           <a:bodyPr lIns="0" rIns="0" tIns="0" bIns="0"/>
           <a:p>
-            <a:endParaRPr b="0" lang="en-IE" sz="1400" spc="-1" strike="noStrike">
+            <a:endParaRPr b="0" lang="en-IE" sz="3200" spc="-1" strike="noStrike">
               <a:solidFill>
                 <a:srgbClr val="000000"/>
               </a:solidFill>
@@ -2991,17 +3011,18 @@
         </p:nvSpPr>
         <p:spPr>
           <a:xfrm>
-            <a:off x="685800" y="1583280"/>
-            <a:ext cx="7772040" cy="1159560"/>
-          </a:xfrm>
-          <a:prstGeom prst="rect">
-            <a:avLst/>
-          </a:prstGeom>
-        </p:spPr>
-        <p:txBody>
-          <a:bodyPr tIns="91440" bIns="91440" anchor="b"/>
-          <a:p>
-            <a:endParaRPr b="0" lang="en-IE" sz="1400" spc="-1" strike="noStrike">
+            <a:off x="457200" y="205920"/>
+            <a:ext cx="8228880" cy="856800"/>
+          </a:xfrm>
+          <a:prstGeom prst="rect">
+            <a:avLst/>
+          </a:prstGeom>
+        </p:spPr>
+        <p:txBody>
+          <a:bodyPr lIns="0" rIns="0" tIns="0" bIns="0" anchor="ctr"/>
+          <a:p>
+            <a:pPr algn="ctr"/>
+            <a:endParaRPr b="0" lang="en-IE" sz="4400" spc="-1" strike="noStrike">
               <a:solidFill>
                 <a:srgbClr val="000000"/>
               </a:solidFill>
@@ -3018,62 +3039,6 @@
       <p:sp>
         <p:nvSpPr>
           <p:cNvPr id="1" name="PlaceHolder 2"/>
-          <p:cNvSpPr>
-            <a:spLocks noGrp="1"/>
-          </p:cNvSpPr>
-          <p:nvPr>
-            <p:ph type="sldNum"/>
-          </p:nvPr>
-        </p:nvSpPr>
-        <p:spPr>
-          <a:xfrm>
-            <a:off x="8556840" y="4749840"/>
-            <a:ext cx="548280" cy="393120"/>
-          </a:xfrm>
-          <a:prstGeom prst="rect">
-            <a:avLst/>
-          </a:prstGeom>
-        </p:spPr>
-        <p:txBody>
-          <a:bodyPr tIns="91440" bIns="91440" anchor="ctr"/>
-          <a:p>
-            <a:pPr algn="r">
-              <a:lnSpc>
-                <a:spcPct val="100000"/>
-              </a:lnSpc>
-            </a:pPr>
-            <a:fld id="{56E90076-8B0D-4828-8D82-6F87C68BA813}" type="slidenum">
-              <a:rPr b="0" lang="en-IE" sz="1300" spc="-1" strike="noStrike">
-                <a:solidFill>
-                  <a:srgbClr val="000000"/>
-                </a:solidFill>
-                <a:uFill>
-                  <a:solidFill>
-                    <a:srgbClr val="ffffff"/>
-                  </a:solidFill>
-                </a:uFill>
-                <a:latin typeface="Arial"/>
-                <a:ea typeface="Arial"/>
-              </a:rPr>
-              <a:t>&lt;number&gt;</a:t>
-            </a:fld>
-            <a:endParaRPr b="0" lang="en-IE" sz="1400" spc="-1" strike="noStrike">
-              <a:solidFill>
-                <a:srgbClr val="000000"/>
-              </a:solidFill>
-              <a:uFill>
-                <a:solidFill>
-                  <a:srgbClr val="ffffff"/>
-                </a:solidFill>
-              </a:uFill>
-              <a:latin typeface="Times New Roman"/>
-            </a:endParaRPr>
-          </a:p>
-        </p:txBody>
-      </p:sp>
-      <p:sp>
-        <p:nvSpPr>
-          <p:cNvPr id="2" name="PlaceHolder 3"/>
           <p:cNvSpPr>
             <a:spLocks noGrp="1"/>
           </p:cNvSpPr>
@@ -3102,7 +3067,7 @@
               <a:buChar char=""/>
             </a:pPr>
             <a:r>
-              <a:rPr b="0" lang="en-IE" sz="1400" spc="-1" strike="noStrike">
+              <a:rPr b="0" lang="en-IE" sz="3200" spc="-1" strike="noStrike">
                 <a:solidFill>
                   <a:srgbClr val="000000"/>
                 </a:solidFill>
@@ -3115,7 +3080,7 @@
               </a:rPr>
               <a:t>Click to edit the outline text format</a:t>
             </a:r>
-            <a:endParaRPr b="0" lang="en-IE" sz="1400" spc="-1" strike="noStrike">
+            <a:endParaRPr b="0" lang="en-IE" sz="3200" spc="-1" strike="noStrike">
               <a:solidFill>
                 <a:srgbClr val="000000"/>
               </a:solidFill>
@@ -3137,7 +3102,7 @@
               <a:buChar char=""/>
             </a:pPr>
             <a:r>
-              <a:rPr b="0" lang="en-IE" sz="1400" spc="-1" strike="noStrike">
+              <a:rPr b="0" lang="en-IE" sz="2800" spc="-1" strike="noStrike">
                 <a:solidFill>
                   <a:srgbClr val="000000"/>
                 </a:solidFill>
@@ -3150,7 +3115,7 @@
               </a:rPr>
               <a:t>Second Outline Level</a:t>
             </a:r>
-            <a:endParaRPr b="0" lang="en-IE" sz="1400" spc="-1" strike="noStrike">
+            <a:endParaRPr b="0" lang="en-IE" sz="2800" spc="-1" strike="noStrike">
               <a:solidFill>
                 <a:srgbClr val="000000"/>
               </a:solidFill>
@@ -3172,7 +3137,7 @@
               <a:buChar char=""/>
             </a:pPr>
             <a:r>
-              <a:rPr b="0" lang="en-IE" sz="1400" spc="-1" strike="noStrike">
+              <a:rPr b="0" lang="en-IE" sz="2400" spc="-1" strike="noStrike">
                 <a:solidFill>
                   <a:srgbClr val="000000"/>
                 </a:solidFill>
@@ -3185,7 +3150,7 @@
               </a:rPr>
               <a:t>Third Outline Level</a:t>
             </a:r>
-            <a:endParaRPr b="0" lang="en-IE" sz="1400" spc="-1" strike="noStrike">
+            <a:endParaRPr b="0" lang="en-IE" sz="2400" spc="-1" strike="noStrike">
               <a:solidFill>
                 <a:srgbClr val="000000"/>
               </a:solidFill>
@@ -3207,7 +3172,7 @@
               <a:buChar char=""/>
             </a:pPr>
             <a:r>
-              <a:rPr b="0" lang="en-IE" sz="1400" spc="-1" strike="noStrike">
+              <a:rPr b="0" lang="en-IE" sz="2000" spc="-1" strike="noStrike">
                 <a:solidFill>
                   <a:srgbClr val="000000"/>
                 </a:solidFill>
@@ -3220,7 +3185,7 @@
               </a:rPr>
               <a:t>Fourth Outline Level</a:t>
             </a:r>
-            <a:endParaRPr b="0" lang="en-IE" sz="1400" spc="-1" strike="noStrike">
+            <a:endParaRPr b="0" lang="en-IE" sz="2000" spc="-1" strike="noStrike">
               <a:solidFill>
                 <a:srgbClr val="000000"/>
               </a:solidFill>
@@ -3378,7 +3343,7 @@
       </p:grpSpPr>
       <p:sp>
         <p:nvSpPr>
-          <p:cNvPr id="37" name="PlaceHolder 1"/>
+          <p:cNvPr id="36" name="PlaceHolder 1"/>
           <p:cNvSpPr>
             <a:spLocks noGrp="1"/>
           </p:cNvSpPr>
@@ -3389,32 +3354,33 @@
         <p:spPr>
           <a:xfrm>
             <a:off x="457200" y="205920"/>
-            <a:ext cx="8229240" cy="857160"/>
-          </a:xfrm>
-          <a:prstGeom prst="rect">
-            <a:avLst/>
-          </a:prstGeom>
-        </p:spPr>
-        <p:txBody>
-          <a:bodyPr tIns="91440" bIns="91440" anchor="b"/>
-          <a:p>
-            <a:endParaRPr b="0" lang="en-IE" sz="1400" spc="-1" strike="noStrike">
-              <a:solidFill>
-                <a:srgbClr val="000000"/>
-              </a:solidFill>
-              <a:uFill>
-                <a:solidFill>
-                  <a:srgbClr val="ffffff"/>
-                </a:solidFill>
-              </a:uFill>
-              <a:latin typeface="Arial"/>
-            </a:endParaRPr>
-          </a:p>
-        </p:txBody>
-      </p:sp>
-      <p:sp>
-        <p:nvSpPr>
-          <p:cNvPr id="38" name="PlaceHolder 2"/>
+            <a:ext cx="8228880" cy="856800"/>
+          </a:xfrm>
+          <a:prstGeom prst="rect">
+            <a:avLst/>
+          </a:prstGeom>
+        </p:spPr>
+        <p:txBody>
+          <a:bodyPr lIns="0" rIns="0" tIns="0" bIns="0" anchor="ctr"/>
+          <a:p>
+            <a:pPr algn="ctr"/>
+            <a:endParaRPr b="0" lang="en-IE" sz="4400" spc="-1" strike="noStrike">
+              <a:solidFill>
+                <a:srgbClr val="000000"/>
+              </a:solidFill>
+              <a:uFill>
+                <a:solidFill>
+                  <a:srgbClr val="ffffff"/>
+                </a:solidFill>
+              </a:uFill>
+              <a:latin typeface="Arial"/>
+            </a:endParaRPr>
+          </a:p>
+        </p:txBody>
+      </p:sp>
+      <p:sp>
+        <p:nvSpPr>
+          <p:cNvPr id="37" name="PlaceHolder 2"/>
           <p:cNvSpPr>
             <a:spLocks noGrp="1"/>
           </p:cNvSpPr>
@@ -3425,14 +3391,14 @@
         <p:spPr>
           <a:xfrm>
             <a:off x="457200" y="1200240"/>
-            <a:ext cx="8229240" cy="3725280"/>
-          </a:xfrm>
-          <a:prstGeom prst="rect">
-            <a:avLst/>
-          </a:prstGeom>
-        </p:spPr>
-        <p:txBody>
-          <a:bodyPr tIns="91440" bIns="91440"/>
+            <a:ext cx="8228880" cy="3724920"/>
+          </a:xfrm>
+          <a:prstGeom prst="rect">
+            <a:avLst/>
+          </a:prstGeom>
+        </p:spPr>
+        <p:txBody>
+          <a:bodyPr lIns="0" rIns="0" tIns="0" bIns="0"/>
           <a:p>
             <a:pPr marL="432000" indent="-324000">
               <a:buClr>
@@ -3443,7 +3409,7 @@
               <a:buChar char=""/>
             </a:pPr>
             <a:r>
-              <a:rPr b="0" lang="en-IE" sz="3000" spc="-1" strike="noStrike">
+              <a:rPr b="0" lang="en-IE" sz="1800" spc="-1" strike="noStrike">
                 <a:solidFill>
                   <a:srgbClr val="000000"/>
                 </a:solidFill>
@@ -3456,7 +3422,7 @@
               </a:rPr>
               <a:t>Click to edit the outline text format</a:t>
             </a:r>
-            <a:endParaRPr b="0" lang="en-IE" sz="3000" spc="-1" strike="noStrike">
+            <a:endParaRPr b="0" lang="en-IE" sz="1800" spc="-1" strike="noStrike">
               <a:solidFill>
                 <a:srgbClr val="000000"/>
               </a:solidFill>
@@ -3478,7 +3444,7 @@
               <a:buChar char=""/>
             </a:pPr>
             <a:r>
-              <a:rPr b="0" lang="en-IE" sz="3000" spc="-1" strike="noStrike">
+              <a:rPr b="0" lang="en-IE" sz="1800" spc="-1" strike="noStrike">
                 <a:solidFill>
                   <a:srgbClr val="000000"/>
                 </a:solidFill>
@@ -3491,7 +3457,7 @@
               </a:rPr>
               <a:t>Second Outline Level</a:t>
             </a:r>
-            <a:endParaRPr b="0" lang="en-IE" sz="3000" spc="-1" strike="noStrike">
+            <a:endParaRPr b="0" lang="en-IE" sz="1800" spc="-1" strike="noStrike">
               <a:solidFill>
                 <a:srgbClr val="000000"/>
               </a:solidFill>
@@ -3513,7 +3479,7 @@
               <a:buChar char=""/>
             </a:pPr>
             <a:r>
-              <a:rPr b="0" lang="en-IE" sz="3000" spc="-1" strike="noStrike">
+              <a:rPr b="0" lang="en-IE" sz="1800" spc="-1" strike="noStrike">
                 <a:solidFill>
                   <a:srgbClr val="000000"/>
                 </a:solidFill>
@@ -3526,7 +3492,7 @@
               </a:rPr>
               <a:t>Third Outline Level</a:t>
             </a:r>
-            <a:endParaRPr b="0" lang="en-IE" sz="3000" spc="-1" strike="noStrike">
+            <a:endParaRPr b="0" lang="en-IE" sz="1800" spc="-1" strike="noStrike">
               <a:solidFill>
                 <a:srgbClr val="000000"/>
               </a:solidFill>
@@ -3548,7 +3514,7 @@
               <a:buChar char=""/>
             </a:pPr>
             <a:r>
-              <a:rPr b="0" lang="en-IE" sz="3000" spc="-1" strike="noStrike">
+              <a:rPr b="0" lang="en-IE" sz="1800" spc="-1" strike="noStrike">
                 <a:solidFill>
                   <a:srgbClr val="000000"/>
                 </a:solidFill>
@@ -3561,7 +3527,7 @@
               </a:rPr>
               <a:t>Fourth Outline Level</a:t>
             </a:r>
-            <a:endParaRPr b="0" lang="en-IE" sz="3000" spc="-1" strike="noStrike">
+            <a:endParaRPr b="0" lang="en-IE" sz="1800" spc="-1" strike="noStrike">
               <a:solidFill>
                 <a:srgbClr val="000000"/>
               </a:solidFill>
@@ -3583,7 +3549,7 @@
               <a:buChar char=""/>
             </a:pPr>
             <a:r>
-              <a:rPr b="0" lang="en-IE" sz="3000" spc="-1" strike="noStrike">
+              <a:rPr b="0" lang="en-IE" sz="1800" spc="-1" strike="noStrike">
                 <a:solidFill>
                   <a:srgbClr val="000000"/>
                 </a:solidFill>
@@ -3596,7 +3562,7 @@
               </a:rPr>
               <a:t>Fifth Outline Level</a:t>
             </a:r>
-            <a:endParaRPr b="0" lang="en-IE" sz="3000" spc="-1" strike="noStrike">
+            <a:endParaRPr b="0" lang="en-IE" sz="1800" spc="-1" strike="noStrike">
               <a:solidFill>
                 <a:srgbClr val="000000"/>
               </a:solidFill>
@@ -3618,7 +3584,7 @@
               <a:buChar char=""/>
             </a:pPr>
             <a:r>
-              <a:rPr b="0" lang="en-IE" sz="3000" spc="-1" strike="noStrike">
+              <a:rPr b="0" lang="en-IE" sz="1800" spc="-1" strike="noStrike">
                 <a:solidFill>
                   <a:srgbClr val="000000"/>
                 </a:solidFill>
@@ -3631,7 +3597,7 @@
               </a:rPr>
               <a:t>Sixth Outline Level</a:t>
             </a:r>
-            <a:endParaRPr b="0" lang="en-IE" sz="3000" spc="-1" strike="noStrike">
+            <a:endParaRPr b="0" lang="en-IE" sz="1800" spc="-1" strike="noStrike">
               <a:solidFill>
                 <a:srgbClr val="000000"/>
               </a:solidFill>
@@ -3653,7 +3619,7 @@
               <a:buChar char=""/>
             </a:pPr>
             <a:r>
-              <a:rPr b="0" lang="en-IE" sz="3000" spc="-1" strike="noStrike">
+              <a:rPr b="0" lang="en-IE" sz="1800" spc="-1" strike="noStrike">
                 <a:solidFill>
                   <a:srgbClr val="000000"/>
                 </a:solidFill>
@@ -3666,72 +3632,16 @@
               </a:rPr>
               <a:t>Seventh Outline Level</a:t>
             </a:r>
-            <a:endParaRPr b="0" lang="en-IE" sz="3000" spc="-1" strike="noStrike">
-              <a:solidFill>
-                <a:srgbClr val="000000"/>
-              </a:solidFill>
-              <a:uFill>
-                <a:solidFill>
-                  <a:srgbClr val="ffffff"/>
-                </a:solidFill>
-              </a:uFill>
-              <a:latin typeface="Arial"/>
-            </a:endParaRPr>
-          </a:p>
-        </p:txBody>
-      </p:sp>
-      <p:sp>
-        <p:nvSpPr>
-          <p:cNvPr id="39" name="PlaceHolder 3"/>
-          <p:cNvSpPr>
-            <a:spLocks noGrp="1"/>
-          </p:cNvSpPr>
-          <p:nvPr>
-            <p:ph type="sldNum"/>
-          </p:nvPr>
-        </p:nvSpPr>
-        <p:spPr>
-          <a:xfrm>
-            <a:off x="8556840" y="4749840"/>
-            <a:ext cx="548280" cy="393120"/>
-          </a:xfrm>
-          <a:prstGeom prst="rect">
-            <a:avLst/>
-          </a:prstGeom>
-        </p:spPr>
-        <p:txBody>
-          <a:bodyPr tIns="91440" bIns="91440" anchor="ctr"/>
-          <a:p>
-            <a:pPr algn="r">
-              <a:lnSpc>
-                <a:spcPct val="100000"/>
-              </a:lnSpc>
-            </a:pPr>
-            <a:fld id="{99D2031F-F362-4ABB-B6AF-DDADAB248D98}" type="slidenum">
-              <a:rPr b="0" lang="en-IE" sz="1300" spc="-1" strike="noStrike">
-                <a:solidFill>
-                  <a:srgbClr val="000000"/>
-                </a:solidFill>
-                <a:uFill>
-                  <a:solidFill>
-                    <a:srgbClr val="ffffff"/>
-                  </a:solidFill>
-                </a:uFill>
-                <a:latin typeface="Arial"/>
-                <a:ea typeface="Arial"/>
-              </a:rPr>
-              <a:t>1</a:t>
-            </a:fld>
-            <a:endParaRPr b="0" lang="en-IE" sz="1400" spc="-1" strike="noStrike">
-              <a:solidFill>
-                <a:srgbClr val="000000"/>
-              </a:solidFill>
-              <a:uFill>
-                <a:solidFill>
-                  <a:srgbClr val="ffffff"/>
-                </a:solidFill>
-              </a:uFill>
-              <a:latin typeface="Times New Roman"/>
+            <a:endParaRPr b="0" lang="en-IE" sz="1800" spc="-1" strike="noStrike">
+              <a:solidFill>
+                <a:srgbClr val="000000"/>
+              </a:solidFill>
+              <a:uFill>
+                <a:solidFill>
+                  <a:srgbClr val="ffffff"/>
+                </a:solidFill>
+              </a:uFill>
+              <a:latin typeface="Arial"/>
             </a:endParaRPr>
           </a:p>
         </p:txBody>
@@ -3775,14 +3685,14 @@
       </p:grpSpPr>
       <p:sp>
         <p:nvSpPr>
-          <p:cNvPr id="74" name="TextShape 1"/>
-          <p:cNvSpPr txBox="1"/>
+          <p:cNvPr id="72" name="CustomShape 1"/>
+          <p:cNvSpPr/>
           <p:nvPr/>
         </p:nvSpPr>
         <p:spPr>
           <a:xfrm>
             <a:off x="685800" y="266040"/>
-            <a:ext cx="7772040" cy="2477160"/>
+            <a:ext cx="7771680" cy="2476800"/>
           </a:xfrm>
           <a:prstGeom prst="rect">
             <a:avLst/>
@@ -3792,14 +3702,15 @@
             <a:noFill/>
           </a:ln>
         </p:spPr>
-        <p:txBody>
-          <a:bodyPr tIns="91440" bIns="91440" anchor="b"/>
-          <a:p>
-            <a:pPr algn="ctr">
-              <a:lnSpc>
-                <a:spcPct val="100000"/>
-              </a:lnSpc>
-            </a:pPr>
+        <p:style>
+          <a:lnRef idx="0"/>
+          <a:fillRef idx="0"/>
+          <a:effectRef idx="0"/>
+          <a:fontRef idx="minor"/>
+        </p:style>
+        <p:txBody>
+          <a:bodyPr lIns="90000" rIns="90000" tIns="91440" bIns="91440" anchor="b"/>
+          <a:p>
             <a:r>
               <a:rPr b="1" lang="en-IE" sz="3600" spc="-1" strike="noStrike">
                 <a:solidFill>
@@ -3815,22 +3726,19 @@
               </a:rPr>
               <a:t>Computer Vision </a:t>
             </a:r>
-            <a:r>
-              <a:rPr b="1" lang="en-IE" sz="3600" spc="-1" strike="noStrike">
-                <a:solidFill>
-                  <a:srgbClr val="000000"/>
-                </a:solidFill>
-                <a:uFill>
-                  <a:solidFill>
-                    <a:srgbClr val="ffffff"/>
-                  </a:solidFill>
-                </a:uFill>
-                <a:latin typeface="Arial"/>
-                <a:ea typeface="Arial"/>
-              </a:rPr>
-              <a:t>
-</a:t>
-            </a:r>
+            <a:endParaRPr b="0" lang="en-IE" sz="1800" spc="-1" strike="noStrike">
+              <a:solidFill>
+                <a:srgbClr val="000000"/>
+              </a:solidFill>
+              <a:uFill>
+                <a:solidFill>
+                  <a:srgbClr val="ffffff"/>
+                </a:solidFill>
+              </a:uFill>
+              <a:latin typeface="Arial"/>
+            </a:endParaRPr>
+          </a:p>
+          <a:p>
             <a:r>
               <a:rPr b="1" lang="en-IE" sz="3600" spc="-1" strike="noStrike">
                 <a:solidFill>
@@ -3846,22 +3754,24 @@
               </a:rPr>
               <a:t>Autumn 2018</a:t>
             </a:r>
-            <a:r>
-              <a:rPr b="1" lang="en-IE" sz="3600" spc="-1" strike="noStrike">
-                <a:solidFill>
-                  <a:srgbClr val="000000"/>
-                </a:solidFill>
-                <a:uFill>
-                  <a:solidFill>
-                    <a:srgbClr val="ffffff"/>
-                  </a:solidFill>
-                </a:uFill>
-                <a:latin typeface="Arial"/>
-                <a:ea typeface="Arial"/>
-              </a:rPr>
-              <a:t>
-</a:t>
-            </a:r>
+            <a:endParaRPr b="0" lang="en-IE" sz="1800" spc="-1" strike="noStrike">
+              <a:solidFill>
+                <a:srgbClr val="000000"/>
+              </a:solidFill>
+              <a:uFill>
+                <a:solidFill>
+                  <a:srgbClr val="ffffff"/>
+                </a:solidFill>
+              </a:uFill>
+              <a:latin typeface="Arial"/>
+            </a:endParaRPr>
+          </a:p>
+          <a:p>
+            <a:pPr algn="ctr">
+              <a:lnSpc>
+                <a:spcPct val="100000"/>
+              </a:lnSpc>
+            </a:pPr>
             <a:r>
               <a:rPr b="1" lang="en-IE" sz="3600" spc="-1" strike="noStrike">
                 <a:solidFill>
@@ -3877,30 +3787,30 @@
               </a:rPr>
               <a:t>Problem Set #4</a:t>
             </a:r>
-            <a:endParaRPr b="0" lang="en-IE" sz="1400" spc="-1" strike="noStrike">
-              <a:solidFill>
-                <a:srgbClr val="000000"/>
-              </a:solidFill>
-              <a:uFill>
-                <a:solidFill>
-                  <a:srgbClr val="ffffff"/>
-                </a:solidFill>
-              </a:uFill>
-              <a:latin typeface="Arial"/>
-            </a:endParaRPr>
-          </a:p>
-        </p:txBody>
-      </p:sp>
-      <p:sp>
-        <p:nvSpPr>
-          <p:cNvPr id="75" name="TextShape 2"/>
-          <p:cNvSpPr txBox="1"/>
+            <a:endParaRPr b="0" lang="en-IE" sz="1800" spc="-1" strike="noStrike">
+              <a:solidFill>
+                <a:srgbClr val="000000"/>
+              </a:solidFill>
+              <a:uFill>
+                <a:solidFill>
+                  <a:srgbClr val="ffffff"/>
+                </a:solidFill>
+              </a:uFill>
+              <a:latin typeface="Arial"/>
+            </a:endParaRPr>
+          </a:p>
+        </p:txBody>
+      </p:sp>
+      <p:sp>
+        <p:nvSpPr>
+          <p:cNvPr id="73" name="CustomShape 2"/>
+          <p:cNvSpPr/>
           <p:nvPr/>
         </p:nvSpPr>
         <p:spPr>
           <a:xfrm>
             <a:off x="685800" y="3042360"/>
-            <a:ext cx="7772040" cy="1123200"/>
+            <a:ext cx="7771680" cy="1122840"/>
           </a:xfrm>
           <a:prstGeom prst="rect">
             <a:avLst/>
@@ -3910,8 +3820,14 @@
             <a:noFill/>
           </a:ln>
         </p:spPr>
-        <p:txBody>
-          <a:bodyPr tIns="91440" bIns="91440"/>
+        <p:style>
+          <a:lnRef idx="0"/>
+          <a:fillRef idx="0"/>
+          <a:effectRef idx="0"/>
+          <a:fontRef idx="minor"/>
+        </p:style>
+        <p:txBody>
+          <a:bodyPr lIns="90000" rIns="90000" tIns="91440" bIns="91440"/>
           <a:p>
             <a:pPr algn="ctr">
               <a:lnSpc>
@@ -3933,7 +3849,7 @@
               </a:rPr>
               <a:t>Darragh Hanley</a:t>
             </a:r>
-            <a:endParaRPr b="0" lang="en-IE" sz="3200" spc="-1" strike="noStrike">
+            <a:endParaRPr b="0" lang="en-IE" sz="1800" spc="-1" strike="noStrike">
               <a:solidFill>
                 <a:srgbClr val="000000"/>
               </a:solidFill>
@@ -3966,7 +3882,7 @@
               </a:rPr>
               <a:t>darragh.hanley@gatech.edu</a:t>
             </a:r>
-            <a:endParaRPr b="0" lang="en-IE" sz="3200" spc="-1" strike="noStrike">
+            <a:endParaRPr b="0" lang="en-IE" sz="1800" spc="-1" strike="noStrike">
               <a:solidFill>
                 <a:srgbClr val="000000"/>
               </a:solidFill>
@@ -3984,30 +3900,30 @@
                 <a:spcPct val="100000"/>
               </a:lnSpc>
             </a:pPr>
-            <a:endParaRPr b="0" lang="en-IE" sz="3200" spc="-1" strike="noStrike">
-              <a:solidFill>
-                <a:srgbClr val="000000"/>
-              </a:solidFill>
-              <a:uFill>
-                <a:solidFill>
-                  <a:srgbClr val="ffffff"/>
-                </a:solidFill>
-              </a:uFill>
-              <a:latin typeface="Arial"/>
-            </a:endParaRPr>
-          </a:p>
-        </p:txBody>
-      </p:sp>
-      <p:sp>
-        <p:nvSpPr>
-          <p:cNvPr id="76" name="CustomShape 3"/>
+            <a:endParaRPr b="0" lang="en-IE" sz="1800" spc="-1" strike="noStrike">
+              <a:solidFill>
+                <a:srgbClr val="000000"/>
+              </a:solidFill>
+              <a:uFill>
+                <a:solidFill>
+                  <a:srgbClr val="ffffff"/>
+                </a:solidFill>
+              </a:uFill>
+              <a:latin typeface="Arial"/>
+            </a:endParaRPr>
+          </a:p>
+        </p:txBody>
+      </p:sp>
+      <p:sp>
+        <p:nvSpPr>
+          <p:cNvPr id="74" name="CustomShape 3"/>
           <p:cNvSpPr/>
           <p:nvPr/>
         </p:nvSpPr>
         <p:spPr>
           <a:xfrm>
             <a:off x="0" y="4944240"/>
-            <a:ext cx="2567160" cy="199080"/>
+            <a:ext cx="2566800" cy="198720"/>
           </a:xfrm>
           <a:prstGeom prst="rect">
             <a:avLst/>
@@ -4024,7 +3940,7 @@
           <a:fontRef idx="minor"/>
         </p:style>
         <p:txBody>
-          <a:bodyPr tIns="91440" bIns="91440" anchor="ctr"/>
+          <a:bodyPr lIns="90000" rIns="90000" tIns="91440" bIns="91440" anchor="ctr"/>
           <a:p>
             <a:pPr>
               <a:lnSpc>
@@ -4111,14 +4027,14 @@
       </p:grpSpPr>
       <p:sp>
         <p:nvSpPr>
-          <p:cNvPr id="108" name="TextShape 1"/>
-          <p:cNvSpPr txBox="1"/>
+          <p:cNvPr id="106" name="CustomShape 1"/>
+          <p:cNvSpPr/>
           <p:nvPr/>
         </p:nvSpPr>
         <p:spPr>
           <a:xfrm>
             <a:off x="457200" y="205920"/>
-            <a:ext cx="8229240" cy="857160"/>
+            <a:ext cx="8228880" cy="856800"/>
           </a:xfrm>
           <a:prstGeom prst="rect">
             <a:avLst/>
@@ -4128,8 +4044,14 @@
             <a:noFill/>
           </a:ln>
         </p:spPr>
-        <p:txBody>
-          <a:bodyPr tIns="91440" bIns="91440" anchor="b"/>
+        <p:style>
+          <a:lnRef idx="0"/>
+          <a:fillRef idx="0"/>
+          <a:effectRef idx="0"/>
+          <a:fontRef idx="minor"/>
+        </p:style>
+        <p:txBody>
+          <a:bodyPr lIns="90000" rIns="90000" tIns="91440" bIns="91440" anchor="b"/>
           <a:p>
             <a:pPr>
               <a:lnSpc>
@@ -4151,30 +4073,30 @@
               </a:rPr>
               <a:t>3a: Difference images</a:t>
             </a:r>
-            <a:endParaRPr b="0" lang="en-IE" sz="1400" spc="-1" strike="noStrike">
-              <a:solidFill>
-                <a:srgbClr val="000000"/>
-              </a:solidFill>
-              <a:uFill>
-                <a:solidFill>
-                  <a:srgbClr val="ffffff"/>
-                </a:solidFill>
-              </a:uFill>
-              <a:latin typeface="Arial"/>
-            </a:endParaRPr>
-          </a:p>
-        </p:txBody>
-      </p:sp>
-      <p:sp>
-        <p:nvSpPr>
-          <p:cNvPr id="109" name="CustomShape 2"/>
+            <a:endParaRPr b="0" lang="en-IE" sz="1800" spc="-1" strike="noStrike">
+              <a:solidFill>
+                <a:srgbClr val="000000"/>
+              </a:solidFill>
+              <a:uFill>
+                <a:solidFill>
+                  <a:srgbClr val="ffffff"/>
+                </a:solidFill>
+              </a:uFill>
+              <a:latin typeface="Arial"/>
+            </a:endParaRPr>
+          </a:p>
+        </p:txBody>
+      </p:sp>
+      <p:sp>
+        <p:nvSpPr>
+          <p:cNvPr id="107" name="CustomShape 2"/>
           <p:cNvSpPr/>
           <p:nvPr/>
         </p:nvSpPr>
         <p:spPr>
           <a:xfrm>
             <a:off x="0" y="4944240"/>
-            <a:ext cx="2567160" cy="199080"/>
+            <a:ext cx="2566800" cy="198720"/>
           </a:xfrm>
           <a:prstGeom prst="rect">
             <a:avLst/>
@@ -4191,7 +4113,7 @@
           <a:fontRef idx="minor"/>
         </p:style>
         <p:txBody>
-          <a:bodyPr tIns="91440" bIns="91440" anchor="ctr"/>
+          <a:bodyPr lIns="90000" rIns="90000" tIns="91440" bIns="91440" anchor="ctr"/>
           <a:p>
             <a:pPr>
               <a:lnSpc>
@@ -4229,14 +4151,14 @@
       </p:sp>
       <p:sp>
         <p:nvSpPr>
-          <p:cNvPr id="110" name="CustomShape 3"/>
+          <p:cNvPr id="108" name="CustomShape 3"/>
           <p:cNvSpPr/>
           <p:nvPr/>
         </p:nvSpPr>
         <p:spPr>
           <a:xfrm>
             <a:off x="2412720" y="4313520"/>
-            <a:ext cx="4318560" cy="503640"/>
+            <a:ext cx="4318200" cy="503280"/>
           </a:xfrm>
           <a:prstGeom prst="rect">
             <a:avLst/>
@@ -4253,7 +4175,7 @@
           <a:fontRef idx="minor"/>
         </p:style>
         <p:txBody>
-          <a:bodyPr tIns="91440" bIns="91440"/>
+          <a:bodyPr lIns="90000" rIns="90000" tIns="91440" bIns="91440"/>
           <a:p>
             <a:pPr algn="ctr">
               <a:lnSpc>
@@ -4291,7 +4213,7 @@
       </p:sp>
       <p:pic>
         <p:nvPicPr>
-          <p:cNvPr id="111" name="" descr=""/>
+          <p:cNvPr id="109" name="" descr=""/>
           <p:cNvPicPr/>
           <p:nvPr/>
         </p:nvPicPr>
@@ -4302,7 +4224,7 @@
         <p:spPr>
           <a:xfrm>
             <a:off x="3086640" y="1716480"/>
-            <a:ext cx="3009600" cy="2400120"/>
+            <a:ext cx="3009240" cy="2399760"/>
           </a:xfrm>
           <a:prstGeom prst="rect">
             <a:avLst/>
@@ -4363,14 +4285,14 @@
       </p:grpSpPr>
       <p:sp>
         <p:nvSpPr>
-          <p:cNvPr id="112" name="TextShape 1"/>
-          <p:cNvSpPr txBox="1"/>
+          <p:cNvPr id="110" name="CustomShape 1"/>
+          <p:cNvSpPr/>
           <p:nvPr/>
         </p:nvSpPr>
         <p:spPr>
           <a:xfrm>
             <a:off x="457200" y="205920"/>
-            <a:ext cx="8229240" cy="857160"/>
+            <a:ext cx="8228880" cy="856800"/>
           </a:xfrm>
           <a:prstGeom prst="rect">
             <a:avLst/>
@@ -4380,8 +4302,14 @@
             <a:noFill/>
           </a:ln>
         </p:spPr>
-        <p:txBody>
-          <a:bodyPr tIns="91440" bIns="91440" anchor="b"/>
+        <p:style>
+          <a:lnRef idx="0"/>
+          <a:fillRef idx="0"/>
+          <a:effectRef idx="0"/>
+          <a:fontRef idx="minor"/>
+        </p:style>
+        <p:txBody>
+          <a:bodyPr lIns="90000" rIns="90000" tIns="91440" bIns="91440" anchor="b"/>
           <a:p>
             <a:pPr>
               <a:lnSpc>
@@ -4403,30 +4331,30 @@
               </a:rPr>
               <a:t>3a: Difference images (cont.)</a:t>
             </a:r>
-            <a:endParaRPr b="0" lang="en-IE" sz="1400" spc="-1" strike="noStrike">
-              <a:solidFill>
-                <a:srgbClr val="000000"/>
-              </a:solidFill>
-              <a:uFill>
-                <a:solidFill>
-                  <a:srgbClr val="ffffff"/>
-                </a:solidFill>
-              </a:uFill>
-              <a:latin typeface="Arial"/>
-            </a:endParaRPr>
-          </a:p>
-        </p:txBody>
-      </p:sp>
-      <p:sp>
-        <p:nvSpPr>
-          <p:cNvPr id="113" name="CustomShape 2"/>
+            <a:endParaRPr b="0" lang="en-IE" sz="1800" spc="-1" strike="noStrike">
+              <a:solidFill>
+                <a:srgbClr val="000000"/>
+              </a:solidFill>
+              <a:uFill>
+                <a:solidFill>
+                  <a:srgbClr val="ffffff"/>
+                </a:solidFill>
+              </a:uFill>
+              <a:latin typeface="Arial"/>
+            </a:endParaRPr>
+          </a:p>
+        </p:txBody>
+      </p:sp>
+      <p:sp>
+        <p:nvSpPr>
+          <p:cNvPr id="111" name="CustomShape 2"/>
           <p:cNvSpPr/>
           <p:nvPr/>
         </p:nvSpPr>
         <p:spPr>
           <a:xfrm>
             <a:off x="0" y="4944240"/>
-            <a:ext cx="2567160" cy="199080"/>
+            <a:ext cx="2566800" cy="198720"/>
           </a:xfrm>
           <a:prstGeom prst="rect">
             <a:avLst/>
@@ -4443,7 +4371,7 @@
           <a:fontRef idx="minor"/>
         </p:style>
         <p:txBody>
-          <a:bodyPr tIns="91440" bIns="91440" anchor="ctr"/>
+          <a:bodyPr lIns="90000" rIns="90000" tIns="91440" bIns="91440" anchor="ctr"/>
           <a:p>
             <a:pPr>
               <a:lnSpc>
@@ -4481,14 +4409,14 @@
       </p:sp>
       <p:sp>
         <p:nvSpPr>
-          <p:cNvPr id="114" name="CustomShape 3"/>
+          <p:cNvPr id="112" name="CustomShape 3"/>
           <p:cNvSpPr/>
           <p:nvPr/>
         </p:nvSpPr>
         <p:spPr>
           <a:xfrm>
             <a:off x="2412720" y="4313520"/>
-            <a:ext cx="4318560" cy="503640"/>
+            <a:ext cx="4318200" cy="503280"/>
           </a:xfrm>
           <a:prstGeom prst="rect">
             <a:avLst/>
@@ -4505,7 +4433,7 @@
           <a:fontRef idx="minor"/>
         </p:style>
         <p:txBody>
-          <a:bodyPr tIns="91440" bIns="91440"/>
+          <a:bodyPr lIns="90000" rIns="90000" tIns="91440" bIns="91440"/>
           <a:p>
             <a:pPr algn="ctr">
               <a:lnSpc>
@@ -4543,7 +4471,7 @@
       </p:sp>
       <p:pic>
         <p:nvPicPr>
-          <p:cNvPr id="115" name="" descr=""/>
+          <p:cNvPr id="113" name="" descr=""/>
           <p:cNvPicPr/>
           <p:nvPr/>
         </p:nvPicPr>
@@ -4554,7 +4482,7 @@
         <p:spPr>
           <a:xfrm>
             <a:off x="3086640" y="1716480"/>
-            <a:ext cx="3009600" cy="2400120"/>
+            <a:ext cx="3009240" cy="2399760"/>
           </a:xfrm>
           <a:prstGeom prst="rect">
             <a:avLst/>
@@ -4615,14 +4543,14 @@
       </p:grpSpPr>
       <p:sp>
         <p:nvSpPr>
-          <p:cNvPr id="116" name="TextShape 1"/>
-          <p:cNvSpPr txBox="1"/>
+          <p:cNvPr id="114" name="CustomShape 1"/>
+          <p:cNvSpPr/>
           <p:nvPr/>
         </p:nvSpPr>
         <p:spPr>
           <a:xfrm>
             <a:off x="457200" y="205920"/>
-            <a:ext cx="8229240" cy="857160"/>
+            <a:ext cx="8228880" cy="856800"/>
           </a:xfrm>
           <a:prstGeom prst="rect">
             <a:avLst/>
@@ -4632,8 +4560,14 @@
             <a:noFill/>
           </a:ln>
         </p:spPr>
-        <p:txBody>
-          <a:bodyPr tIns="91440" bIns="91440" anchor="b"/>
+        <p:style>
+          <a:lnRef idx="0"/>
+          <a:fillRef idx="0"/>
+          <a:effectRef idx="0"/>
+          <a:fontRef idx="minor"/>
+        </p:style>
+        <p:txBody>
+          <a:bodyPr lIns="90000" rIns="90000" tIns="91440" bIns="91440" anchor="b"/>
           <a:p>
             <a:pPr>
               <a:lnSpc>
@@ -4655,30 +4589,30 @@
               </a:rPr>
               <a:t>4a: Hierarchical LK</a:t>
             </a:r>
-            <a:endParaRPr b="0" lang="en-IE" sz="1400" spc="-1" strike="noStrike">
-              <a:solidFill>
-                <a:srgbClr val="000000"/>
-              </a:solidFill>
-              <a:uFill>
-                <a:solidFill>
-                  <a:srgbClr val="ffffff"/>
-                </a:solidFill>
-              </a:uFill>
-              <a:latin typeface="Arial"/>
-            </a:endParaRPr>
-          </a:p>
-        </p:txBody>
-      </p:sp>
-      <p:sp>
-        <p:nvSpPr>
-          <p:cNvPr id="117" name="CustomShape 2"/>
+            <a:endParaRPr b="0" lang="en-IE" sz="1800" spc="-1" strike="noStrike">
+              <a:solidFill>
+                <a:srgbClr val="000000"/>
+              </a:solidFill>
+              <a:uFill>
+                <a:solidFill>
+                  <a:srgbClr val="ffffff"/>
+                </a:solidFill>
+              </a:uFill>
+              <a:latin typeface="Arial"/>
+            </a:endParaRPr>
+          </a:p>
+        </p:txBody>
+      </p:sp>
+      <p:sp>
+        <p:nvSpPr>
+          <p:cNvPr id="115" name="CustomShape 2"/>
           <p:cNvSpPr/>
           <p:nvPr/>
         </p:nvSpPr>
         <p:spPr>
           <a:xfrm>
             <a:off x="0" y="4944240"/>
-            <a:ext cx="2567160" cy="199080"/>
+            <a:ext cx="2566800" cy="198720"/>
           </a:xfrm>
           <a:prstGeom prst="rect">
             <a:avLst/>
@@ -4695,7 +4629,7 @@
           <a:fontRef idx="minor"/>
         </p:style>
         <p:txBody>
-          <a:bodyPr tIns="91440" bIns="91440" anchor="ctr"/>
+          <a:bodyPr lIns="90000" rIns="90000" tIns="91440" bIns="91440" anchor="ctr"/>
           <a:p>
             <a:pPr>
               <a:lnSpc>
@@ -4733,14 +4667,14 @@
       </p:sp>
       <p:sp>
         <p:nvSpPr>
-          <p:cNvPr id="118" name="CustomShape 3"/>
+          <p:cNvPr id="116" name="CustomShape 3"/>
           <p:cNvSpPr/>
           <p:nvPr/>
         </p:nvSpPr>
         <p:spPr>
           <a:xfrm>
             <a:off x="2412720" y="4313520"/>
-            <a:ext cx="4318560" cy="503640"/>
+            <a:ext cx="4318200" cy="503280"/>
           </a:xfrm>
           <a:prstGeom prst="rect">
             <a:avLst/>
@@ -4757,7 +4691,7 @@
           <a:fontRef idx="minor"/>
         </p:style>
         <p:txBody>
-          <a:bodyPr tIns="91440" bIns="91440"/>
+          <a:bodyPr lIns="90000" rIns="90000" tIns="91440" bIns="91440"/>
           <a:p>
             <a:pPr algn="ctr">
               <a:lnSpc>
@@ -4795,7 +4729,7 @@
       </p:sp>
       <p:pic>
         <p:nvPicPr>
-          <p:cNvPr id="119" name="" descr=""/>
+          <p:cNvPr id="117" name="" descr=""/>
           <p:cNvPicPr/>
           <p:nvPr/>
         </p:nvPicPr>
@@ -4806,7 +4740,7 @@
         <p:spPr>
           <a:xfrm>
             <a:off x="3067560" y="1773720"/>
-            <a:ext cx="3047760" cy="2285640"/>
+            <a:ext cx="3047400" cy="2285280"/>
           </a:xfrm>
           <a:prstGeom prst="rect">
             <a:avLst/>
@@ -4867,14 +4801,14 @@
       </p:grpSpPr>
       <p:sp>
         <p:nvSpPr>
-          <p:cNvPr id="120" name="TextShape 1"/>
-          <p:cNvSpPr txBox="1"/>
+          <p:cNvPr id="118" name="CustomShape 1"/>
+          <p:cNvSpPr/>
           <p:nvPr/>
         </p:nvSpPr>
         <p:spPr>
           <a:xfrm>
             <a:off x="457200" y="205920"/>
-            <a:ext cx="8229240" cy="857160"/>
+            <a:ext cx="8228880" cy="856800"/>
           </a:xfrm>
           <a:prstGeom prst="rect">
             <a:avLst/>
@@ -4884,8 +4818,14 @@
             <a:noFill/>
           </a:ln>
         </p:spPr>
-        <p:txBody>
-          <a:bodyPr tIns="91440" bIns="91440" anchor="b"/>
+        <p:style>
+          <a:lnRef idx="0"/>
+          <a:fillRef idx="0"/>
+          <a:effectRef idx="0"/>
+          <a:fontRef idx="minor"/>
+        </p:style>
+        <p:txBody>
+          <a:bodyPr lIns="90000" rIns="90000" tIns="91440" bIns="91440" anchor="b"/>
           <a:p>
             <a:pPr>
               <a:lnSpc>
@@ -4907,30 +4847,30 @@
               </a:rPr>
               <a:t>4a: Hierarchical LK (cont.)</a:t>
             </a:r>
-            <a:endParaRPr b="0" lang="en-IE" sz="1400" spc="-1" strike="noStrike">
-              <a:solidFill>
-                <a:srgbClr val="000000"/>
-              </a:solidFill>
-              <a:uFill>
-                <a:solidFill>
-                  <a:srgbClr val="ffffff"/>
-                </a:solidFill>
-              </a:uFill>
-              <a:latin typeface="Arial"/>
-            </a:endParaRPr>
-          </a:p>
-        </p:txBody>
-      </p:sp>
-      <p:sp>
-        <p:nvSpPr>
-          <p:cNvPr id="121" name="CustomShape 2"/>
+            <a:endParaRPr b="0" lang="en-IE" sz="1800" spc="-1" strike="noStrike">
+              <a:solidFill>
+                <a:srgbClr val="000000"/>
+              </a:solidFill>
+              <a:uFill>
+                <a:solidFill>
+                  <a:srgbClr val="ffffff"/>
+                </a:solidFill>
+              </a:uFill>
+              <a:latin typeface="Arial"/>
+            </a:endParaRPr>
+          </a:p>
+        </p:txBody>
+      </p:sp>
+      <p:sp>
+        <p:nvSpPr>
+          <p:cNvPr id="119" name="CustomShape 2"/>
           <p:cNvSpPr/>
           <p:nvPr/>
         </p:nvSpPr>
         <p:spPr>
           <a:xfrm>
             <a:off x="0" y="4944240"/>
-            <a:ext cx="2567160" cy="199080"/>
+            <a:ext cx="2566800" cy="198720"/>
           </a:xfrm>
           <a:prstGeom prst="rect">
             <a:avLst/>
@@ -4947,7 +4887,7 @@
           <a:fontRef idx="minor"/>
         </p:style>
         <p:txBody>
-          <a:bodyPr tIns="91440" bIns="91440" anchor="ctr"/>
+          <a:bodyPr lIns="90000" rIns="90000" tIns="91440" bIns="91440" anchor="ctr"/>
           <a:p>
             <a:pPr>
               <a:lnSpc>
@@ -4985,14 +4925,14 @@
       </p:sp>
       <p:sp>
         <p:nvSpPr>
-          <p:cNvPr id="122" name="CustomShape 3"/>
+          <p:cNvPr id="120" name="CustomShape 3"/>
           <p:cNvSpPr/>
           <p:nvPr/>
         </p:nvSpPr>
         <p:spPr>
           <a:xfrm>
             <a:off x="2412720" y="4313520"/>
-            <a:ext cx="4318560" cy="503640"/>
+            <a:ext cx="4318200" cy="503280"/>
           </a:xfrm>
           <a:prstGeom prst="rect">
             <a:avLst/>
@@ -5009,7 +4949,7 @@
           <a:fontRef idx="minor"/>
         </p:style>
         <p:txBody>
-          <a:bodyPr tIns="91440" bIns="91440"/>
+          <a:bodyPr lIns="90000" rIns="90000" tIns="91440" bIns="91440"/>
           <a:p>
             <a:pPr algn="ctr">
               <a:lnSpc>
@@ -5047,7 +4987,7 @@
       </p:sp>
       <p:pic>
         <p:nvPicPr>
-          <p:cNvPr id="123" name="" descr=""/>
+          <p:cNvPr id="121" name="" descr=""/>
           <p:cNvPicPr/>
           <p:nvPr/>
         </p:nvPicPr>
@@ -5058,7 +4998,7 @@
         <p:spPr>
           <a:xfrm>
             <a:off x="3067560" y="1773720"/>
-            <a:ext cx="3047760" cy="2285640"/>
+            <a:ext cx="3047400" cy="2285280"/>
           </a:xfrm>
           <a:prstGeom prst="rect">
             <a:avLst/>
@@ -5119,14 +5059,14 @@
       </p:grpSpPr>
       <p:sp>
         <p:nvSpPr>
-          <p:cNvPr id="124" name="TextShape 1"/>
-          <p:cNvSpPr txBox="1"/>
+          <p:cNvPr id="122" name="CustomShape 1"/>
+          <p:cNvSpPr/>
           <p:nvPr/>
         </p:nvSpPr>
         <p:spPr>
           <a:xfrm>
             <a:off x="457200" y="205920"/>
-            <a:ext cx="8229240" cy="857160"/>
+            <a:ext cx="8228880" cy="856800"/>
           </a:xfrm>
           <a:prstGeom prst="rect">
             <a:avLst/>
@@ -5136,8 +5076,14 @@
             <a:noFill/>
           </a:ln>
         </p:spPr>
-        <p:txBody>
-          <a:bodyPr tIns="91440" bIns="91440" anchor="b"/>
+        <p:style>
+          <a:lnRef idx="0"/>
+          <a:fillRef idx="0"/>
+          <a:effectRef idx="0"/>
+          <a:fontRef idx="minor"/>
+        </p:style>
+        <p:txBody>
+          <a:bodyPr lIns="90000" rIns="90000" tIns="91440" bIns="91440" anchor="b"/>
           <a:p>
             <a:pPr>
               <a:lnSpc>
@@ -5159,30 +5105,30 @@
               </a:rPr>
               <a:t>4a: Hierarchical LK (cont.)</a:t>
             </a:r>
-            <a:endParaRPr b="0" lang="en-IE" sz="1400" spc="-1" strike="noStrike">
-              <a:solidFill>
-                <a:srgbClr val="000000"/>
-              </a:solidFill>
-              <a:uFill>
-                <a:solidFill>
-                  <a:srgbClr val="ffffff"/>
-                </a:solidFill>
-              </a:uFill>
-              <a:latin typeface="Arial"/>
-            </a:endParaRPr>
-          </a:p>
-        </p:txBody>
-      </p:sp>
-      <p:sp>
-        <p:nvSpPr>
-          <p:cNvPr id="125" name="CustomShape 2"/>
+            <a:endParaRPr b="0" lang="en-IE" sz="1800" spc="-1" strike="noStrike">
+              <a:solidFill>
+                <a:srgbClr val="000000"/>
+              </a:solidFill>
+              <a:uFill>
+                <a:solidFill>
+                  <a:srgbClr val="ffffff"/>
+                </a:solidFill>
+              </a:uFill>
+              <a:latin typeface="Arial"/>
+            </a:endParaRPr>
+          </a:p>
+        </p:txBody>
+      </p:sp>
+      <p:sp>
+        <p:nvSpPr>
+          <p:cNvPr id="123" name="CustomShape 2"/>
           <p:cNvSpPr/>
           <p:nvPr/>
         </p:nvSpPr>
         <p:spPr>
           <a:xfrm>
             <a:off x="0" y="4944240"/>
-            <a:ext cx="2567160" cy="199080"/>
+            <a:ext cx="2566800" cy="198720"/>
           </a:xfrm>
           <a:prstGeom prst="rect">
             <a:avLst/>
@@ -5199,7 +5145,7 @@
           <a:fontRef idx="minor"/>
         </p:style>
         <p:txBody>
-          <a:bodyPr tIns="91440" bIns="91440" anchor="ctr"/>
+          <a:bodyPr lIns="90000" rIns="90000" tIns="91440" bIns="91440" anchor="ctr"/>
           <a:p>
             <a:pPr>
               <a:lnSpc>
@@ -5237,14 +5183,14 @@
       </p:sp>
       <p:sp>
         <p:nvSpPr>
-          <p:cNvPr id="126" name="CustomShape 3"/>
+          <p:cNvPr id="124" name="CustomShape 3"/>
           <p:cNvSpPr/>
           <p:nvPr/>
         </p:nvSpPr>
         <p:spPr>
           <a:xfrm>
             <a:off x="2412720" y="4313520"/>
-            <a:ext cx="4318560" cy="503640"/>
+            <a:ext cx="4318200" cy="503280"/>
           </a:xfrm>
           <a:prstGeom prst="rect">
             <a:avLst/>
@@ -5261,7 +5207,7 @@
           <a:fontRef idx="minor"/>
         </p:style>
         <p:txBody>
-          <a:bodyPr tIns="91440" bIns="91440"/>
+          <a:bodyPr lIns="90000" rIns="90000" tIns="91440" bIns="91440"/>
           <a:p>
             <a:pPr algn="ctr">
               <a:lnSpc>
@@ -5299,7 +5245,7 @@
       </p:sp>
       <p:pic>
         <p:nvPicPr>
-          <p:cNvPr id="127" name="" descr=""/>
+          <p:cNvPr id="125" name="" descr=""/>
           <p:cNvPicPr/>
           <p:nvPr/>
         </p:nvPicPr>
@@ -5310,7 +5256,7 @@
         <p:spPr>
           <a:xfrm>
             <a:off x="3067560" y="1773720"/>
-            <a:ext cx="3047760" cy="2285640"/>
+            <a:ext cx="3047400" cy="2285280"/>
           </a:xfrm>
           <a:prstGeom prst="rect">
             <a:avLst/>
@@ -5371,14 +5317,14 @@
       </p:grpSpPr>
       <p:sp>
         <p:nvSpPr>
-          <p:cNvPr id="128" name="TextShape 1"/>
-          <p:cNvSpPr txBox="1"/>
+          <p:cNvPr id="126" name="CustomShape 1"/>
+          <p:cNvSpPr/>
           <p:nvPr/>
         </p:nvSpPr>
         <p:spPr>
           <a:xfrm>
             <a:off x="457200" y="205920"/>
-            <a:ext cx="8229240" cy="857160"/>
+            <a:ext cx="8228880" cy="856800"/>
           </a:xfrm>
           <a:prstGeom prst="rect">
             <a:avLst/>
@@ -5388,8 +5334,14 @@
             <a:noFill/>
           </a:ln>
         </p:spPr>
-        <p:txBody>
-          <a:bodyPr tIns="91440" bIns="91440" anchor="b"/>
+        <p:style>
+          <a:lnRef idx="0"/>
+          <a:fillRef idx="0"/>
+          <a:effectRef idx="0"/>
+          <a:fontRef idx="minor"/>
+        </p:style>
+        <p:txBody>
+          <a:bodyPr lIns="90000" rIns="90000" tIns="91440" bIns="91440" anchor="b"/>
           <a:p>
             <a:pPr>
               <a:lnSpc>
@@ -5411,30 +5363,30 @@
               </a:rPr>
               <a:t>4b: Hierarchical LK (cont.)</a:t>
             </a:r>
-            <a:endParaRPr b="0" lang="en-IE" sz="1400" spc="-1" strike="noStrike">
-              <a:solidFill>
-                <a:srgbClr val="000000"/>
-              </a:solidFill>
-              <a:uFill>
-                <a:solidFill>
-                  <a:srgbClr val="ffffff"/>
-                </a:solidFill>
-              </a:uFill>
-              <a:latin typeface="Arial"/>
-            </a:endParaRPr>
-          </a:p>
-        </p:txBody>
-      </p:sp>
-      <p:sp>
-        <p:nvSpPr>
-          <p:cNvPr id="129" name="CustomShape 2"/>
+            <a:endParaRPr b="0" lang="en-IE" sz="1800" spc="-1" strike="noStrike">
+              <a:solidFill>
+                <a:srgbClr val="000000"/>
+              </a:solidFill>
+              <a:uFill>
+                <a:solidFill>
+                  <a:srgbClr val="ffffff"/>
+                </a:solidFill>
+              </a:uFill>
+              <a:latin typeface="Arial"/>
+            </a:endParaRPr>
+          </a:p>
+        </p:txBody>
+      </p:sp>
+      <p:sp>
+        <p:nvSpPr>
+          <p:cNvPr id="127" name="CustomShape 2"/>
           <p:cNvSpPr/>
           <p:nvPr/>
         </p:nvSpPr>
         <p:spPr>
           <a:xfrm>
             <a:off x="0" y="4944240"/>
-            <a:ext cx="2567160" cy="199080"/>
+            <a:ext cx="2566800" cy="198720"/>
           </a:xfrm>
           <a:prstGeom prst="rect">
             <a:avLst/>
@@ -5451,7 +5403,7 @@
           <a:fontRef idx="minor"/>
         </p:style>
         <p:txBody>
-          <a:bodyPr tIns="91440" bIns="91440" anchor="ctr"/>
+          <a:bodyPr lIns="90000" rIns="90000" tIns="91440" bIns="91440" anchor="ctr"/>
           <a:p>
             <a:pPr>
               <a:lnSpc>
@@ -5489,14 +5441,14 @@
       </p:sp>
       <p:sp>
         <p:nvSpPr>
-          <p:cNvPr id="130" name="CustomShape 3"/>
+          <p:cNvPr id="128" name="CustomShape 3"/>
           <p:cNvSpPr/>
           <p:nvPr/>
         </p:nvSpPr>
         <p:spPr>
           <a:xfrm>
             <a:off x="2412720" y="4313520"/>
-            <a:ext cx="4318560" cy="503640"/>
+            <a:ext cx="4318200" cy="503280"/>
           </a:xfrm>
           <a:prstGeom prst="rect">
             <a:avLst/>
@@ -5513,7 +5465,7 @@
           <a:fontRef idx="minor"/>
         </p:style>
         <p:txBody>
-          <a:bodyPr tIns="91440" bIns="91440"/>
+          <a:bodyPr lIns="90000" rIns="90000" tIns="91440" bIns="91440"/>
           <a:p>
             <a:pPr algn="ctr">
               <a:lnSpc>
@@ -5551,7 +5503,7 @@
       </p:sp>
       <p:pic>
         <p:nvPicPr>
-          <p:cNvPr id="131" name="" descr=""/>
+          <p:cNvPr id="129" name="" descr=""/>
           <p:cNvPicPr/>
           <p:nvPr/>
         </p:nvPicPr>
@@ -5562,7 +5514,7 @@
         <p:spPr>
           <a:xfrm>
             <a:off x="2880000" y="1308600"/>
-            <a:ext cx="3823200" cy="2867400"/>
+            <a:ext cx="3822840" cy="2867040"/>
           </a:xfrm>
           <a:prstGeom prst="rect">
             <a:avLst/>
@@ -5623,14 +5575,14 @@
       </p:grpSpPr>
       <p:sp>
         <p:nvSpPr>
-          <p:cNvPr id="132" name="TextShape 1"/>
-          <p:cNvSpPr txBox="1"/>
+          <p:cNvPr id="130" name="CustomShape 1"/>
+          <p:cNvSpPr/>
           <p:nvPr/>
         </p:nvSpPr>
         <p:spPr>
           <a:xfrm>
             <a:off x="457200" y="205920"/>
-            <a:ext cx="8229240" cy="857160"/>
+            <a:ext cx="8228880" cy="856800"/>
           </a:xfrm>
           <a:prstGeom prst="rect">
             <a:avLst/>
@@ -5640,8 +5592,14 @@
             <a:noFill/>
           </a:ln>
         </p:spPr>
-        <p:txBody>
-          <a:bodyPr tIns="91440" bIns="91440" anchor="b"/>
+        <p:style>
+          <a:lnRef idx="0"/>
+          <a:fillRef idx="0"/>
+          <a:effectRef idx="0"/>
+          <a:fontRef idx="minor"/>
+        </p:style>
+        <p:txBody>
+          <a:bodyPr lIns="90000" rIns="90000" tIns="91440" bIns="91440" anchor="b"/>
           <a:p>
             <a:pPr>
               <a:lnSpc>
@@ -5663,30 +5621,30 @@
               </a:rPr>
               <a:t>4b: Hierarchical LK (cont.)</a:t>
             </a:r>
-            <a:endParaRPr b="0" lang="en-IE" sz="1400" spc="-1" strike="noStrike">
-              <a:solidFill>
-                <a:srgbClr val="000000"/>
-              </a:solidFill>
-              <a:uFill>
-                <a:solidFill>
-                  <a:srgbClr val="ffffff"/>
-                </a:solidFill>
-              </a:uFill>
-              <a:latin typeface="Arial"/>
-            </a:endParaRPr>
-          </a:p>
-        </p:txBody>
-      </p:sp>
-      <p:sp>
-        <p:nvSpPr>
-          <p:cNvPr id="133" name="CustomShape 2"/>
+            <a:endParaRPr b="0" lang="en-IE" sz="1800" spc="-1" strike="noStrike">
+              <a:solidFill>
+                <a:srgbClr val="000000"/>
+              </a:solidFill>
+              <a:uFill>
+                <a:solidFill>
+                  <a:srgbClr val="ffffff"/>
+                </a:solidFill>
+              </a:uFill>
+              <a:latin typeface="Arial"/>
+            </a:endParaRPr>
+          </a:p>
+        </p:txBody>
+      </p:sp>
+      <p:sp>
+        <p:nvSpPr>
+          <p:cNvPr id="131" name="CustomShape 2"/>
           <p:cNvSpPr/>
           <p:nvPr/>
         </p:nvSpPr>
         <p:spPr>
           <a:xfrm>
             <a:off x="0" y="4944240"/>
-            <a:ext cx="2567160" cy="199080"/>
+            <a:ext cx="2566800" cy="198720"/>
           </a:xfrm>
           <a:prstGeom prst="rect">
             <a:avLst/>
@@ -5703,7 +5661,7 @@
           <a:fontRef idx="minor"/>
         </p:style>
         <p:txBody>
-          <a:bodyPr tIns="91440" bIns="91440" anchor="ctr"/>
+          <a:bodyPr lIns="90000" rIns="90000" tIns="91440" bIns="91440" anchor="ctr"/>
           <a:p>
             <a:pPr>
               <a:lnSpc>
@@ -5741,14 +5699,14 @@
       </p:sp>
       <p:sp>
         <p:nvSpPr>
-          <p:cNvPr id="134" name="CustomShape 3"/>
+          <p:cNvPr id="132" name="CustomShape 3"/>
           <p:cNvSpPr/>
           <p:nvPr/>
         </p:nvSpPr>
         <p:spPr>
           <a:xfrm>
             <a:off x="2412720" y="4313520"/>
-            <a:ext cx="4318560" cy="503640"/>
+            <a:ext cx="4318200" cy="503280"/>
           </a:xfrm>
           <a:prstGeom prst="rect">
             <a:avLst/>
@@ -5765,7 +5723,7 @@
           <a:fontRef idx="minor"/>
         </p:style>
         <p:txBody>
-          <a:bodyPr tIns="91440" bIns="91440"/>
+          <a:bodyPr lIns="90000" rIns="90000" tIns="91440" bIns="91440"/>
           <a:p>
             <a:pPr algn="ctr">
               <a:lnSpc>
@@ -5803,7 +5761,7 @@
       </p:sp>
       <p:pic>
         <p:nvPicPr>
-          <p:cNvPr id="135" name="" descr=""/>
+          <p:cNvPr id="133" name="" descr=""/>
           <p:cNvPicPr/>
           <p:nvPr/>
         </p:nvPicPr>
@@ -5814,7 +5772,7 @@
         <p:spPr>
           <a:xfrm>
             <a:off x="2520000" y="1128600"/>
-            <a:ext cx="4255200" cy="3191400"/>
+            <a:ext cx="4254840" cy="3191040"/>
           </a:xfrm>
           <a:prstGeom prst="rect">
             <a:avLst/>
@@ -5875,14 +5833,14 @@
       </p:grpSpPr>
       <p:sp>
         <p:nvSpPr>
-          <p:cNvPr id="136" name="TextShape 1"/>
-          <p:cNvSpPr txBox="1"/>
+          <p:cNvPr id="134" name="CustomShape 1"/>
+          <p:cNvSpPr/>
           <p:nvPr/>
         </p:nvSpPr>
         <p:spPr>
           <a:xfrm>
             <a:off x="457200" y="205920"/>
-            <a:ext cx="8229240" cy="857160"/>
+            <a:ext cx="8228880" cy="856800"/>
           </a:xfrm>
           <a:prstGeom prst="rect">
             <a:avLst/>
@@ -5892,8 +5850,14 @@
             <a:noFill/>
           </a:ln>
         </p:spPr>
-        <p:txBody>
-          <a:bodyPr tIns="91440" bIns="91440" anchor="b"/>
+        <p:style>
+          <a:lnRef idx="0"/>
+          <a:fillRef idx="0"/>
+          <a:effectRef idx="0"/>
+          <a:fontRef idx="minor"/>
+        </p:style>
+        <p:txBody>
+          <a:bodyPr lIns="90000" rIns="90000" tIns="91440" bIns="91440" anchor="b"/>
           <a:p>
             <a:pPr>
               <a:lnSpc>
@@ -5915,30 +5879,30 @@
               </a:rPr>
               <a:t>5a: Frame Interpolation</a:t>
             </a:r>
-            <a:endParaRPr b="0" lang="en-IE" sz="1400" spc="-1" strike="noStrike">
-              <a:solidFill>
-                <a:srgbClr val="000000"/>
-              </a:solidFill>
-              <a:uFill>
-                <a:solidFill>
-                  <a:srgbClr val="ffffff"/>
-                </a:solidFill>
-              </a:uFill>
-              <a:latin typeface="Arial"/>
-            </a:endParaRPr>
-          </a:p>
-        </p:txBody>
-      </p:sp>
-      <p:sp>
-        <p:nvSpPr>
-          <p:cNvPr id="137" name="CustomShape 2"/>
+            <a:endParaRPr b="0" lang="en-IE" sz="1800" spc="-1" strike="noStrike">
+              <a:solidFill>
+                <a:srgbClr val="000000"/>
+              </a:solidFill>
+              <a:uFill>
+                <a:solidFill>
+                  <a:srgbClr val="ffffff"/>
+                </a:solidFill>
+              </a:uFill>
+              <a:latin typeface="Arial"/>
+            </a:endParaRPr>
+          </a:p>
+        </p:txBody>
+      </p:sp>
+      <p:sp>
+        <p:nvSpPr>
+          <p:cNvPr id="135" name="CustomShape 2"/>
           <p:cNvSpPr/>
           <p:nvPr/>
         </p:nvSpPr>
         <p:spPr>
           <a:xfrm>
             <a:off x="0" y="4944240"/>
-            <a:ext cx="2567160" cy="199080"/>
+            <a:ext cx="2566800" cy="198720"/>
           </a:xfrm>
           <a:prstGeom prst="rect">
             <a:avLst/>
@@ -5955,7 +5919,7 @@
           <a:fontRef idx="minor"/>
         </p:style>
         <p:txBody>
-          <a:bodyPr tIns="91440" bIns="91440" anchor="ctr"/>
+          <a:bodyPr lIns="90000" rIns="90000" tIns="91440" bIns="91440" anchor="ctr"/>
           <a:p>
             <a:pPr>
               <a:lnSpc>
@@ -5993,14 +5957,14 @@
       </p:sp>
       <p:sp>
         <p:nvSpPr>
-          <p:cNvPr id="138" name="CustomShape 3"/>
+          <p:cNvPr id="136" name="CustomShape 3"/>
           <p:cNvSpPr/>
           <p:nvPr/>
         </p:nvSpPr>
         <p:spPr>
           <a:xfrm>
             <a:off x="2412720" y="4313520"/>
-            <a:ext cx="4318560" cy="503640"/>
+            <a:ext cx="4318200" cy="503280"/>
           </a:xfrm>
           <a:prstGeom prst="rect">
             <a:avLst/>
@@ -6017,7 +5981,7 @@
           <a:fontRef idx="minor"/>
         </p:style>
         <p:txBody>
-          <a:bodyPr tIns="91440" bIns="91440"/>
+          <a:bodyPr lIns="90000" rIns="90000" tIns="91440" bIns="91440"/>
           <a:p>
             <a:pPr algn="ctr">
               <a:lnSpc>
@@ -6055,7 +6019,7 @@
       </p:sp>
       <p:pic>
         <p:nvPicPr>
-          <p:cNvPr id="139" name="" descr=""/>
+          <p:cNvPr id="137" name="" descr=""/>
           <p:cNvPicPr/>
           <p:nvPr/>
         </p:nvPicPr>
@@ -6066,7 +6030,7 @@
         <p:spPr>
           <a:xfrm>
             <a:off x="1440000" y="1224000"/>
-            <a:ext cx="6028560" cy="3014280"/>
+            <a:ext cx="6028200" cy="3013920"/>
           </a:xfrm>
           <a:prstGeom prst="rect">
             <a:avLst/>
@@ -6127,14 +6091,14 @@
       </p:grpSpPr>
       <p:sp>
         <p:nvSpPr>
-          <p:cNvPr id="140" name="TextShape 1"/>
-          <p:cNvSpPr txBox="1"/>
+          <p:cNvPr id="138" name="CustomShape 1"/>
+          <p:cNvSpPr/>
           <p:nvPr/>
         </p:nvSpPr>
         <p:spPr>
           <a:xfrm>
             <a:off x="457200" y="205920"/>
-            <a:ext cx="8229240" cy="857160"/>
+            <a:ext cx="8228880" cy="856800"/>
           </a:xfrm>
           <a:prstGeom prst="rect">
             <a:avLst/>
@@ -6144,8 +6108,14 @@
             <a:noFill/>
           </a:ln>
         </p:spPr>
-        <p:txBody>
-          <a:bodyPr tIns="91440" bIns="91440" anchor="b"/>
+        <p:style>
+          <a:lnRef idx="0"/>
+          <a:fillRef idx="0"/>
+          <a:effectRef idx="0"/>
+          <a:fontRef idx="minor"/>
+        </p:style>
+        <p:txBody>
+          <a:bodyPr lIns="90000" rIns="90000" tIns="91440" bIns="91440" anchor="b"/>
           <a:p>
             <a:pPr>
               <a:lnSpc>
@@ -6167,30 +6137,30 @@
               </a:rPr>
               <a:t>5b: Frame Interpolation</a:t>
             </a:r>
-            <a:endParaRPr b="0" lang="en-IE" sz="1400" spc="-1" strike="noStrike">
-              <a:solidFill>
-                <a:srgbClr val="000000"/>
-              </a:solidFill>
-              <a:uFill>
-                <a:solidFill>
-                  <a:srgbClr val="ffffff"/>
-                </a:solidFill>
-              </a:uFill>
-              <a:latin typeface="Arial"/>
-            </a:endParaRPr>
-          </a:p>
-        </p:txBody>
-      </p:sp>
-      <p:sp>
-        <p:nvSpPr>
-          <p:cNvPr id="141" name="CustomShape 2"/>
+            <a:endParaRPr b="0" lang="en-IE" sz="1800" spc="-1" strike="noStrike">
+              <a:solidFill>
+                <a:srgbClr val="000000"/>
+              </a:solidFill>
+              <a:uFill>
+                <a:solidFill>
+                  <a:srgbClr val="ffffff"/>
+                </a:solidFill>
+              </a:uFill>
+              <a:latin typeface="Arial"/>
+            </a:endParaRPr>
+          </a:p>
+        </p:txBody>
+      </p:sp>
+      <p:sp>
+        <p:nvSpPr>
+          <p:cNvPr id="139" name="CustomShape 2"/>
           <p:cNvSpPr/>
           <p:nvPr/>
         </p:nvSpPr>
         <p:spPr>
           <a:xfrm>
             <a:off x="0" y="4944240"/>
-            <a:ext cx="2567160" cy="199080"/>
+            <a:ext cx="2566800" cy="198720"/>
           </a:xfrm>
           <a:prstGeom prst="rect">
             <a:avLst/>
@@ -6207,7 +6177,7 @@
           <a:fontRef idx="minor"/>
         </p:style>
         <p:txBody>
-          <a:bodyPr tIns="91440" bIns="91440" anchor="ctr"/>
+          <a:bodyPr lIns="90000" rIns="90000" tIns="91440" bIns="91440" anchor="ctr"/>
           <a:p>
             <a:pPr>
               <a:lnSpc>
@@ -6245,14 +6215,14 @@
       </p:sp>
       <p:sp>
         <p:nvSpPr>
-          <p:cNvPr id="142" name="CustomShape 3"/>
+          <p:cNvPr id="140" name="CustomShape 3"/>
           <p:cNvSpPr/>
           <p:nvPr/>
         </p:nvSpPr>
         <p:spPr>
           <a:xfrm>
             <a:off x="2412720" y="4313520"/>
-            <a:ext cx="4318560" cy="503640"/>
+            <a:ext cx="4318200" cy="503280"/>
           </a:xfrm>
           <a:prstGeom prst="rect">
             <a:avLst/>
@@ -6269,7 +6239,7 @@
           <a:fontRef idx="minor"/>
         </p:style>
         <p:txBody>
-          <a:bodyPr tIns="91440" bIns="91440"/>
+          <a:bodyPr lIns="90000" rIns="90000" tIns="91440" bIns="91440"/>
           <a:p>
             <a:pPr algn="ctr">
               <a:lnSpc>
@@ -6307,7 +6277,7 @@
       </p:sp>
       <p:pic>
         <p:nvPicPr>
-          <p:cNvPr id="143" name="" descr=""/>
+          <p:cNvPr id="141" name="" descr=""/>
           <p:cNvPicPr/>
           <p:nvPr/>
         </p:nvPicPr>
@@ -6318,7 +6288,7 @@
         <p:spPr>
           <a:xfrm>
             <a:off x="1656000" y="1063080"/>
-            <a:ext cx="6355080" cy="3177360"/>
+            <a:ext cx="6354720" cy="3177000"/>
           </a:xfrm>
           <a:prstGeom prst="rect">
             <a:avLst/>
@@ -6379,14 +6349,14 @@
       </p:grpSpPr>
       <p:sp>
         <p:nvSpPr>
-          <p:cNvPr id="144" name="TextShape 1"/>
-          <p:cNvSpPr txBox="1"/>
+          <p:cNvPr id="142" name="CustomShape 1"/>
+          <p:cNvSpPr/>
           <p:nvPr/>
         </p:nvSpPr>
         <p:spPr>
           <a:xfrm>
             <a:off x="457200" y="205920"/>
-            <a:ext cx="8229240" cy="857160"/>
+            <a:ext cx="8228880" cy="856800"/>
           </a:xfrm>
           <a:prstGeom prst="rect">
             <a:avLst/>
@@ -6396,8 +6366,14 @@
             <a:noFill/>
           </a:ln>
         </p:spPr>
-        <p:txBody>
-          <a:bodyPr tIns="91440" bIns="91440" anchor="b"/>
+        <p:style>
+          <a:lnRef idx="0"/>
+          <a:fillRef idx="0"/>
+          <a:effectRef idx="0"/>
+          <a:fontRef idx="minor"/>
+        </p:style>
+        <p:txBody>
+          <a:bodyPr lIns="90000" rIns="90000" tIns="91440" bIns="91440" anchor="b"/>
           <a:p>
             <a:pPr>
               <a:lnSpc>
@@ -6419,30 +6395,30 @@
               </a:rPr>
               <a:t>5b: Frame Interpolation</a:t>
             </a:r>
-            <a:endParaRPr b="0" lang="en-IE" sz="1400" spc="-1" strike="noStrike">
-              <a:solidFill>
-                <a:srgbClr val="000000"/>
-              </a:solidFill>
-              <a:uFill>
-                <a:solidFill>
-                  <a:srgbClr val="ffffff"/>
-                </a:solidFill>
-              </a:uFill>
-              <a:latin typeface="Arial"/>
-            </a:endParaRPr>
-          </a:p>
-        </p:txBody>
-      </p:sp>
-      <p:sp>
-        <p:nvSpPr>
-          <p:cNvPr id="145" name="CustomShape 2"/>
+            <a:endParaRPr b="0" lang="en-IE" sz="1800" spc="-1" strike="noStrike">
+              <a:solidFill>
+                <a:srgbClr val="000000"/>
+              </a:solidFill>
+              <a:uFill>
+                <a:solidFill>
+                  <a:srgbClr val="ffffff"/>
+                </a:solidFill>
+              </a:uFill>
+              <a:latin typeface="Arial"/>
+            </a:endParaRPr>
+          </a:p>
+        </p:txBody>
+      </p:sp>
+      <p:sp>
+        <p:nvSpPr>
+          <p:cNvPr id="143" name="CustomShape 2"/>
           <p:cNvSpPr/>
           <p:nvPr/>
         </p:nvSpPr>
         <p:spPr>
           <a:xfrm>
             <a:off x="0" y="4944240"/>
-            <a:ext cx="2567160" cy="199080"/>
+            <a:ext cx="2566800" cy="198720"/>
           </a:xfrm>
           <a:prstGeom prst="rect">
             <a:avLst/>
@@ -6459,7 +6435,7 @@
           <a:fontRef idx="minor"/>
         </p:style>
         <p:txBody>
-          <a:bodyPr tIns="91440" bIns="91440" anchor="ctr"/>
+          <a:bodyPr lIns="90000" rIns="90000" tIns="91440" bIns="91440" anchor="ctr"/>
           <a:p>
             <a:pPr>
               <a:lnSpc>
@@ -6497,14 +6473,14 @@
       </p:sp>
       <p:sp>
         <p:nvSpPr>
-          <p:cNvPr id="146" name="CustomShape 3"/>
+          <p:cNvPr id="144" name="CustomShape 3"/>
           <p:cNvSpPr/>
           <p:nvPr/>
         </p:nvSpPr>
         <p:spPr>
           <a:xfrm>
             <a:off x="2412720" y="4313520"/>
-            <a:ext cx="4318560" cy="503640"/>
+            <a:ext cx="4318200" cy="503280"/>
           </a:xfrm>
           <a:prstGeom prst="rect">
             <a:avLst/>
@@ -6521,7 +6497,7 @@
           <a:fontRef idx="minor"/>
         </p:style>
         <p:txBody>
-          <a:bodyPr tIns="91440" bIns="91440"/>
+          <a:bodyPr lIns="90000" rIns="90000" tIns="91440" bIns="91440"/>
           <a:p>
             <a:pPr algn="ctr">
               <a:lnSpc>
@@ -6559,7 +6535,7 @@
       </p:sp>
       <p:pic>
         <p:nvPicPr>
-          <p:cNvPr id="147" name="" descr=""/>
+          <p:cNvPr id="145" name="" descr=""/>
           <p:cNvPicPr/>
           <p:nvPr/>
         </p:nvPicPr>
@@ -6570,7 +6546,7 @@
         <p:spPr>
           <a:xfrm>
             <a:off x="1584000" y="1152000"/>
-            <a:ext cx="6244560" cy="3122280"/>
+            <a:ext cx="6244200" cy="3121920"/>
           </a:xfrm>
           <a:prstGeom prst="rect">
             <a:avLst/>
@@ -6631,14 +6607,14 @@
       </p:grpSpPr>
       <p:sp>
         <p:nvSpPr>
-          <p:cNvPr id="77" name="TextShape 1"/>
-          <p:cNvSpPr txBox="1"/>
+          <p:cNvPr id="75" name="CustomShape 1"/>
+          <p:cNvSpPr/>
           <p:nvPr/>
         </p:nvSpPr>
         <p:spPr>
           <a:xfrm>
             <a:off x="457200" y="205920"/>
-            <a:ext cx="8229240" cy="857160"/>
+            <a:ext cx="8228880" cy="856800"/>
           </a:xfrm>
           <a:prstGeom prst="rect">
             <a:avLst/>
@@ -6648,8 +6624,14 @@
             <a:noFill/>
           </a:ln>
         </p:spPr>
-        <p:txBody>
-          <a:bodyPr tIns="91440" bIns="91440" anchor="b"/>
+        <p:style>
+          <a:lnRef idx="0"/>
+          <a:fillRef idx="0"/>
+          <a:effectRef idx="0"/>
+          <a:fontRef idx="minor"/>
+        </p:style>
+        <p:txBody>
+          <a:bodyPr lIns="90000" rIns="90000" tIns="91440" bIns="91440" anchor="b"/>
           <a:p>
             <a:pPr>
               <a:lnSpc>
@@ -6671,30 +6653,30 @@
               </a:rPr>
               <a:t>1a: Base Shift0 and ShiftR2</a:t>
             </a:r>
-            <a:endParaRPr b="0" lang="en-IE" sz="1400" spc="-1" strike="noStrike">
-              <a:solidFill>
-                <a:srgbClr val="000000"/>
-              </a:solidFill>
-              <a:uFill>
-                <a:solidFill>
-                  <a:srgbClr val="ffffff"/>
-                </a:solidFill>
-              </a:uFill>
-              <a:latin typeface="Arial"/>
-            </a:endParaRPr>
-          </a:p>
-        </p:txBody>
-      </p:sp>
-      <p:sp>
-        <p:nvSpPr>
-          <p:cNvPr id="78" name="CustomShape 2"/>
+            <a:endParaRPr b="0" lang="en-IE" sz="1800" spc="-1" strike="noStrike">
+              <a:solidFill>
+                <a:srgbClr val="000000"/>
+              </a:solidFill>
+              <a:uFill>
+                <a:solidFill>
+                  <a:srgbClr val="ffffff"/>
+                </a:solidFill>
+              </a:uFill>
+              <a:latin typeface="Arial"/>
+            </a:endParaRPr>
+          </a:p>
+        </p:txBody>
+      </p:sp>
+      <p:sp>
+        <p:nvSpPr>
+          <p:cNvPr id="76" name="CustomShape 2"/>
           <p:cNvSpPr/>
           <p:nvPr/>
         </p:nvSpPr>
         <p:spPr>
           <a:xfrm>
             <a:off x="0" y="4944240"/>
-            <a:ext cx="2567160" cy="199080"/>
+            <a:ext cx="2566800" cy="198720"/>
           </a:xfrm>
           <a:prstGeom prst="rect">
             <a:avLst/>
@@ -6711,7 +6693,7 @@
           <a:fontRef idx="minor"/>
         </p:style>
         <p:txBody>
-          <a:bodyPr tIns="91440" bIns="91440" anchor="ctr"/>
+          <a:bodyPr lIns="90000" rIns="90000" tIns="91440" bIns="91440" anchor="ctr"/>
           <a:p>
             <a:pPr>
               <a:lnSpc>
@@ -6749,14 +6731,14 @@
       </p:sp>
       <p:sp>
         <p:nvSpPr>
-          <p:cNvPr id="79" name="CustomShape 3"/>
+          <p:cNvPr id="77" name="CustomShape 3"/>
           <p:cNvSpPr/>
           <p:nvPr/>
         </p:nvSpPr>
         <p:spPr>
           <a:xfrm>
             <a:off x="2412720" y="4313520"/>
-            <a:ext cx="4318560" cy="503640"/>
+            <a:ext cx="4318200" cy="503280"/>
           </a:xfrm>
           <a:prstGeom prst="rect">
             <a:avLst/>
@@ -6773,7 +6755,7 @@
           <a:fontRef idx="minor"/>
         </p:style>
         <p:txBody>
-          <a:bodyPr tIns="91440" bIns="91440"/>
+          <a:bodyPr lIns="90000" rIns="90000" tIns="91440" bIns="91440"/>
           <a:p>
             <a:pPr algn="ctr">
               <a:lnSpc>
@@ -6811,7 +6793,7 @@
       </p:sp>
       <p:pic>
         <p:nvPicPr>
-          <p:cNvPr id="80" name="" descr=""/>
+          <p:cNvPr id="78" name="" descr=""/>
           <p:cNvPicPr/>
           <p:nvPr/>
         </p:nvPicPr>
@@ -6822,7 +6804,7 @@
         <p:spPr>
           <a:xfrm>
             <a:off x="3067560" y="1773720"/>
-            <a:ext cx="3047760" cy="2285640"/>
+            <a:ext cx="3047400" cy="2285280"/>
           </a:xfrm>
           <a:prstGeom prst="rect">
             <a:avLst/>
@@ -6883,14 +6865,14 @@
       </p:grpSpPr>
       <p:sp>
         <p:nvSpPr>
-          <p:cNvPr id="148" name="TextShape 1"/>
-          <p:cNvSpPr txBox="1"/>
+          <p:cNvPr id="146" name="CustomShape 1"/>
+          <p:cNvSpPr/>
           <p:nvPr/>
         </p:nvSpPr>
         <p:spPr>
           <a:xfrm>
             <a:off x="457200" y="205920"/>
-            <a:ext cx="8229240" cy="857160"/>
+            <a:ext cx="8228880" cy="856800"/>
           </a:xfrm>
           <a:prstGeom prst="rect">
             <a:avLst/>
@@ -6900,8 +6882,14 @@
             <a:noFill/>
           </a:ln>
         </p:spPr>
-        <p:txBody>
-          <a:bodyPr tIns="91440" bIns="91440" anchor="b"/>
+        <p:style>
+          <a:lnRef idx="0"/>
+          <a:fillRef idx="0"/>
+          <a:effectRef idx="0"/>
+          <a:fontRef idx="minor"/>
+        </p:style>
+        <p:txBody>
+          <a:bodyPr lIns="90000" rIns="90000" tIns="91440" bIns="91440" anchor="b"/>
           <a:p>
             <a:pPr>
               <a:lnSpc>
@@ -6923,30 +6911,30 @@
               </a:rPr>
               <a:t>6: Challenge Problem</a:t>
             </a:r>
-            <a:endParaRPr b="0" lang="en-IE" sz="1400" spc="-1" strike="noStrike">
-              <a:solidFill>
-                <a:srgbClr val="000000"/>
-              </a:solidFill>
-              <a:uFill>
-                <a:solidFill>
-                  <a:srgbClr val="ffffff"/>
-                </a:solidFill>
-              </a:uFill>
-              <a:latin typeface="Arial"/>
-            </a:endParaRPr>
-          </a:p>
-        </p:txBody>
-      </p:sp>
-      <p:sp>
-        <p:nvSpPr>
-          <p:cNvPr id="149" name="CustomShape 2"/>
+            <a:endParaRPr b="0" lang="en-IE" sz="1800" spc="-1" strike="noStrike">
+              <a:solidFill>
+                <a:srgbClr val="000000"/>
+              </a:solidFill>
+              <a:uFill>
+                <a:solidFill>
+                  <a:srgbClr val="ffffff"/>
+                </a:solidFill>
+              </a:uFill>
+              <a:latin typeface="Arial"/>
+            </a:endParaRPr>
+          </a:p>
+        </p:txBody>
+      </p:sp>
+      <p:sp>
+        <p:nvSpPr>
+          <p:cNvPr id="147" name="CustomShape 2"/>
           <p:cNvSpPr/>
           <p:nvPr/>
         </p:nvSpPr>
         <p:spPr>
           <a:xfrm>
             <a:off x="0" y="4944240"/>
-            <a:ext cx="2567160" cy="199080"/>
+            <a:ext cx="2566800" cy="198720"/>
           </a:xfrm>
           <a:prstGeom prst="rect">
             <a:avLst/>
@@ -6963,7 +6951,7 @@
           <a:fontRef idx="minor"/>
         </p:style>
         <p:txBody>
-          <a:bodyPr tIns="91440" bIns="91440" anchor="ctr"/>
+          <a:bodyPr lIns="90000" rIns="90000" tIns="91440" bIns="91440" anchor="ctr"/>
           <a:p>
             <a:pPr>
               <a:lnSpc>
@@ -7001,14 +6989,14 @@
       </p:sp>
       <p:sp>
         <p:nvSpPr>
-          <p:cNvPr id="150" name="CustomShape 3"/>
+          <p:cNvPr id="148" name="CustomShape 3"/>
           <p:cNvSpPr/>
           <p:nvPr/>
         </p:nvSpPr>
         <p:spPr>
           <a:xfrm>
             <a:off x="2412720" y="4313520"/>
-            <a:ext cx="4318560" cy="503640"/>
+            <a:ext cx="4318200" cy="503280"/>
           </a:xfrm>
           <a:prstGeom prst="rect">
             <a:avLst/>
@@ -7025,7 +7013,7 @@
           <a:fontRef idx="minor"/>
         </p:style>
         <p:txBody>
-          <a:bodyPr tIns="91440" bIns="91440"/>
+          <a:bodyPr lIns="90000" rIns="90000" tIns="91440" bIns="91440"/>
           <a:p>
             <a:pPr algn="ctr">
               <a:lnSpc>
@@ -7063,7 +7051,7 @@
       </p:sp>
       <p:pic>
         <p:nvPicPr>
-          <p:cNvPr id="151" name="" descr=""/>
+          <p:cNvPr id="149" name="" descr=""/>
           <p:cNvPicPr/>
           <p:nvPr/>
         </p:nvPicPr>
@@ -7074,7 +7062,7 @@
         <p:spPr>
           <a:xfrm>
             <a:off x="2907360" y="936000"/>
-            <a:ext cx="3428640" cy="3428640"/>
+            <a:ext cx="3428280" cy="3428280"/>
           </a:xfrm>
           <a:prstGeom prst="rect">
             <a:avLst/>
@@ -7135,14 +7123,14 @@
       </p:grpSpPr>
       <p:sp>
         <p:nvSpPr>
-          <p:cNvPr id="152" name="TextShape 1"/>
-          <p:cNvSpPr txBox="1"/>
+          <p:cNvPr id="150" name="CustomShape 1"/>
+          <p:cNvSpPr/>
           <p:nvPr/>
         </p:nvSpPr>
         <p:spPr>
           <a:xfrm>
             <a:off x="457200" y="205920"/>
-            <a:ext cx="8229240" cy="857160"/>
+            <a:ext cx="8228880" cy="856800"/>
           </a:xfrm>
           <a:prstGeom prst="rect">
             <a:avLst/>
@@ -7152,8 +7140,14 @@
             <a:noFill/>
           </a:ln>
         </p:spPr>
-        <p:txBody>
-          <a:bodyPr tIns="91440" bIns="91440" anchor="b"/>
+        <p:style>
+          <a:lnRef idx="0"/>
+          <a:fillRef idx="0"/>
+          <a:effectRef idx="0"/>
+          <a:fontRef idx="minor"/>
+        </p:style>
+        <p:txBody>
+          <a:bodyPr lIns="90000" rIns="90000" tIns="91440" bIns="91440" anchor="b"/>
           <a:p>
             <a:pPr>
               <a:lnSpc>
@@ -7175,30 +7169,30 @@
               </a:rPr>
               <a:t>6: Challenge Problem (cont.)</a:t>
             </a:r>
-            <a:endParaRPr b="0" lang="en-IE" sz="1400" spc="-1" strike="noStrike">
-              <a:solidFill>
-                <a:srgbClr val="000000"/>
-              </a:solidFill>
-              <a:uFill>
-                <a:solidFill>
-                  <a:srgbClr val="ffffff"/>
-                </a:solidFill>
-              </a:uFill>
-              <a:latin typeface="Arial"/>
-            </a:endParaRPr>
-          </a:p>
-        </p:txBody>
-      </p:sp>
-      <p:sp>
-        <p:nvSpPr>
-          <p:cNvPr id="153" name="CustomShape 2"/>
+            <a:endParaRPr b="0" lang="en-IE" sz="1800" spc="-1" strike="noStrike">
+              <a:solidFill>
+                <a:srgbClr val="000000"/>
+              </a:solidFill>
+              <a:uFill>
+                <a:solidFill>
+                  <a:srgbClr val="ffffff"/>
+                </a:solidFill>
+              </a:uFill>
+              <a:latin typeface="Arial"/>
+            </a:endParaRPr>
+          </a:p>
+        </p:txBody>
+      </p:sp>
+      <p:sp>
+        <p:nvSpPr>
+          <p:cNvPr id="151" name="CustomShape 2"/>
           <p:cNvSpPr/>
           <p:nvPr/>
         </p:nvSpPr>
         <p:spPr>
           <a:xfrm>
             <a:off x="0" y="4944240"/>
-            <a:ext cx="2567160" cy="199080"/>
+            <a:ext cx="2566800" cy="198720"/>
           </a:xfrm>
           <a:prstGeom prst="rect">
             <a:avLst/>
@@ -7215,7 +7209,7 @@
           <a:fontRef idx="minor"/>
         </p:style>
         <p:txBody>
-          <a:bodyPr tIns="91440" bIns="91440" anchor="ctr"/>
+          <a:bodyPr lIns="90000" rIns="90000" tIns="91440" bIns="91440" anchor="ctr"/>
           <a:p>
             <a:pPr>
               <a:lnSpc>
@@ -7253,14 +7247,14 @@
       </p:sp>
       <p:sp>
         <p:nvSpPr>
-          <p:cNvPr id="154" name="CustomShape 3"/>
+          <p:cNvPr id="152" name="CustomShape 3"/>
           <p:cNvSpPr/>
           <p:nvPr/>
         </p:nvSpPr>
         <p:spPr>
           <a:xfrm>
             <a:off x="2412720" y="4313520"/>
-            <a:ext cx="4318560" cy="503640"/>
+            <a:ext cx="4318200" cy="503280"/>
           </a:xfrm>
           <a:prstGeom prst="rect">
             <a:avLst/>
@@ -7277,7 +7271,7 @@
           <a:fontRef idx="minor"/>
         </p:style>
         <p:txBody>
-          <a:bodyPr tIns="91440" bIns="91440"/>
+          <a:bodyPr lIns="90000" rIns="90000" tIns="91440" bIns="91440"/>
           <a:p>
             <a:pPr algn="ctr">
               <a:lnSpc>
@@ -7315,7 +7309,7 @@
       </p:sp>
       <p:pic>
         <p:nvPicPr>
-          <p:cNvPr id="155" name="" descr=""/>
+          <p:cNvPr id="153" name="" descr=""/>
           <p:cNvPicPr/>
           <p:nvPr/>
         </p:nvPicPr>
@@ -7326,7 +7320,7 @@
         <p:spPr>
           <a:xfrm>
             <a:off x="2877120" y="1008000"/>
-            <a:ext cx="3428640" cy="3428640"/>
+            <a:ext cx="3428280" cy="3428280"/>
           </a:xfrm>
           <a:prstGeom prst="rect">
             <a:avLst/>
@@ -7387,14 +7381,14 @@
       </p:grpSpPr>
       <p:sp>
         <p:nvSpPr>
-          <p:cNvPr id="156" name="TextShape 1"/>
-          <p:cNvSpPr txBox="1"/>
+          <p:cNvPr id="154" name="CustomShape 1"/>
+          <p:cNvSpPr/>
           <p:nvPr/>
         </p:nvSpPr>
         <p:spPr>
           <a:xfrm>
             <a:off x="457200" y="205920"/>
-            <a:ext cx="8229240" cy="857160"/>
+            <a:ext cx="8228880" cy="856800"/>
           </a:xfrm>
           <a:prstGeom prst="rect">
             <a:avLst/>
@@ -7404,8 +7398,14 @@
             <a:noFill/>
           </a:ln>
         </p:spPr>
-        <p:txBody>
-          <a:bodyPr tIns="91440" bIns="91440" anchor="b"/>
+        <p:style>
+          <a:lnRef idx="0"/>
+          <a:fillRef idx="0"/>
+          <a:effectRef idx="0"/>
+          <a:fontRef idx="minor"/>
+        </p:style>
+        <p:txBody>
+          <a:bodyPr lIns="90000" rIns="90000" tIns="91440" bIns="91440" anchor="b"/>
           <a:p>
             <a:pPr>
               <a:lnSpc>
@@ -7427,30 +7427,30 @@
               </a:rPr>
               <a:t>6: Challenge Problem (cont.)</a:t>
             </a:r>
-            <a:endParaRPr b="0" lang="en-IE" sz="1400" spc="-1" strike="noStrike">
-              <a:solidFill>
-                <a:srgbClr val="000000"/>
-              </a:solidFill>
-              <a:uFill>
-                <a:solidFill>
-                  <a:srgbClr val="ffffff"/>
-                </a:solidFill>
-              </a:uFill>
-              <a:latin typeface="Arial"/>
-            </a:endParaRPr>
-          </a:p>
-        </p:txBody>
-      </p:sp>
-      <p:sp>
-        <p:nvSpPr>
-          <p:cNvPr id="157" name="CustomShape 2"/>
+            <a:endParaRPr b="0" lang="en-IE" sz="1800" spc="-1" strike="noStrike">
+              <a:solidFill>
+                <a:srgbClr val="000000"/>
+              </a:solidFill>
+              <a:uFill>
+                <a:solidFill>
+                  <a:srgbClr val="ffffff"/>
+                </a:solidFill>
+              </a:uFill>
+              <a:latin typeface="Arial"/>
+            </a:endParaRPr>
+          </a:p>
+        </p:txBody>
+      </p:sp>
+      <p:sp>
+        <p:nvSpPr>
+          <p:cNvPr id="155" name="CustomShape 2"/>
           <p:cNvSpPr/>
           <p:nvPr/>
         </p:nvSpPr>
         <p:spPr>
           <a:xfrm>
             <a:off x="0" y="4944240"/>
-            <a:ext cx="2567160" cy="199080"/>
+            <a:ext cx="2566800" cy="198720"/>
           </a:xfrm>
           <a:prstGeom prst="rect">
             <a:avLst/>
@@ -7467,7 +7467,7 @@
           <a:fontRef idx="minor"/>
         </p:style>
         <p:txBody>
-          <a:bodyPr tIns="91440" bIns="91440" anchor="ctr"/>
+          <a:bodyPr lIns="90000" rIns="90000" tIns="91440" bIns="91440" anchor="ctr"/>
           <a:p>
             <a:pPr>
               <a:lnSpc>
@@ -7505,14 +7505,14 @@
       </p:sp>
       <p:sp>
         <p:nvSpPr>
-          <p:cNvPr id="158" name="CustomShape 3"/>
+          <p:cNvPr id="156" name="CustomShape 3"/>
           <p:cNvSpPr/>
           <p:nvPr/>
         </p:nvSpPr>
         <p:spPr>
           <a:xfrm>
             <a:off x="1113840" y="2432520"/>
-            <a:ext cx="6989760" cy="1010880"/>
+            <a:ext cx="6989400" cy="1010520"/>
           </a:xfrm>
           <a:prstGeom prst="rect">
             <a:avLst/>
@@ -7529,7 +7529,7 @@
           <a:fontRef idx="minor"/>
         </p:style>
         <p:txBody>
-          <a:bodyPr tIns="91440" bIns="91440"/>
+          <a:bodyPr lIns="90000" rIns="90000" tIns="91440" bIns="91440"/>
           <a:p>
             <a:pPr algn="ctr">
               <a:lnSpc>
@@ -7537,9 +7537,9 @@
               </a:lnSpc>
             </a:pPr>
             <a:r>
-              <a:rPr b="1" lang="en-IE" sz="3600" spc="-1" strike="noStrike">
-                <a:solidFill>
-                  <a:srgbClr val="000000"/>
+              <a:rPr b="1" lang="en-IE" sz="3600" spc="-1" strike="noStrike" u="sng">
+                <a:solidFill>
+                  <a:srgbClr val="0000ff"/>
                 </a:solidFill>
                 <a:uFill>
                   <a:solidFill>
@@ -7650,14 +7650,14 @@
       </p:grpSpPr>
       <p:sp>
         <p:nvSpPr>
-          <p:cNvPr id="81" name="TextShape 1"/>
-          <p:cNvSpPr txBox="1"/>
+          <p:cNvPr id="79" name="CustomShape 1"/>
+          <p:cNvSpPr/>
           <p:nvPr/>
         </p:nvSpPr>
         <p:spPr>
           <a:xfrm>
             <a:off x="457200" y="205920"/>
-            <a:ext cx="8229240" cy="857160"/>
+            <a:ext cx="8228880" cy="856800"/>
           </a:xfrm>
           <a:prstGeom prst="rect">
             <a:avLst/>
@@ -7667,8 +7667,14 @@
             <a:noFill/>
           </a:ln>
         </p:spPr>
-        <p:txBody>
-          <a:bodyPr tIns="91440" bIns="91440" anchor="b"/>
+        <p:style>
+          <a:lnRef idx="0"/>
+          <a:fillRef idx="0"/>
+          <a:effectRef idx="0"/>
+          <a:fontRef idx="minor"/>
+        </p:style>
+        <p:txBody>
+          <a:bodyPr lIns="90000" rIns="90000" tIns="91440" bIns="91440" anchor="b"/>
           <a:p>
             <a:pPr>
               <a:lnSpc>
@@ -7690,30 +7696,30 @@
               </a:rPr>
               <a:t>1a: Base Shift0 and ShiftR5U5</a:t>
             </a:r>
-            <a:endParaRPr b="0" lang="en-IE" sz="1400" spc="-1" strike="noStrike">
-              <a:solidFill>
-                <a:srgbClr val="000000"/>
-              </a:solidFill>
-              <a:uFill>
-                <a:solidFill>
-                  <a:srgbClr val="ffffff"/>
-                </a:solidFill>
-              </a:uFill>
-              <a:latin typeface="Arial"/>
-            </a:endParaRPr>
-          </a:p>
-        </p:txBody>
-      </p:sp>
-      <p:sp>
-        <p:nvSpPr>
-          <p:cNvPr id="82" name="CustomShape 2"/>
+            <a:endParaRPr b="0" lang="en-IE" sz="1800" spc="-1" strike="noStrike">
+              <a:solidFill>
+                <a:srgbClr val="000000"/>
+              </a:solidFill>
+              <a:uFill>
+                <a:solidFill>
+                  <a:srgbClr val="ffffff"/>
+                </a:solidFill>
+              </a:uFill>
+              <a:latin typeface="Arial"/>
+            </a:endParaRPr>
+          </a:p>
+        </p:txBody>
+      </p:sp>
+      <p:sp>
+        <p:nvSpPr>
+          <p:cNvPr id="80" name="CustomShape 2"/>
           <p:cNvSpPr/>
           <p:nvPr/>
         </p:nvSpPr>
         <p:spPr>
           <a:xfrm>
             <a:off x="0" y="4944240"/>
-            <a:ext cx="2567160" cy="199080"/>
+            <a:ext cx="2566800" cy="198720"/>
           </a:xfrm>
           <a:prstGeom prst="rect">
             <a:avLst/>
@@ -7730,7 +7736,7 @@
           <a:fontRef idx="minor"/>
         </p:style>
         <p:txBody>
-          <a:bodyPr tIns="91440" bIns="91440" anchor="ctr"/>
+          <a:bodyPr lIns="90000" rIns="90000" tIns="91440" bIns="91440" anchor="ctr"/>
           <a:p>
             <a:pPr>
               <a:lnSpc>
@@ -7768,14 +7774,14 @@
       </p:sp>
       <p:sp>
         <p:nvSpPr>
-          <p:cNvPr id="83" name="CustomShape 3"/>
+          <p:cNvPr id="81" name="CustomShape 3"/>
           <p:cNvSpPr/>
           <p:nvPr/>
         </p:nvSpPr>
         <p:spPr>
           <a:xfrm>
             <a:off x="2412720" y="4313520"/>
-            <a:ext cx="4318560" cy="503640"/>
+            <a:ext cx="4318200" cy="503280"/>
           </a:xfrm>
           <a:prstGeom prst="rect">
             <a:avLst/>
@@ -7792,7 +7798,7 @@
           <a:fontRef idx="minor"/>
         </p:style>
         <p:txBody>
-          <a:bodyPr tIns="91440" bIns="91440"/>
+          <a:bodyPr lIns="90000" rIns="90000" tIns="91440" bIns="91440"/>
           <a:p>
             <a:pPr algn="ctr">
               <a:lnSpc>
@@ -7830,7 +7836,7 @@
       </p:sp>
       <p:pic>
         <p:nvPicPr>
-          <p:cNvPr id="84" name="" descr=""/>
+          <p:cNvPr id="82" name="" descr=""/>
           <p:cNvPicPr/>
           <p:nvPr/>
         </p:nvPicPr>
@@ -7841,7 +7847,7 @@
         <p:spPr>
           <a:xfrm>
             <a:off x="3067560" y="1773720"/>
-            <a:ext cx="3047760" cy="2285640"/>
+            <a:ext cx="3047400" cy="2285280"/>
           </a:xfrm>
           <a:prstGeom prst="rect">
             <a:avLst/>
@@ -7902,14 +7908,14 @@
       </p:grpSpPr>
       <p:sp>
         <p:nvSpPr>
-          <p:cNvPr id="85" name="TextShape 1"/>
-          <p:cNvSpPr txBox="1"/>
+          <p:cNvPr id="83" name="CustomShape 1"/>
+          <p:cNvSpPr/>
           <p:nvPr/>
         </p:nvSpPr>
         <p:spPr>
           <a:xfrm>
             <a:off x="457200" y="205920"/>
-            <a:ext cx="8229240" cy="857160"/>
+            <a:ext cx="8228880" cy="856800"/>
           </a:xfrm>
           <a:prstGeom prst="rect">
             <a:avLst/>
@@ -7919,8 +7925,14 @@
             <a:noFill/>
           </a:ln>
         </p:spPr>
-        <p:txBody>
-          <a:bodyPr tIns="91440" bIns="91440" anchor="b"/>
+        <p:style>
+          <a:lnRef idx="0"/>
+          <a:fillRef idx="0"/>
+          <a:effectRef idx="0"/>
+          <a:fontRef idx="minor"/>
+        </p:style>
+        <p:txBody>
+          <a:bodyPr lIns="90000" rIns="90000" tIns="91440" bIns="91440" anchor="b"/>
           <a:p>
             <a:pPr>
               <a:lnSpc>
@@ -7942,30 +7954,30 @@
               </a:rPr>
               <a:t>1b: Base Shift0 and ShiftR10</a:t>
             </a:r>
-            <a:endParaRPr b="0" lang="en-IE" sz="1400" spc="-1" strike="noStrike">
-              <a:solidFill>
-                <a:srgbClr val="000000"/>
-              </a:solidFill>
-              <a:uFill>
-                <a:solidFill>
-                  <a:srgbClr val="ffffff"/>
-                </a:solidFill>
-              </a:uFill>
-              <a:latin typeface="Arial"/>
-            </a:endParaRPr>
-          </a:p>
-        </p:txBody>
-      </p:sp>
-      <p:sp>
-        <p:nvSpPr>
-          <p:cNvPr id="86" name="CustomShape 2"/>
+            <a:endParaRPr b="0" lang="en-IE" sz="1800" spc="-1" strike="noStrike">
+              <a:solidFill>
+                <a:srgbClr val="000000"/>
+              </a:solidFill>
+              <a:uFill>
+                <a:solidFill>
+                  <a:srgbClr val="ffffff"/>
+                </a:solidFill>
+              </a:uFill>
+              <a:latin typeface="Arial"/>
+            </a:endParaRPr>
+          </a:p>
+        </p:txBody>
+      </p:sp>
+      <p:sp>
+        <p:nvSpPr>
+          <p:cNvPr id="84" name="CustomShape 2"/>
           <p:cNvSpPr/>
           <p:nvPr/>
         </p:nvSpPr>
         <p:spPr>
           <a:xfrm>
             <a:off x="0" y="4944240"/>
-            <a:ext cx="2567160" cy="199080"/>
+            <a:ext cx="2566800" cy="198720"/>
           </a:xfrm>
           <a:prstGeom prst="rect">
             <a:avLst/>
@@ -7982,7 +7994,7 @@
           <a:fontRef idx="minor"/>
         </p:style>
         <p:txBody>
-          <a:bodyPr tIns="91440" bIns="91440" anchor="ctr"/>
+          <a:bodyPr lIns="90000" rIns="90000" tIns="91440" bIns="91440" anchor="ctr"/>
           <a:p>
             <a:pPr>
               <a:lnSpc>
@@ -8020,14 +8032,14 @@
       </p:sp>
       <p:sp>
         <p:nvSpPr>
-          <p:cNvPr id="87" name="CustomShape 3"/>
+          <p:cNvPr id="85" name="CustomShape 3"/>
           <p:cNvSpPr/>
           <p:nvPr/>
         </p:nvSpPr>
         <p:spPr>
           <a:xfrm>
             <a:off x="2412720" y="4313520"/>
-            <a:ext cx="4318560" cy="503640"/>
+            <a:ext cx="4318200" cy="503280"/>
           </a:xfrm>
           <a:prstGeom prst="rect">
             <a:avLst/>
@@ -8044,7 +8056,7 @@
           <a:fontRef idx="minor"/>
         </p:style>
         <p:txBody>
-          <a:bodyPr tIns="91440" bIns="91440"/>
+          <a:bodyPr lIns="90000" rIns="90000" tIns="91440" bIns="91440"/>
           <a:p>
             <a:pPr algn="ctr">
               <a:lnSpc>
@@ -8082,7 +8094,7 @@
       </p:sp>
       <p:pic>
         <p:nvPicPr>
-          <p:cNvPr id="88" name="" descr=""/>
+          <p:cNvPr id="86" name="" descr=""/>
           <p:cNvPicPr/>
           <p:nvPr/>
         </p:nvPicPr>
@@ -8093,7 +8105,7 @@
         <p:spPr>
           <a:xfrm>
             <a:off x="3067560" y="1773720"/>
-            <a:ext cx="3047760" cy="2285640"/>
+            <a:ext cx="3047400" cy="2285280"/>
           </a:xfrm>
           <a:prstGeom prst="rect">
             <a:avLst/>
@@ -8154,14 +8166,14 @@
       </p:grpSpPr>
       <p:sp>
         <p:nvSpPr>
-          <p:cNvPr id="89" name="TextShape 1"/>
-          <p:cNvSpPr txBox="1"/>
+          <p:cNvPr id="87" name="CustomShape 1"/>
+          <p:cNvSpPr/>
           <p:nvPr/>
         </p:nvSpPr>
         <p:spPr>
           <a:xfrm>
             <a:off x="457200" y="205920"/>
-            <a:ext cx="8229240" cy="857160"/>
+            <a:ext cx="8228880" cy="856800"/>
           </a:xfrm>
           <a:prstGeom prst="rect">
             <a:avLst/>
@@ -8171,8 +8183,14 @@
             <a:noFill/>
           </a:ln>
         </p:spPr>
-        <p:txBody>
-          <a:bodyPr tIns="91440" bIns="91440" anchor="b"/>
+        <p:style>
+          <a:lnRef idx="0"/>
+          <a:fillRef idx="0"/>
+          <a:effectRef idx="0"/>
+          <a:fontRef idx="minor"/>
+        </p:style>
+        <p:txBody>
+          <a:bodyPr lIns="90000" rIns="90000" tIns="91440" bIns="91440" anchor="b"/>
           <a:p>
             <a:pPr>
               <a:lnSpc>
@@ -8194,30 +8212,30 @@
               </a:rPr>
               <a:t>1b: Base Shift0 and ShiftR20</a:t>
             </a:r>
-            <a:endParaRPr b="0" lang="en-IE" sz="1400" spc="-1" strike="noStrike">
-              <a:solidFill>
-                <a:srgbClr val="000000"/>
-              </a:solidFill>
-              <a:uFill>
-                <a:solidFill>
-                  <a:srgbClr val="ffffff"/>
-                </a:solidFill>
-              </a:uFill>
-              <a:latin typeface="Arial"/>
-            </a:endParaRPr>
-          </a:p>
-        </p:txBody>
-      </p:sp>
-      <p:sp>
-        <p:nvSpPr>
-          <p:cNvPr id="90" name="CustomShape 2"/>
+            <a:endParaRPr b="0" lang="en-IE" sz="1800" spc="-1" strike="noStrike">
+              <a:solidFill>
+                <a:srgbClr val="000000"/>
+              </a:solidFill>
+              <a:uFill>
+                <a:solidFill>
+                  <a:srgbClr val="ffffff"/>
+                </a:solidFill>
+              </a:uFill>
+              <a:latin typeface="Arial"/>
+            </a:endParaRPr>
+          </a:p>
+        </p:txBody>
+      </p:sp>
+      <p:sp>
+        <p:nvSpPr>
+          <p:cNvPr id="88" name="CustomShape 2"/>
           <p:cNvSpPr/>
           <p:nvPr/>
         </p:nvSpPr>
         <p:spPr>
           <a:xfrm>
             <a:off x="0" y="4944240"/>
-            <a:ext cx="2567160" cy="199080"/>
+            <a:ext cx="2566800" cy="198720"/>
           </a:xfrm>
           <a:prstGeom prst="rect">
             <a:avLst/>
@@ -8234,7 +8252,7 @@
           <a:fontRef idx="minor"/>
         </p:style>
         <p:txBody>
-          <a:bodyPr tIns="91440" bIns="91440" anchor="ctr"/>
+          <a:bodyPr lIns="90000" rIns="90000" tIns="91440" bIns="91440" anchor="ctr"/>
           <a:p>
             <a:pPr>
               <a:lnSpc>
@@ -8272,14 +8290,14 @@
       </p:sp>
       <p:sp>
         <p:nvSpPr>
-          <p:cNvPr id="91" name="CustomShape 3"/>
+          <p:cNvPr id="89" name="CustomShape 3"/>
           <p:cNvSpPr/>
           <p:nvPr/>
         </p:nvSpPr>
         <p:spPr>
           <a:xfrm>
             <a:off x="2412720" y="4313520"/>
-            <a:ext cx="4318560" cy="503640"/>
+            <a:ext cx="4318200" cy="503280"/>
           </a:xfrm>
           <a:prstGeom prst="rect">
             <a:avLst/>
@@ -8296,7 +8314,7 @@
           <a:fontRef idx="minor"/>
         </p:style>
         <p:txBody>
-          <a:bodyPr tIns="91440" bIns="91440"/>
+          <a:bodyPr lIns="90000" rIns="90000" tIns="91440" bIns="91440"/>
           <a:p>
             <a:pPr algn="ctr">
               <a:lnSpc>
@@ -8334,7 +8352,7 @@
       </p:sp>
       <p:pic>
         <p:nvPicPr>
-          <p:cNvPr id="92" name="" descr=""/>
+          <p:cNvPr id="90" name="" descr=""/>
           <p:cNvPicPr/>
           <p:nvPr/>
         </p:nvPicPr>
@@ -8345,7 +8363,7 @@
         <p:spPr>
           <a:xfrm>
             <a:off x="3067560" y="1773720"/>
-            <a:ext cx="3047760" cy="2285640"/>
+            <a:ext cx="3047400" cy="2285280"/>
           </a:xfrm>
           <a:prstGeom prst="rect">
             <a:avLst/>
@@ -8406,14 +8424,14 @@
       </p:grpSpPr>
       <p:sp>
         <p:nvSpPr>
-          <p:cNvPr id="93" name="TextShape 1"/>
-          <p:cNvSpPr txBox="1"/>
+          <p:cNvPr id="91" name="CustomShape 1"/>
+          <p:cNvSpPr/>
           <p:nvPr/>
         </p:nvSpPr>
         <p:spPr>
           <a:xfrm>
             <a:off x="457200" y="205920"/>
-            <a:ext cx="8229240" cy="857160"/>
+            <a:ext cx="8228880" cy="856800"/>
           </a:xfrm>
           <a:prstGeom prst="rect">
             <a:avLst/>
@@ -8423,8 +8441,14 @@
             <a:noFill/>
           </a:ln>
         </p:spPr>
-        <p:txBody>
-          <a:bodyPr tIns="91440" bIns="91440" anchor="b"/>
+        <p:style>
+          <a:lnRef idx="0"/>
+          <a:fillRef idx="0"/>
+          <a:effectRef idx="0"/>
+          <a:fontRef idx="minor"/>
+        </p:style>
+        <p:txBody>
+          <a:bodyPr lIns="90000" rIns="90000" tIns="91440" bIns="91440" anchor="b"/>
           <a:p>
             <a:pPr>
               <a:lnSpc>
@@ -8446,30 +8470,30 @@
               </a:rPr>
               <a:t>1b: Base Shift0 and ShiftR40</a:t>
             </a:r>
-            <a:endParaRPr b="0" lang="en-IE" sz="1400" spc="-1" strike="noStrike">
-              <a:solidFill>
-                <a:srgbClr val="000000"/>
-              </a:solidFill>
-              <a:uFill>
-                <a:solidFill>
-                  <a:srgbClr val="ffffff"/>
-                </a:solidFill>
-              </a:uFill>
-              <a:latin typeface="Arial"/>
-            </a:endParaRPr>
-          </a:p>
-        </p:txBody>
-      </p:sp>
-      <p:sp>
-        <p:nvSpPr>
-          <p:cNvPr id="94" name="CustomShape 2"/>
+            <a:endParaRPr b="0" lang="en-IE" sz="1800" spc="-1" strike="noStrike">
+              <a:solidFill>
+                <a:srgbClr val="000000"/>
+              </a:solidFill>
+              <a:uFill>
+                <a:solidFill>
+                  <a:srgbClr val="ffffff"/>
+                </a:solidFill>
+              </a:uFill>
+              <a:latin typeface="Arial"/>
+            </a:endParaRPr>
+          </a:p>
+        </p:txBody>
+      </p:sp>
+      <p:sp>
+        <p:nvSpPr>
+          <p:cNvPr id="92" name="CustomShape 2"/>
           <p:cNvSpPr/>
           <p:nvPr/>
         </p:nvSpPr>
         <p:spPr>
           <a:xfrm>
             <a:off x="0" y="4944240"/>
-            <a:ext cx="2567160" cy="199080"/>
+            <a:ext cx="2566800" cy="198720"/>
           </a:xfrm>
           <a:prstGeom prst="rect">
             <a:avLst/>
@@ -8486,7 +8510,7 @@
           <a:fontRef idx="minor"/>
         </p:style>
         <p:txBody>
-          <a:bodyPr tIns="91440" bIns="91440" anchor="ctr"/>
+          <a:bodyPr lIns="90000" rIns="90000" tIns="91440" bIns="91440" anchor="ctr"/>
           <a:p>
             <a:pPr>
               <a:lnSpc>
@@ -8524,14 +8548,14 @@
       </p:sp>
       <p:sp>
         <p:nvSpPr>
-          <p:cNvPr id="95" name="CustomShape 3"/>
+          <p:cNvPr id="93" name="CustomShape 3"/>
           <p:cNvSpPr/>
           <p:nvPr/>
         </p:nvSpPr>
         <p:spPr>
           <a:xfrm>
             <a:off x="2412720" y="4313520"/>
-            <a:ext cx="4318560" cy="503640"/>
+            <a:ext cx="4318200" cy="503280"/>
           </a:xfrm>
           <a:prstGeom prst="rect">
             <a:avLst/>
@@ -8548,7 +8572,7 @@
           <a:fontRef idx="minor"/>
         </p:style>
         <p:txBody>
-          <a:bodyPr tIns="91440" bIns="91440"/>
+          <a:bodyPr lIns="90000" rIns="90000" tIns="91440" bIns="91440"/>
           <a:p>
             <a:pPr algn="ctr">
               <a:lnSpc>
@@ -8586,7 +8610,7 @@
       </p:sp>
       <p:pic>
         <p:nvPicPr>
-          <p:cNvPr id="96" name="" descr=""/>
+          <p:cNvPr id="94" name="" descr=""/>
           <p:cNvPicPr/>
           <p:nvPr/>
         </p:nvPicPr>
@@ -8597,7 +8621,7 @@
         <p:spPr>
           <a:xfrm>
             <a:off x="3067560" y="1773720"/>
-            <a:ext cx="3047760" cy="2285640"/>
+            <a:ext cx="3047400" cy="2285280"/>
           </a:xfrm>
           <a:prstGeom prst="rect">
             <a:avLst/>
@@ -8658,14 +8682,14 @@
       </p:grpSpPr>
       <p:sp>
         <p:nvSpPr>
-          <p:cNvPr id="97" name="TextShape 1"/>
-          <p:cNvSpPr txBox="1"/>
+          <p:cNvPr id="95" name="CustomShape 1"/>
+          <p:cNvSpPr/>
           <p:nvPr/>
         </p:nvSpPr>
         <p:spPr>
           <a:xfrm>
             <a:off x="457200" y="205920"/>
-            <a:ext cx="8229240" cy="857160"/>
+            <a:ext cx="8228880" cy="856800"/>
           </a:xfrm>
           <a:prstGeom prst="rect">
             <a:avLst/>
@@ -8675,8 +8699,14 @@
             <a:noFill/>
           </a:ln>
         </p:spPr>
-        <p:txBody>
-          <a:bodyPr tIns="91440" bIns="91440" anchor="b"/>
+        <p:style>
+          <a:lnRef idx="0"/>
+          <a:fillRef idx="0"/>
+          <a:effectRef idx="0"/>
+          <a:fontRef idx="minor"/>
+        </p:style>
+        <p:txBody>
+          <a:bodyPr lIns="90000" rIns="90000" tIns="91440" bIns="91440" anchor="b"/>
           <a:p>
             <a:pPr>
               <a:lnSpc>
@@ -8698,30 +8728,30 @@
               </a:rPr>
               <a:t>1b: Text Response</a:t>
             </a:r>
-            <a:endParaRPr b="0" lang="en-IE" sz="1400" spc="-1" strike="noStrike">
-              <a:solidFill>
-                <a:srgbClr val="000000"/>
-              </a:solidFill>
-              <a:uFill>
-                <a:solidFill>
-                  <a:srgbClr val="ffffff"/>
-                </a:solidFill>
-              </a:uFill>
-              <a:latin typeface="Arial"/>
-            </a:endParaRPr>
-          </a:p>
-        </p:txBody>
-      </p:sp>
-      <p:sp>
-        <p:nvSpPr>
-          <p:cNvPr id="98" name="TextShape 2"/>
-          <p:cNvSpPr txBox="1"/>
+            <a:endParaRPr b="0" lang="en-IE" sz="1800" spc="-1" strike="noStrike">
+              <a:solidFill>
+                <a:srgbClr val="000000"/>
+              </a:solidFill>
+              <a:uFill>
+                <a:solidFill>
+                  <a:srgbClr val="ffffff"/>
+                </a:solidFill>
+              </a:uFill>
+              <a:latin typeface="Arial"/>
+            </a:endParaRPr>
+          </a:p>
+        </p:txBody>
+      </p:sp>
+      <p:sp>
+        <p:nvSpPr>
+          <p:cNvPr id="96" name="CustomShape 2"/>
+          <p:cNvSpPr/>
           <p:nvPr/>
         </p:nvSpPr>
         <p:spPr>
           <a:xfrm>
             <a:off x="457200" y="1200240"/>
-            <a:ext cx="8229240" cy="3725280"/>
+            <a:ext cx="8228880" cy="3724920"/>
           </a:xfrm>
           <a:prstGeom prst="rect">
             <a:avLst/>
@@ -8731,10 +8761,16 @@
             <a:noFill/>
           </a:ln>
         </p:spPr>
-        <p:txBody>
-          <a:bodyPr tIns="91440" bIns="91440"/>
-          <a:p>
-            <a:pPr marL="457200" indent="-380520">
+        <p:style>
+          <a:lnRef idx="0"/>
+          <a:fillRef idx="0"/>
+          <a:effectRef idx="0"/>
+          <a:fontRef idx="minor"/>
+        </p:style>
+        <p:txBody>
+          <a:bodyPr lIns="90000" rIns="90000" tIns="91440" bIns="91440"/>
+          <a:p>
+            <a:pPr marL="457200" indent="-380160">
               <a:lnSpc>
                 <a:spcPct val="115000"/>
               </a:lnSpc>
@@ -8745,7 +8781,7 @@
               <a:buChar char="●"/>
             </a:pPr>
             <a:r>
-              <a:rPr b="0" lang="en-IE" sz="2400" spc="-1" strike="noStrike">
+              <a:rPr b="0" lang="en-IE" sz="1200" spc="-1" strike="noStrike">
                 <a:solidFill>
                   <a:srgbClr val="000000"/>
                 </a:solidFill>
@@ -8759,30 +8795,106 @@
               </a:rPr>
               <a:t>Does LK still work? Does it fall apart on any of the pairs? Try using different parameters to get results closer to the ones above. Describe your results and what you tried.</a:t>
             </a:r>
-            <a:endParaRPr b="0" lang="en-IE" sz="1400" spc="-1" strike="noStrike">
-              <a:solidFill>
-                <a:srgbClr val="000000"/>
-              </a:solidFill>
-              <a:uFill>
-                <a:solidFill>
-                  <a:srgbClr val="ffffff"/>
-                </a:solidFill>
-              </a:uFill>
-              <a:latin typeface="Arial"/>
-            </a:endParaRPr>
-          </a:p>
-        </p:txBody>
-      </p:sp>
-      <p:sp>
-        <p:nvSpPr>
-          <p:cNvPr id="99" name="CustomShape 3"/>
+            <a:endParaRPr b="0" lang="en-IE" sz="1200" spc="-1" strike="noStrike">
+              <a:solidFill>
+                <a:srgbClr val="000000"/>
+              </a:solidFill>
+              <a:uFill>
+                <a:solidFill>
+                  <a:srgbClr val="ffffff"/>
+                </a:solidFill>
+              </a:uFill>
+              <a:latin typeface="Arial"/>
+            </a:endParaRPr>
+          </a:p>
+          <a:p>
+            <a:pPr marL="457200" indent="-380160">
+              <a:lnSpc>
+                <a:spcPct val="115000"/>
+              </a:lnSpc>
+              <a:buClr>
+                <a:srgbClr val="000000"/>
+              </a:buClr>
+              <a:buFont typeface="Arial"/>
+              <a:buChar char="●"/>
+            </a:pPr>
+            <a:r>
+              <a:rPr b="0" lang="en-IE" sz="1200" spc="-1" strike="noStrike">
+                <a:solidFill>
+                  <a:srgbClr val="000000"/>
+                </a:solidFill>
+                <a:uFill>
+                  <a:solidFill>
+                    <a:srgbClr val="ffffff"/>
+                  </a:solidFill>
+                </a:uFill>
+                <a:latin typeface="Calibri"/>
+                <a:ea typeface="Calibri"/>
+              </a:rPr>
+              <a:t> </a:t>
+            </a:r>
+            <a:endParaRPr b="0" lang="en-IE" sz="1200" spc="-1" strike="noStrike">
+              <a:solidFill>
+                <a:srgbClr val="000000"/>
+              </a:solidFill>
+              <a:uFill>
+                <a:solidFill>
+                  <a:srgbClr val="ffffff"/>
+                </a:solidFill>
+              </a:uFill>
+              <a:latin typeface="Arial"/>
+            </a:endParaRPr>
+          </a:p>
+          <a:p>
+            <a:pPr marL="457200" indent="-380160">
+              <a:lnSpc>
+                <a:spcPct val="115000"/>
+              </a:lnSpc>
+              <a:buClr>
+                <a:srgbClr val="000000"/>
+              </a:buClr>
+              <a:buFont typeface="Arial"/>
+              <a:buChar char="●"/>
+            </a:pPr>
+            <a:r>
+              <a:rPr b="0" lang="en-IE" sz="1600" spc="-1" strike="noStrike">
+                <a:solidFill>
+                  <a:srgbClr val="000000"/>
+                </a:solidFill>
+                <a:uFill>
+                  <a:solidFill>
+                    <a:srgbClr val="ffffff"/>
+                  </a:solidFill>
+                </a:uFill>
+                <a:latin typeface="Calibri"/>
+                <a:ea typeface="Calibri"/>
+              </a:rPr>
+              <a:t>LK does not work great on the pairs with the larger shift. A shift of 10 works pretty well, but the shifts of 20 and particularly 30 work poorly. I tried switching to a gaussian kernel but it did not help much. I got my best results in the larger shifts by increasing the blurring which happens in my preprocessing and increasing the kernel size used in the optic flow.   </a:t>
+            </a:r>
+            <a:endParaRPr b="0" lang="en-IE" sz="1200" spc="-1" strike="noStrike">
+              <a:solidFill>
+                <a:srgbClr val="000000"/>
+              </a:solidFill>
+              <a:uFill>
+                <a:solidFill>
+                  <a:srgbClr val="ffffff"/>
+                </a:solidFill>
+              </a:uFill>
+              <a:latin typeface="Arial"/>
+            </a:endParaRPr>
+          </a:p>
+        </p:txBody>
+      </p:sp>
+      <p:sp>
+        <p:nvSpPr>
+          <p:cNvPr id="97" name="CustomShape 3"/>
           <p:cNvSpPr/>
           <p:nvPr/>
         </p:nvSpPr>
         <p:spPr>
           <a:xfrm>
             <a:off x="0" y="4944240"/>
-            <a:ext cx="2567160" cy="199080"/>
+            <a:ext cx="2566800" cy="198720"/>
           </a:xfrm>
           <a:prstGeom prst="rect">
             <a:avLst/>
@@ -8799,7 +8911,7 @@
           <a:fontRef idx="minor"/>
         </p:style>
         <p:txBody>
-          <a:bodyPr tIns="91440" bIns="91440" anchor="ctr"/>
+          <a:bodyPr lIns="90000" rIns="90000" tIns="91440" bIns="91440" anchor="ctr"/>
           <a:p>
             <a:pPr>
               <a:lnSpc>
@@ -8886,14 +8998,14 @@
       </p:grpSpPr>
       <p:sp>
         <p:nvSpPr>
-          <p:cNvPr id="100" name="TextShape 1"/>
-          <p:cNvSpPr txBox="1"/>
+          <p:cNvPr id="98" name="CustomShape 1"/>
+          <p:cNvSpPr/>
           <p:nvPr/>
         </p:nvSpPr>
         <p:spPr>
           <a:xfrm>
             <a:off x="457200" y="205920"/>
-            <a:ext cx="8229240" cy="857160"/>
+            <a:ext cx="8228880" cy="856800"/>
           </a:xfrm>
           <a:prstGeom prst="rect">
             <a:avLst/>
@@ -8903,8 +9015,14 @@
             <a:noFill/>
           </a:ln>
         </p:spPr>
-        <p:txBody>
-          <a:bodyPr tIns="91440" bIns="91440" anchor="b"/>
+        <p:style>
+          <a:lnRef idx="0"/>
+          <a:fillRef idx="0"/>
+          <a:effectRef idx="0"/>
+          <a:fontRef idx="minor"/>
+        </p:style>
+        <p:txBody>
+          <a:bodyPr lIns="90000" rIns="90000" tIns="91440" bIns="91440" anchor="b"/>
           <a:p>
             <a:pPr>
               <a:lnSpc>
@@ -8926,30 +9044,30 @@
               </a:rPr>
               <a:t>2a: Gaussian Pyramid</a:t>
             </a:r>
-            <a:endParaRPr b="0" lang="en-IE" sz="1400" spc="-1" strike="noStrike">
-              <a:solidFill>
-                <a:srgbClr val="000000"/>
-              </a:solidFill>
-              <a:uFill>
-                <a:solidFill>
-                  <a:srgbClr val="ffffff"/>
-                </a:solidFill>
-              </a:uFill>
-              <a:latin typeface="Arial"/>
-            </a:endParaRPr>
-          </a:p>
-        </p:txBody>
-      </p:sp>
-      <p:sp>
-        <p:nvSpPr>
-          <p:cNvPr id="101" name="CustomShape 2"/>
+            <a:endParaRPr b="0" lang="en-IE" sz="1800" spc="-1" strike="noStrike">
+              <a:solidFill>
+                <a:srgbClr val="000000"/>
+              </a:solidFill>
+              <a:uFill>
+                <a:solidFill>
+                  <a:srgbClr val="ffffff"/>
+                </a:solidFill>
+              </a:uFill>
+              <a:latin typeface="Arial"/>
+            </a:endParaRPr>
+          </a:p>
+        </p:txBody>
+      </p:sp>
+      <p:sp>
+        <p:nvSpPr>
+          <p:cNvPr id="99" name="CustomShape 2"/>
           <p:cNvSpPr/>
           <p:nvPr/>
         </p:nvSpPr>
         <p:spPr>
           <a:xfrm>
             <a:off x="0" y="4944240"/>
-            <a:ext cx="2567160" cy="199080"/>
+            <a:ext cx="2566800" cy="198720"/>
           </a:xfrm>
           <a:prstGeom prst="rect">
             <a:avLst/>
@@ -8966,7 +9084,7 @@
           <a:fontRef idx="minor"/>
         </p:style>
         <p:txBody>
-          <a:bodyPr tIns="91440" bIns="91440" anchor="ctr"/>
+          <a:bodyPr lIns="90000" rIns="90000" tIns="91440" bIns="91440" anchor="ctr"/>
           <a:p>
             <a:pPr>
               <a:lnSpc>
@@ -9004,14 +9122,14 @@
       </p:sp>
       <p:sp>
         <p:nvSpPr>
-          <p:cNvPr id="102" name="CustomShape 3"/>
+          <p:cNvPr id="100" name="CustomShape 3"/>
           <p:cNvSpPr/>
           <p:nvPr/>
         </p:nvSpPr>
         <p:spPr>
           <a:xfrm>
             <a:off x="2079000" y="4440240"/>
-            <a:ext cx="4318560" cy="503640"/>
+            <a:ext cx="4318200" cy="503280"/>
           </a:xfrm>
           <a:prstGeom prst="rect">
             <a:avLst/>
@@ -9028,7 +9146,7 @@
           <a:fontRef idx="minor"/>
         </p:style>
         <p:txBody>
-          <a:bodyPr tIns="91440" bIns="91440"/>
+          <a:bodyPr lIns="90000" rIns="90000" tIns="91440" bIns="91440"/>
           <a:p>
             <a:pPr algn="ctr">
               <a:lnSpc>
@@ -9066,7 +9184,7 @@
       </p:sp>
       <p:pic>
         <p:nvPicPr>
-          <p:cNvPr id="103" name="" descr=""/>
+          <p:cNvPr id="101" name="" descr=""/>
           <p:cNvPicPr/>
           <p:nvPr/>
         </p:nvPicPr>
@@ -9077,7 +9195,7 @@
         <p:spPr>
           <a:xfrm>
             <a:off x="1767240" y="1716480"/>
-            <a:ext cx="5648040" cy="2400120"/>
+            <a:ext cx="5647680" cy="2399760"/>
           </a:xfrm>
           <a:prstGeom prst="rect">
             <a:avLst/>
@@ -9138,14 +9256,14 @@
       </p:grpSpPr>
       <p:sp>
         <p:nvSpPr>
-          <p:cNvPr id="104" name="TextShape 1"/>
-          <p:cNvSpPr txBox="1"/>
+          <p:cNvPr id="102" name="CustomShape 1"/>
+          <p:cNvSpPr/>
           <p:nvPr/>
         </p:nvSpPr>
         <p:spPr>
           <a:xfrm>
             <a:off x="457200" y="205920"/>
-            <a:ext cx="8229240" cy="857160"/>
+            <a:ext cx="8228880" cy="856800"/>
           </a:xfrm>
           <a:prstGeom prst="rect">
             <a:avLst/>
@@ -9155,8 +9273,14 @@
             <a:noFill/>
           </a:ln>
         </p:spPr>
-        <p:txBody>
-          <a:bodyPr tIns="91440" bIns="91440" anchor="b"/>
+        <p:style>
+          <a:lnRef idx="0"/>
+          <a:fillRef idx="0"/>
+          <a:effectRef idx="0"/>
+          <a:fontRef idx="minor"/>
+        </p:style>
+        <p:txBody>
+          <a:bodyPr lIns="90000" rIns="90000" tIns="91440" bIns="91440" anchor="b"/>
           <a:p>
             <a:pPr>
               <a:lnSpc>
@@ -9178,30 +9302,30 @@
               </a:rPr>
               <a:t>2b: Laplacian Pyramid</a:t>
             </a:r>
-            <a:endParaRPr b="0" lang="en-IE" sz="1400" spc="-1" strike="noStrike">
-              <a:solidFill>
-                <a:srgbClr val="000000"/>
-              </a:solidFill>
-              <a:uFill>
-                <a:solidFill>
-                  <a:srgbClr val="ffffff"/>
-                </a:solidFill>
-              </a:uFill>
-              <a:latin typeface="Arial"/>
-            </a:endParaRPr>
-          </a:p>
-        </p:txBody>
-      </p:sp>
-      <p:sp>
-        <p:nvSpPr>
-          <p:cNvPr id="105" name="CustomShape 2"/>
+            <a:endParaRPr b="0" lang="en-IE" sz="1800" spc="-1" strike="noStrike">
+              <a:solidFill>
+                <a:srgbClr val="000000"/>
+              </a:solidFill>
+              <a:uFill>
+                <a:solidFill>
+                  <a:srgbClr val="ffffff"/>
+                </a:solidFill>
+              </a:uFill>
+              <a:latin typeface="Arial"/>
+            </a:endParaRPr>
+          </a:p>
+        </p:txBody>
+      </p:sp>
+      <p:sp>
+        <p:nvSpPr>
+          <p:cNvPr id="103" name="CustomShape 2"/>
           <p:cNvSpPr/>
           <p:nvPr/>
         </p:nvSpPr>
         <p:spPr>
           <a:xfrm>
             <a:off x="0" y="4944240"/>
-            <a:ext cx="2567160" cy="199080"/>
+            <a:ext cx="2566800" cy="198720"/>
           </a:xfrm>
           <a:prstGeom prst="rect">
             <a:avLst/>
@@ -9218,7 +9342,7 @@
           <a:fontRef idx="minor"/>
         </p:style>
         <p:txBody>
-          <a:bodyPr tIns="91440" bIns="91440" anchor="ctr"/>
+          <a:bodyPr lIns="90000" rIns="90000" tIns="91440" bIns="91440" anchor="ctr"/>
           <a:p>
             <a:pPr>
               <a:lnSpc>
@@ -9256,14 +9380,14 @@
       </p:sp>
       <p:sp>
         <p:nvSpPr>
-          <p:cNvPr id="106" name="CustomShape 3"/>
+          <p:cNvPr id="104" name="CustomShape 3"/>
           <p:cNvSpPr/>
           <p:nvPr/>
         </p:nvSpPr>
         <p:spPr>
           <a:xfrm>
             <a:off x="2079000" y="4440240"/>
-            <a:ext cx="4318560" cy="503640"/>
+            <a:ext cx="4318200" cy="503280"/>
           </a:xfrm>
           <a:prstGeom prst="rect">
             <a:avLst/>
@@ -9280,7 +9404,7 @@
           <a:fontRef idx="minor"/>
         </p:style>
         <p:txBody>
-          <a:bodyPr tIns="91440" bIns="91440"/>
+          <a:bodyPr lIns="90000" rIns="90000" tIns="91440" bIns="91440"/>
           <a:p>
             <a:pPr>
               <a:lnSpc>
@@ -9333,7 +9457,7 @@
       </p:sp>
       <p:pic>
         <p:nvPicPr>
-          <p:cNvPr id="107" name="" descr=""/>
+          <p:cNvPr id="105" name="" descr=""/>
           <p:cNvPicPr/>
           <p:nvPr/>
         </p:nvPicPr>
@@ -9344,7 +9468,7 @@
         <p:spPr>
           <a:xfrm>
             <a:off x="1767240" y="1716480"/>
-            <a:ext cx="5648040" cy="2400120"/>
+            <a:ext cx="5647680" cy="2399760"/>
           </a:xfrm>
           <a:prstGeom prst="rect">
             <a:avLst/>
